--- a/courses/apcsp/lect7b.pptx
+++ b/courses/apcsp/lect7b.pptx
@@ -29,10 +29,13 @@
     <p:sldId id="357" r:id="rId23"/>
     <p:sldId id="337" r:id="rId24"/>
     <p:sldId id="363" r:id="rId25"/>
-    <p:sldId id="364" r:id="rId26"/>
-    <p:sldId id="365" r:id="rId27"/>
-    <p:sldId id="366" r:id="rId28"/>
-    <p:sldId id="284" r:id="rId29"/>
+    <p:sldId id="367" r:id="rId26"/>
+    <p:sldId id="334" r:id="rId27"/>
+    <p:sldId id="368" r:id="rId28"/>
+    <p:sldId id="364" r:id="rId29"/>
+    <p:sldId id="365" r:id="rId30"/>
+    <p:sldId id="366" r:id="rId31"/>
+    <p:sldId id="284" r:id="rId32"/>
   </p:sldIdLst>
   <p:sldSz cx="9144000" cy="5715000" type="screen16x10"/>
   <p:notesSz cx="6858000" cy="9144000"/>
@@ -142,7 +145,7 @@
 <file path=ppt/revisionInfo.xml><?xml version="1.0" encoding="utf-8"?>
 <p1510:revInfo xmlns:a="http://schemas.openxmlformats.org/drawingml/2006/main" xmlns:r="http://schemas.openxmlformats.org/officeDocument/2006/relationships" xmlns:p1510="http://schemas.microsoft.com/office/powerpoint/2015/10/main">
   <p1510:revLst>
-    <p1510:client id="{F75EDA11-D5F5-A647-A905-569752EB74A6}" v="1899" dt="2021-11-12T14:09:59.307"/>
+    <p1510:client id="{99380BDA-4956-9E42-A2F5-A6F8EC948116}" v="1" dt="2025-11-17T18:12:30.799"/>
   </p1510:revLst>
 </p1510:revInfo>
 </file>
@@ -162,14 +165,6 @@
           <pc:docMk/>
           <pc:sldMk cId="2207246265" sldId="257"/>
         </pc:sldMkLst>
-        <pc:spChg chg="mod">
-          <ac:chgData name="Long B Nguyen" userId="f59fb8f3-a021-417a-8bc1-65c8d471c621" providerId="ADAL" clId="{FA1C73A9-B3EB-C748-BF65-3EC096E6A149}" dt="2021-06-05T15:52:14.167" v="1946" actId="20577"/>
-          <ac:spMkLst>
-            <pc:docMk/>
-            <pc:sldMk cId="2207246265" sldId="257"/>
-            <ac:spMk id="9" creationId="{E3B2E017-30B2-884B-A113-B419A2ED51AD}"/>
-          </ac:spMkLst>
-        </pc:spChg>
       </pc:sldChg>
       <pc:sldChg chg="modSp modAnim">
         <pc:chgData name="Long B Nguyen" userId="f59fb8f3-a021-417a-8bc1-65c8d471c621" providerId="ADAL" clId="{FA1C73A9-B3EB-C748-BF65-3EC096E6A149}" dt="2021-06-05T04:15:44.450" v="62" actId="20577"/>
@@ -177,14 +172,6 @@
           <pc:docMk/>
           <pc:sldMk cId="4018759955" sldId="274"/>
         </pc:sldMkLst>
-        <pc:spChg chg="mod">
-          <ac:chgData name="Long B Nguyen" userId="f59fb8f3-a021-417a-8bc1-65c8d471c621" providerId="ADAL" clId="{FA1C73A9-B3EB-C748-BF65-3EC096E6A149}" dt="2021-06-05T04:15:44.450" v="62" actId="20577"/>
-          <ac:spMkLst>
-            <pc:docMk/>
-            <pc:sldMk cId="4018759955" sldId="274"/>
-            <ac:spMk id="9" creationId="{E3B2E017-30B2-884B-A113-B419A2ED51AD}"/>
-          </ac:spMkLst>
-        </pc:spChg>
       </pc:sldChg>
       <pc:sldChg chg="modSp mod modAnim">
         <pc:chgData name="Long B Nguyen" userId="f59fb8f3-a021-417a-8bc1-65c8d471c621" providerId="ADAL" clId="{FA1C73A9-B3EB-C748-BF65-3EC096E6A149}" dt="2021-06-05T04:17:26.642" v="129" actId="20577"/>
@@ -192,22 +179,6 @@
           <pc:docMk/>
           <pc:sldMk cId="3908189275" sldId="275"/>
         </pc:sldMkLst>
-        <pc:spChg chg="mod">
-          <ac:chgData name="Long B Nguyen" userId="f59fb8f3-a021-417a-8bc1-65c8d471c621" providerId="ADAL" clId="{FA1C73A9-B3EB-C748-BF65-3EC096E6A149}" dt="2021-06-05T04:13:05.665" v="56" actId="1076"/>
-          <ac:spMkLst>
-            <pc:docMk/>
-            <pc:sldMk cId="3908189275" sldId="275"/>
-            <ac:spMk id="2" creationId="{AA3A228F-61D0-D949-A5E7-F83756230BF8}"/>
-          </ac:spMkLst>
-        </pc:spChg>
-        <pc:spChg chg="mod">
-          <ac:chgData name="Long B Nguyen" userId="f59fb8f3-a021-417a-8bc1-65c8d471c621" providerId="ADAL" clId="{FA1C73A9-B3EB-C748-BF65-3EC096E6A149}" dt="2021-06-05T04:17:26.642" v="129" actId="20577"/>
-          <ac:spMkLst>
-            <pc:docMk/>
-            <pc:sldMk cId="3908189275" sldId="275"/>
-            <ac:spMk id="9" creationId="{E3B2E017-30B2-884B-A113-B419A2ED51AD}"/>
-          </ac:spMkLst>
-        </pc:spChg>
       </pc:sldChg>
       <pc:sldChg chg="del">
         <pc:chgData name="Long B Nguyen" userId="f59fb8f3-a021-417a-8bc1-65c8d471c621" providerId="ADAL" clId="{FA1C73A9-B3EB-C748-BF65-3EC096E6A149}" dt="2021-06-05T04:23:32.929" v="547" actId="2696"/>
@@ -222,14 +193,6 @@
           <pc:docMk/>
           <pc:sldMk cId="2479426709" sldId="279"/>
         </pc:sldMkLst>
-        <pc:spChg chg="mod">
-          <ac:chgData name="Long B Nguyen" userId="f59fb8f3-a021-417a-8bc1-65c8d471c621" providerId="ADAL" clId="{FA1C73A9-B3EB-C748-BF65-3EC096E6A149}" dt="2021-06-05T11:21:02.847" v="589" actId="21"/>
-          <ac:spMkLst>
-            <pc:docMk/>
-            <pc:sldMk cId="2479426709" sldId="279"/>
-            <ac:spMk id="9" creationId="{E3B2E017-30B2-884B-A113-B419A2ED51AD}"/>
-          </ac:spMkLst>
-        </pc:spChg>
       </pc:sldChg>
       <pc:sldChg chg="modSp mod modAnim">
         <pc:chgData name="Long B Nguyen" userId="f59fb8f3-a021-417a-8bc1-65c8d471c621" providerId="ADAL" clId="{FA1C73A9-B3EB-C748-BF65-3EC096E6A149}" dt="2021-06-05T04:20:19.169" v="366" actId="20577"/>
@@ -237,14 +200,6 @@
           <pc:docMk/>
           <pc:sldMk cId="99755680" sldId="291"/>
         </pc:sldMkLst>
-        <pc:spChg chg="mod">
-          <ac:chgData name="Long B Nguyen" userId="f59fb8f3-a021-417a-8bc1-65c8d471c621" providerId="ADAL" clId="{FA1C73A9-B3EB-C748-BF65-3EC096E6A149}" dt="2021-06-05T04:20:19.169" v="366" actId="20577"/>
-          <ac:spMkLst>
-            <pc:docMk/>
-            <pc:sldMk cId="99755680" sldId="291"/>
-            <ac:spMk id="9" creationId="{E3B2E017-30B2-884B-A113-B419A2ED51AD}"/>
-          </ac:spMkLst>
-        </pc:spChg>
       </pc:sldChg>
       <pc:sldChg chg="modSp">
         <pc:chgData name="Long B Nguyen" userId="f59fb8f3-a021-417a-8bc1-65c8d471c621" providerId="ADAL" clId="{FA1C73A9-B3EB-C748-BF65-3EC096E6A149}" dt="2021-06-05T11:25:58.886" v="793" actId="20577"/>
@@ -252,14 +207,6 @@
           <pc:docMk/>
           <pc:sldMk cId="847072393" sldId="292"/>
         </pc:sldMkLst>
-        <pc:spChg chg="mod">
-          <ac:chgData name="Long B Nguyen" userId="f59fb8f3-a021-417a-8bc1-65c8d471c621" providerId="ADAL" clId="{FA1C73A9-B3EB-C748-BF65-3EC096E6A149}" dt="2021-06-05T11:25:58.886" v="793" actId="20577"/>
-          <ac:spMkLst>
-            <pc:docMk/>
-            <pc:sldMk cId="847072393" sldId="292"/>
-            <ac:spMk id="9" creationId="{E3B2E017-30B2-884B-A113-B419A2ED51AD}"/>
-          </ac:spMkLst>
-        </pc:spChg>
       </pc:sldChg>
       <pc:sldChg chg="modSp mod modAnim">
         <pc:chgData name="Long B Nguyen" userId="f59fb8f3-a021-417a-8bc1-65c8d471c621" providerId="ADAL" clId="{FA1C73A9-B3EB-C748-BF65-3EC096E6A149}" dt="2021-06-05T11:33:42.841" v="999" actId="207"/>
@@ -267,22 +214,6 @@
           <pc:docMk/>
           <pc:sldMk cId="3060343526" sldId="294"/>
         </pc:sldMkLst>
-        <pc:spChg chg="mod">
-          <ac:chgData name="Long B Nguyen" userId="f59fb8f3-a021-417a-8bc1-65c8d471c621" providerId="ADAL" clId="{FA1C73A9-B3EB-C748-BF65-3EC096E6A149}" dt="2021-06-05T11:32:57.336" v="956" actId="20577"/>
-          <ac:spMkLst>
-            <pc:docMk/>
-            <pc:sldMk cId="3060343526" sldId="294"/>
-            <ac:spMk id="2" creationId="{AA3A228F-61D0-D949-A5E7-F83756230BF8}"/>
-          </ac:spMkLst>
-        </pc:spChg>
-        <pc:spChg chg="mod">
-          <ac:chgData name="Long B Nguyen" userId="f59fb8f3-a021-417a-8bc1-65c8d471c621" providerId="ADAL" clId="{FA1C73A9-B3EB-C748-BF65-3EC096E6A149}" dt="2021-06-05T11:33:42.841" v="999" actId="207"/>
-          <ac:spMkLst>
-            <pc:docMk/>
-            <pc:sldMk cId="3060343526" sldId="294"/>
-            <ac:spMk id="9" creationId="{E3B2E017-30B2-884B-A113-B419A2ED51AD}"/>
-          </ac:spMkLst>
-        </pc:spChg>
       </pc:sldChg>
       <pc:sldChg chg="del">
         <pc:chgData name="Long B Nguyen" userId="f59fb8f3-a021-417a-8bc1-65c8d471c621" providerId="ADAL" clId="{FA1C73A9-B3EB-C748-BF65-3EC096E6A149}" dt="2021-06-05T04:24:49.341" v="548" actId="2696"/>
@@ -297,14 +228,6 @@
           <pc:docMk/>
           <pc:sldMk cId="3888808614" sldId="296"/>
         </pc:sldMkLst>
-        <pc:spChg chg="mod">
-          <ac:chgData name="Long B Nguyen" userId="f59fb8f3-a021-417a-8bc1-65c8d471c621" providerId="ADAL" clId="{FA1C73A9-B3EB-C748-BF65-3EC096E6A149}" dt="2021-06-05T11:35:38.295" v="1115" actId="20577"/>
-          <ac:spMkLst>
-            <pc:docMk/>
-            <pc:sldMk cId="3888808614" sldId="296"/>
-            <ac:spMk id="9" creationId="{E3B2E017-30B2-884B-A113-B419A2ED51AD}"/>
-          </ac:spMkLst>
-        </pc:spChg>
       </pc:sldChg>
       <pc:sldChg chg="modSp">
         <pc:chgData name="Long B Nguyen" userId="f59fb8f3-a021-417a-8bc1-65c8d471c621" providerId="ADAL" clId="{FA1C73A9-B3EB-C748-BF65-3EC096E6A149}" dt="2021-06-05T11:35:49.676" v="1123" actId="20577"/>
@@ -312,14 +235,6 @@
           <pc:docMk/>
           <pc:sldMk cId="4019361075" sldId="298"/>
         </pc:sldMkLst>
-        <pc:spChg chg="mod">
-          <ac:chgData name="Long B Nguyen" userId="f59fb8f3-a021-417a-8bc1-65c8d471c621" providerId="ADAL" clId="{FA1C73A9-B3EB-C748-BF65-3EC096E6A149}" dt="2021-06-05T11:35:49.676" v="1123" actId="20577"/>
-          <ac:spMkLst>
-            <pc:docMk/>
-            <pc:sldMk cId="4019361075" sldId="298"/>
-            <ac:spMk id="9" creationId="{E3B2E017-30B2-884B-A113-B419A2ED51AD}"/>
-          </ac:spMkLst>
-        </pc:spChg>
       </pc:sldChg>
       <pc:sldChg chg="addSp modSp mod modAnim">
         <pc:chgData name="Long B Nguyen" userId="f59fb8f3-a021-417a-8bc1-65c8d471c621" providerId="ADAL" clId="{FA1C73A9-B3EB-C748-BF65-3EC096E6A149}" dt="2021-06-05T15:16:02.237" v="1898" actId="20577"/>
@@ -327,22 +242,6 @@
           <pc:docMk/>
           <pc:sldMk cId="3334677996" sldId="299"/>
         </pc:sldMkLst>
-        <pc:spChg chg="add mod">
-          <ac:chgData name="Long B Nguyen" userId="f59fb8f3-a021-417a-8bc1-65c8d471c621" providerId="ADAL" clId="{FA1C73A9-B3EB-C748-BF65-3EC096E6A149}" dt="2021-06-05T11:44:53.129" v="1246" actId="1076"/>
-          <ac:spMkLst>
-            <pc:docMk/>
-            <pc:sldMk cId="3334677996" sldId="299"/>
-            <ac:spMk id="3" creationId="{5616269A-374C-164A-9816-B9D01C34F4B9}"/>
-          </ac:spMkLst>
-        </pc:spChg>
-        <pc:spChg chg="mod">
-          <ac:chgData name="Long B Nguyen" userId="f59fb8f3-a021-417a-8bc1-65c8d471c621" providerId="ADAL" clId="{FA1C73A9-B3EB-C748-BF65-3EC096E6A149}" dt="2021-06-05T15:16:02.237" v="1898" actId="20577"/>
-          <ac:spMkLst>
-            <pc:docMk/>
-            <pc:sldMk cId="3334677996" sldId="299"/>
-            <ac:spMk id="9" creationId="{E3B2E017-30B2-884B-A113-B419A2ED51AD}"/>
-          </ac:spMkLst>
-        </pc:spChg>
       </pc:sldChg>
       <pc:sldChg chg="modSp mod">
         <pc:chgData name="Long B Nguyen" userId="f59fb8f3-a021-417a-8bc1-65c8d471c621" providerId="ADAL" clId="{FA1C73A9-B3EB-C748-BF65-3EC096E6A149}" dt="2021-06-05T15:51:16.401" v="1934" actId="20577"/>
@@ -350,14 +249,6 @@
           <pc:docMk/>
           <pc:sldMk cId="1511080215" sldId="300"/>
         </pc:sldMkLst>
-        <pc:graphicFrameChg chg="mod modGraphic">
-          <ac:chgData name="Long B Nguyen" userId="f59fb8f3-a021-417a-8bc1-65c8d471c621" providerId="ADAL" clId="{FA1C73A9-B3EB-C748-BF65-3EC096E6A149}" dt="2021-06-05T15:51:16.401" v="1934" actId="20577"/>
-          <ac:graphicFrameMkLst>
-            <pc:docMk/>
-            <pc:sldMk cId="1511080215" sldId="300"/>
-            <ac:graphicFrameMk id="3" creationId="{57EBABBC-BF53-D54B-B535-A6EEF3CDBAF8}"/>
-          </ac:graphicFrameMkLst>
-        </pc:graphicFrameChg>
       </pc:sldChg>
       <pc:sldChg chg="modSp del mod">
         <pc:chgData name="Long B Nguyen" userId="f59fb8f3-a021-417a-8bc1-65c8d471c621" providerId="ADAL" clId="{FA1C73A9-B3EB-C748-BF65-3EC096E6A149}" dt="2021-06-05T11:23:36.661" v="707" actId="2696"/>
@@ -365,14 +256,6 @@
           <pc:docMk/>
           <pc:sldMk cId="3018705465" sldId="301"/>
         </pc:sldMkLst>
-        <pc:spChg chg="mod">
-          <ac:chgData name="Long B Nguyen" userId="f59fb8f3-a021-417a-8bc1-65c8d471c621" providerId="ADAL" clId="{FA1C73A9-B3EB-C748-BF65-3EC096E6A149}" dt="2021-06-05T11:22:07.387" v="617" actId="21"/>
-          <ac:spMkLst>
-            <pc:docMk/>
-            <pc:sldMk cId="3018705465" sldId="301"/>
-            <ac:spMk id="9" creationId="{E3B2E017-30B2-884B-A113-B419A2ED51AD}"/>
-          </ac:spMkLst>
-        </pc:spChg>
       </pc:sldChg>
       <pc:sldChg chg="modSp mod modAnim">
         <pc:chgData name="Long B Nguyen" userId="f59fb8f3-a021-417a-8bc1-65c8d471c621" providerId="ADAL" clId="{FA1C73A9-B3EB-C748-BF65-3EC096E6A149}" dt="2021-06-05T11:23:34.355" v="706" actId="20577"/>
@@ -380,22 +263,6 @@
           <pc:docMk/>
           <pc:sldMk cId="2221515130" sldId="302"/>
         </pc:sldMkLst>
-        <pc:spChg chg="mod">
-          <ac:chgData name="Long B Nguyen" userId="f59fb8f3-a021-417a-8bc1-65c8d471c621" providerId="ADAL" clId="{FA1C73A9-B3EB-C748-BF65-3EC096E6A149}" dt="2021-06-05T11:21:41.821" v="613" actId="1076"/>
-          <ac:spMkLst>
-            <pc:docMk/>
-            <pc:sldMk cId="2221515130" sldId="302"/>
-            <ac:spMk id="2" creationId="{AA3A228F-61D0-D949-A5E7-F83756230BF8}"/>
-          </ac:spMkLst>
-        </pc:spChg>
-        <pc:spChg chg="mod">
-          <ac:chgData name="Long B Nguyen" userId="f59fb8f3-a021-417a-8bc1-65c8d471c621" providerId="ADAL" clId="{FA1C73A9-B3EB-C748-BF65-3EC096E6A149}" dt="2021-06-05T11:23:34.355" v="706" actId="20577"/>
-          <ac:spMkLst>
-            <pc:docMk/>
-            <pc:sldMk cId="2221515130" sldId="302"/>
-            <ac:spMk id="9" creationId="{E3B2E017-30B2-884B-A113-B419A2ED51AD}"/>
-          </ac:spMkLst>
-        </pc:spChg>
       </pc:sldChg>
       <pc:sldChg chg="modSp mod modAnim">
         <pc:chgData name="Long B Nguyen" userId="f59fb8f3-a021-417a-8bc1-65c8d471c621" providerId="ADAL" clId="{FA1C73A9-B3EB-C748-BF65-3EC096E6A149}" dt="2021-06-05T12:05:31.500" v="1807" actId="207"/>
@@ -403,14 +270,6 @@
           <pc:docMk/>
           <pc:sldMk cId="2524324013" sldId="303"/>
         </pc:sldMkLst>
-        <pc:spChg chg="mod">
-          <ac:chgData name="Long B Nguyen" userId="f59fb8f3-a021-417a-8bc1-65c8d471c621" providerId="ADAL" clId="{FA1C73A9-B3EB-C748-BF65-3EC096E6A149}" dt="2021-06-05T12:05:31.500" v="1807" actId="207"/>
-          <ac:spMkLst>
-            <pc:docMk/>
-            <pc:sldMk cId="2524324013" sldId="303"/>
-            <ac:spMk id="9" creationId="{E3B2E017-30B2-884B-A113-B419A2ED51AD}"/>
-          </ac:spMkLst>
-        </pc:spChg>
       </pc:sldChg>
       <pc:sldChg chg="del">
         <pc:chgData name="Long B Nguyen" userId="f59fb8f3-a021-417a-8bc1-65c8d471c621" providerId="ADAL" clId="{FA1C73A9-B3EB-C748-BF65-3EC096E6A149}" dt="2021-06-05T12:05:42.861" v="1808" actId="2696"/>
@@ -439,22 +298,6 @@
           <pc:docMk/>
           <pc:sldMk cId="824515891" sldId="307"/>
         </pc:sldMkLst>
-        <pc:spChg chg="add mod">
-          <ac:chgData name="Long B Nguyen" userId="f59fb8f3-a021-417a-8bc1-65c8d471c621" providerId="ADAL" clId="{FA1C73A9-B3EB-C748-BF65-3EC096E6A149}" dt="2021-06-05T15:15:26.230" v="1891" actId="20577"/>
-          <ac:spMkLst>
-            <pc:docMk/>
-            <pc:sldMk cId="824515891" sldId="307"/>
-            <ac:spMk id="3" creationId="{E370868B-3F7C-FF4D-8166-7EE57683F6E5}"/>
-          </ac:spMkLst>
-        </pc:spChg>
-        <pc:spChg chg="mod">
-          <ac:chgData name="Long B Nguyen" userId="f59fb8f3-a021-417a-8bc1-65c8d471c621" providerId="ADAL" clId="{FA1C73A9-B3EB-C748-BF65-3EC096E6A149}" dt="2021-06-05T12:06:28.674" v="1849" actId="20577"/>
-          <ac:spMkLst>
-            <pc:docMk/>
-            <pc:sldMk cId="824515891" sldId="307"/>
-            <ac:spMk id="9" creationId="{E3B2E017-30B2-884B-A113-B419A2ED51AD}"/>
-          </ac:spMkLst>
-        </pc:spChg>
       </pc:sldChg>
       <pc:sldChg chg="del">
         <pc:chgData name="Long B Nguyen" userId="f59fb8f3-a021-417a-8bc1-65c8d471c621" providerId="ADAL" clId="{FA1C73A9-B3EB-C748-BF65-3EC096E6A149}" dt="2021-06-05T15:16:50.302" v="1910" actId="2696"/>
@@ -476,14 +319,6 @@
           <pc:docMk/>
           <pc:sldMk cId="4013144405" sldId="310"/>
         </pc:sldMkLst>
-        <pc:spChg chg="mod">
-          <ac:chgData name="Long B Nguyen" userId="f59fb8f3-a021-417a-8bc1-65c8d471c621" providerId="ADAL" clId="{FA1C73A9-B3EB-C748-BF65-3EC096E6A149}" dt="2021-06-05T11:31:43.541" v="893" actId="207"/>
-          <ac:spMkLst>
-            <pc:docMk/>
-            <pc:sldMk cId="4013144405" sldId="310"/>
-            <ac:spMk id="9" creationId="{E3B2E017-30B2-884B-A113-B419A2ED51AD}"/>
-          </ac:spMkLst>
-        </pc:spChg>
       </pc:sldChg>
       <pc:sldChg chg="modSp modAnim">
         <pc:chgData name="Long B Nguyen" userId="f59fb8f3-a021-417a-8bc1-65c8d471c621" providerId="ADAL" clId="{FA1C73A9-B3EB-C748-BF65-3EC096E6A149}" dt="2021-06-05T11:24:14.213" v="756" actId="20577"/>
@@ -491,14 +326,6 @@
           <pc:docMk/>
           <pc:sldMk cId="4209926949" sldId="311"/>
         </pc:sldMkLst>
-        <pc:spChg chg="mod">
-          <ac:chgData name="Long B Nguyen" userId="f59fb8f3-a021-417a-8bc1-65c8d471c621" providerId="ADAL" clId="{FA1C73A9-B3EB-C748-BF65-3EC096E6A149}" dt="2021-06-05T11:24:14.213" v="756" actId="20577"/>
-          <ac:spMkLst>
-            <pc:docMk/>
-            <pc:sldMk cId="4209926949" sldId="311"/>
-            <ac:spMk id="9" creationId="{E3B2E017-30B2-884B-A113-B419A2ED51AD}"/>
-          </ac:spMkLst>
-        </pc:spChg>
       </pc:sldChg>
       <pc:sldChg chg="del">
         <pc:chgData name="Long B Nguyen" userId="f59fb8f3-a021-417a-8bc1-65c8d471c621" providerId="ADAL" clId="{FA1C73A9-B3EB-C748-BF65-3EC096E6A149}" dt="2021-06-05T04:20:22.340" v="367" actId="2696"/>
@@ -520,54 +347,6 @@
           <pc:docMk/>
           <pc:sldMk cId="1628785944" sldId="336"/>
         </pc:sldMkLst>
-        <pc:spChg chg="mod">
-          <ac:chgData name="Long B Nguyen" userId="f59fb8f3-a021-417a-8bc1-65c8d471c621" providerId="ADAL" clId="{FA1C73A9-B3EB-C748-BF65-3EC096E6A149}" dt="2021-06-05T11:46:36.583" v="1295" actId="20577"/>
-          <ac:spMkLst>
-            <pc:docMk/>
-            <pc:sldMk cId="1628785944" sldId="336"/>
-            <ac:spMk id="2" creationId="{AA3A228F-61D0-D949-A5E7-F83756230BF8}"/>
-          </ac:spMkLst>
-        </pc:spChg>
-        <pc:spChg chg="del mod">
-          <ac:chgData name="Long B Nguyen" userId="f59fb8f3-a021-417a-8bc1-65c8d471c621" providerId="ADAL" clId="{FA1C73A9-B3EB-C748-BF65-3EC096E6A149}" dt="2021-06-05T11:47:26.422" v="1415" actId="478"/>
-          <ac:spMkLst>
-            <pc:docMk/>
-            <pc:sldMk cId="1628785944" sldId="336"/>
-            <ac:spMk id="4" creationId="{42731CB2-C74B-2442-916C-3C51C2CD9B58}"/>
-          </ac:spMkLst>
-        </pc:spChg>
-        <pc:spChg chg="del">
-          <ac:chgData name="Long B Nguyen" userId="f59fb8f3-a021-417a-8bc1-65c8d471c621" providerId="ADAL" clId="{FA1C73A9-B3EB-C748-BF65-3EC096E6A149}" dt="2021-06-05T11:47:39.734" v="1434" actId="478"/>
-          <ac:spMkLst>
-            <pc:docMk/>
-            <pc:sldMk cId="1628785944" sldId="336"/>
-            <ac:spMk id="6" creationId="{15EA9413-4DF1-674A-A4A8-6163F4F1D022}"/>
-          </ac:spMkLst>
-        </pc:spChg>
-        <pc:spChg chg="del">
-          <ac:chgData name="Long B Nguyen" userId="f59fb8f3-a021-417a-8bc1-65c8d471c621" providerId="ADAL" clId="{FA1C73A9-B3EB-C748-BF65-3EC096E6A149}" dt="2021-06-05T11:48:22.469" v="1478" actId="478"/>
-          <ac:spMkLst>
-            <pc:docMk/>
-            <pc:sldMk cId="1628785944" sldId="336"/>
-            <ac:spMk id="7" creationId="{3A370C33-776E-B041-9FF0-69E39873A4A4}"/>
-          </ac:spMkLst>
-        </pc:spChg>
-        <pc:spChg chg="del mod">
-          <ac:chgData name="Long B Nguyen" userId="f59fb8f3-a021-417a-8bc1-65c8d471c621" providerId="ADAL" clId="{FA1C73A9-B3EB-C748-BF65-3EC096E6A149}" dt="2021-06-05T11:48:25.574" v="1480" actId="478"/>
-          <ac:spMkLst>
-            <pc:docMk/>
-            <pc:sldMk cId="1628785944" sldId="336"/>
-            <ac:spMk id="8" creationId="{3C29331E-90C2-3A40-8F47-70CC36C0A6F5}"/>
-          </ac:spMkLst>
-        </pc:spChg>
-        <pc:spChg chg="mod">
-          <ac:chgData name="Long B Nguyen" userId="f59fb8f3-a021-417a-8bc1-65c8d471c621" providerId="ADAL" clId="{FA1C73A9-B3EB-C748-BF65-3EC096E6A149}" dt="2021-06-05T11:51:18.474" v="1540" actId="20577"/>
-          <ac:spMkLst>
-            <pc:docMk/>
-            <pc:sldMk cId="1628785944" sldId="336"/>
-            <ac:spMk id="9" creationId="{E3B2E017-30B2-884B-A113-B419A2ED51AD}"/>
-          </ac:spMkLst>
-        </pc:spChg>
       </pc:sldChg>
       <pc:sldChg chg="add">
         <pc:chgData name="Long B Nguyen" userId="f59fb8f3-a021-417a-8bc1-65c8d471c621" providerId="ADAL" clId="{FA1C73A9-B3EB-C748-BF65-3EC096E6A149}" dt="2021-06-05T15:49:21.912" v="1912"/>
@@ -598,14 +377,6 @@
           <pc:docMk/>
           <pc:sldMk cId="2207246265" sldId="257"/>
         </pc:sldMkLst>
-        <pc:spChg chg="mod">
-          <ac:chgData name="Long B Nguyen" userId="f59fb8f3-a021-417a-8bc1-65c8d471c621" providerId="ADAL" clId="{2C9BD3C4-A72C-C34E-A2E2-4164CEFFD187}" dt="2019-09-29T10:10:33.409" v="5997" actId="20577"/>
-          <ac:spMkLst>
-            <pc:docMk/>
-            <pc:sldMk cId="2207246265" sldId="257"/>
-            <ac:spMk id="9" creationId="{E3B2E017-30B2-884B-A113-B419A2ED51AD}"/>
-          </ac:spMkLst>
-        </pc:spChg>
       </pc:sldChg>
       <pc:sldChg chg="modSp modAnim">
         <pc:chgData name="Long B Nguyen" userId="f59fb8f3-a021-417a-8bc1-65c8d471c621" providerId="ADAL" clId="{2C9BD3C4-A72C-C34E-A2E2-4164CEFFD187}" dt="2019-09-30T11:58:12.096" v="6860" actId="20577"/>
@@ -613,14 +384,6 @@
           <pc:docMk/>
           <pc:sldMk cId="4018759955" sldId="274"/>
         </pc:sldMkLst>
-        <pc:spChg chg="mod">
-          <ac:chgData name="Long B Nguyen" userId="f59fb8f3-a021-417a-8bc1-65c8d471c621" providerId="ADAL" clId="{2C9BD3C4-A72C-C34E-A2E2-4164CEFFD187}" dt="2019-09-30T11:58:12.096" v="6860" actId="20577"/>
-          <ac:spMkLst>
-            <pc:docMk/>
-            <pc:sldMk cId="4018759955" sldId="274"/>
-            <ac:spMk id="9" creationId="{E3B2E017-30B2-884B-A113-B419A2ED51AD}"/>
-          </ac:spMkLst>
-        </pc:spChg>
       </pc:sldChg>
       <pc:sldChg chg="modSp modAnim">
         <pc:chgData name="Long B Nguyen" userId="f59fb8f3-a021-417a-8bc1-65c8d471c621" providerId="ADAL" clId="{2C9BD3C4-A72C-C34E-A2E2-4164CEFFD187}" dt="2019-09-29T10:35:43.846" v="6667"/>
@@ -628,14 +391,6 @@
           <pc:docMk/>
           <pc:sldMk cId="3908189275" sldId="275"/>
         </pc:sldMkLst>
-        <pc:spChg chg="mod">
-          <ac:chgData name="Long B Nguyen" userId="f59fb8f3-a021-417a-8bc1-65c8d471c621" providerId="ADAL" clId="{2C9BD3C4-A72C-C34E-A2E2-4164CEFFD187}" dt="2019-09-29T10:11:04.354" v="6010" actId="20577"/>
-          <ac:spMkLst>
-            <pc:docMk/>
-            <pc:sldMk cId="3908189275" sldId="275"/>
-            <ac:spMk id="9" creationId="{E3B2E017-30B2-884B-A113-B419A2ED51AD}"/>
-          </ac:spMkLst>
-        </pc:spChg>
       </pc:sldChg>
       <pc:sldChg chg="modSp modAnim">
         <pc:chgData name="Long B Nguyen" userId="f59fb8f3-a021-417a-8bc1-65c8d471c621" providerId="ADAL" clId="{2C9BD3C4-A72C-C34E-A2E2-4164CEFFD187}" dt="2019-09-29T10:36:18.704" v="6671"/>
@@ -643,22 +398,6 @@
           <pc:docMk/>
           <pc:sldMk cId="1114720448" sldId="276"/>
         </pc:sldMkLst>
-        <pc:spChg chg="mod">
-          <ac:chgData name="Long B Nguyen" userId="f59fb8f3-a021-417a-8bc1-65c8d471c621" providerId="ADAL" clId="{2C9BD3C4-A72C-C34E-A2E2-4164CEFFD187}" dt="2019-09-26T21:42:58.392" v="1966" actId="20577"/>
-          <ac:spMkLst>
-            <pc:docMk/>
-            <pc:sldMk cId="1114720448" sldId="276"/>
-            <ac:spMk id="2" creationId="{AA3A228F-61D0-D949-A5E7-F83756230BF8}"/>
-          </ac:spMkLst>
-        </pc:spChg>
-        <pc:spChg chg="mod">
-          <ac:chgData name="Long B Nguyen" userId="f59fb8f3-a021-417a-8bc1-65c8d471c621" providerId="ADAL" clId="{2C9BD3C4-A72C-C34E-A2E2-4164CEFFD187}" dt="2019-09-26T22:12:03.419" v="2917" actId="255"/>
-          <ac:spMkLst>
-            <pc:docMk/>
-            <pc:sldMk cId="1114720448" sldId="276"/>
-            <ac:spMk id="9" creationId="{E3B2E017-30B2-884B-A113-B419A2ED51AD}"/>
-          </ac:spMkLst>
-        </pc:spChg>
       </pc:sldChg>
       <pc:sldChg chg="modSp modAnim">
         <pc:chgData name="Long B Nguyen" userId="f59fb8f3-a021-417a-8bc1-65c8d471c621" providerId="ADAL" clId="{2C9BD3C4-A72C-C34E-A2E2-4164CEFFD187}" dt="2019-09-29T10:36:40.185" v="6674"/>
@@ -666,22 +405,6 @@
           <pc:docMk/>
           <pc:sldMk cId="3369363658" sldId="278"/>
         </pc:sldMkLst>
-        <pc:spChg chg="mod">
-          <ac:chgData name="Long B Nguyen" userId="f59fb8f3-a021-417a-8bc1-65c8d471c621" providerId="ADAL" clId="{2C9BD3C4-A72C-C34E-A2E2-4164CEFFD187}" dt="2019-09-26T21:54:58.768" v="2174" actId="20577"/>
-          <ac:spMkLst>
-            <pc:docMk/>
-            <pc:sldMk cId="3369363658" sldId="278"/>
-            <ac:spMk id="2" creationId="{AA3A228F-61D0-D949-A5E7-F83756230BF8}"/>
-          </ac:spMkLst>
-        </pc:spChg>
-        <pc:spChg chg="mod">
-          <ac:chgData name="Long B Nguyen" userId="f59fb8f3-a021-417a-8bc1-65c8d471c621" providerId="ADAL" clId="{2C9BD3C4-A72C-C34E-A2E2-4164CEFFD187}" dt="2019-09-29T10:12:04.355" v="6055" actId="20577"/>
-          <ac:spMkLst>
-            <pc:docMk/>
-            <pc:sldMk cId="3369363658" sldId="278"/>
-            <ac:spMk id="9" creationId="{E3B2E017-30B2-884B-A113-B419A2ED51AD}"/>
-          </ac:spMkLst>
-        </pc:spChg>
       </pc:sldChg>
       <pc:sldChg chg="modSp modAnim">
         <pc:chgData name="Long B Nguyen" userId="f59fb8f3-a021-417a-8bc1-65c8d471c621" providerId="ADAL" clId="{2C9BD3C4-A72C-C34E-A2E2-4164CEFFD187}" dt="2019-09-29T10:36:51.662" v="6676"/>
@@ -689,22 +412,6 @@
           <pc:docMk/>
           <pc:sldMk cId="2479426709" sldId="279"/>
         </pc:sldMkLst>
-        <pc:spChg chg="mod">
-          <ac:chgData name="Long B Nguyen" userId="f59fb8f3-a021-417a-8bc1-65c8d471c621" providerId="ADAL" clId="{2C9BD3C4-A72C-C34E-A2E2-4164CEFFD187}" dt="2019-09-26T21:44:34.275" v="2029" actId="20577"/>
-          <ac:spMkLst>
-            <pc:docMk/>
-            <pc:sldMk cId="2479426709" sldId="279"/>
-            <ac:spMk id="2" creationId="{AA3A228F-61D0-D949-A5E7-F83756230BF8}"/>
-          </ac:spMkLst>
-        </pc:spChg>
-        <pc:spChg chg="mod">
-          <ac:chgData name="Long B Nguyen" userId="f59fb8f3-a021-417a-8bc1-65c8d471c621" providerId="ADAL" clId="{2C9BD3C4-A72C-C34E-A2E2-4164CEFFD187}" dt="2019-09-29T10:12:23.044" v="6080" actId="20577"/>
-          <ac:spMkLst>
-            <pc:docMk/>
-            <pc:sldMk cId="2479426709" sldId="279"/>
-            <ac:spMk id="9" creationId="{E3B2E017-30B2-884B-A113-B419A2ED51AD}"/>
-          </ac:spMkLst>
-        </pc:spChg>
       </pc:sldChg>
       <pc:sldChg chg="modSp">
         <pc:chgData name="Long B Nguyen" userId="f59fb8f3-a021-417a-8bc1-65c8d471c621" providerId="ADAL" clId="{2C9BD3C4-A72C-C34E-A2E2-4164CEFFD187}" dt="2019-09-27T16:47:39.087" v="4778" actId="20577"/>
@@ -712,14 +419,6 @@
           <pc:docMk/>
           <pc:sldMk cId="2783383753" sldId="284"/>
         </pc:sldMkLst>
-        <pc:spChg chg="mod">
-          <ac:chgData name="Long B Nguyen" userId="f59fb8f3-a021-417a-8bc1-65c8d471c621" providerId="ADAL" clId="{2C9BD3C4-A72C-C34E-A2E2-4164CEFFD187}" dt="2019-09-27T16:47:39.087" v="4778" actId="20577"/>
-          <ac:spMkLst>
-            <pc:docMk/>
-            <pc:sldMk cId="2783383753" sldId="284"/>
-            <ac:spMk id="9" creationId="{E3B2E017-30B2-884B-A113-B419A2ED51AD}"/>
-          </ac:spMkLst>
-        </pc:spChg>
       </pc:sldChg>
       <pc:sldChg chg="modSp">
         <pc:chgData name="Long B Nguyen" userId="f59fb8f3-a021-417a-8bc1-65c8d471c621" providerId="ADAL" clId="{2C9BD3C4-A72C-C34E-A2E2-4164CEFFD187}" dt="2019-09-26T21:36:59.907" v="1840" actId="1076"/>
@@ -727,14 +426,6 @@
           <pc:docMk/>
           <pc:sldMk cId="3974060782" sldId="289"/>
         </pc:sldMkLst>
-        <pc:spChg chg="mod">
-          <ac:chgData name="Long B Nguyen" userId="f59fb8f3-a021-417a-8bc1-65c8d471c621" providerId="ADAL" clId="{2C9BD3C4-A72C-C34E-A2E2-4164CEFFD187}" dt="2019-09-26T21:36:59.907" v="1840" actId="1076"/>
-          <ac:spMkLst>
-            <pc:docMk/>
-            <pc:sldMk cId="3974060782" sldId="289"/>
-            <ac:spMk id="3" creationId="{1BDC47C8-6776-7B44-9CD4-95FC91452D62}"/>
-          </ac:spMkLst>
-        </pc:spChg>
       </pc:sldChg>
       <pc:sldChg chg="modSp modAnim">
         <pc:chgData name="Long B Nguyen" userId="f59fb8f3-a021-417a-8bc1-65c8d471c621" providerId="ADAL" clId="{2C9BD3C4-A72C-C34E-A2E2-4164CEFFD187}" dt="2019-09-30T11:58:42.873" v="6862" actId="113"/>
@@ -742,14 +433,6 @@
           <pc:docMk/>
           <pc:sldMk cId="99755680" sldId="291"/>
         </pc:sldMkLst>
-        <pc:spChg chg="mod">
-          <ac:chgData name="Long B Nguyen" userId="f59fb8f3-a021-417a-8bc1-65c8d471c621" providerId="ADAL" clId="{2C9BD3C4-A72C-C34E-A2E2-4164CEFFD187}" dt="2019-09-30T11:58:42.873" v="6862" actId="113"/>
-          <ac:spMkLst>
-            <pc:docMk/>
-            <pc:sldMk cId="99755680" sldId="291"/>
-            <ac:spMk id="9" creationId="{E3B2E017-30B2-884B-A113-B419A2ED51AD}"/>
-          </ac:spMkLst>
-        </pc:spChg>
       </pc:sldChg>
       <pc:sldChg chg="modSp modAnim">
         <pc:chgData name="Long B Nguyen" userId="f59fb8f3-a021-417a-8bc1-65c8d471c621" providerId="ADAL" clId="{2C9BD3C4-A72C-C34E-A2E2-4164CEFFD187}" dt="2019-09-29T10:37:47.108" v="6778"/>
@@ -757,14 +440,6 @@
           <pc:docMk/>
           <pc:sldMk cId="847072393" sldId="292"/>
         </pc:sldMkLst>
-        <pc:spChg chg="mod">
-          <ac:chgData name="Long B Nguyen" userId="f59fb8f3-a021-417a-8bc1-65c8d471c621" providerId="ADAL" clId="{2C9BD3C4-A72C-C34E-A2E2-4164CEFFD187}" dt="2019-09-29T10:25:33.161" v="6439" actId="20577"/>
-          <ac:spMkLst>
-            <pc:docMk/>
-            <pc:sldMk cId="847072393" sldId="292"/>
-            <ac:spMk id="9" creationId="{E3B2E017-30B2-884B-A113-B419A2ED51AD}"/>
-          </ac:spMkLst>
-        </pc:spChg>
       </pc:sldChg>
       <pc:sldChg chg="modSp modAnim">
         <pc:chgData name="Long B Nguyen" userId="f59fb8f3-a021-417a-8bc1-65c8d471c621" providerId="ADAL" clId="{2C9BD3C4-A72C-C34E-A2E2-4164CEFFD187}" dt="2019-09-29T10:38:12.206" v="6782"/>
@@ -772,14 +447,6 @@
           <pc:docMk/>
           <pc:sldMk cId="3060343526" sldId="294"/>
         </pc:sldMkLst>
-        <pc:spChg chg="mod">
-          <ac:chgData name="Long B Nguyen" userId="f59fb8f3-a021-417a-8bc1-65c8d471c621" providerId="ADAL" clId="{2C9BD3C4-A72C-C34E-A2E2-4164CEFFD187}" dt="2019-09-29T10:27:49.115" v="6520" actId="20577"/>
-          <ac:spMkLst>
-            <pc:docMk/>
-            <pc:sldMk cId="3060343526" sldId="294"/>
-            <ac:spMk id="9" creationId="{E3B2E017-30B2-884B-A113-B419A2ED51AD}"/>
-          </ac:spMkLst>
-        </pc:spChg>
       </pc:sldChg>
       <pc:sldChg chg="modSp add modAnim">
         <pc:chgData name="Long B Nguyen" userId="f59fb8f3-a021-417a-8bc1-65c8d471c621" providerId="ADAL" clId="{2C9BD3C4-A72C-C34E-A2E2-4164CEFFD187}" dt="2019-09-29T10:38:29.490" v="6783"/>
@@ -787,14 +454,6 @@
           <pc:docMk/>
           <pc:sldMk cId="450853280" sldId="295"/>
         </pc:sldMkLst>
-        <pc:spChg chg="mod">
-          <ac:chgData name="Long B Nguyen" userId="f59fb8f3-a021-417a-8bc1-65c8d471c621" providerId="ADAL" clId="{2C9BD3C4-A72C-C34E-A2E2-4164CEFFD187}" dt="2019-09-29T10:29:16.425" v="6523" actId="20577"/>
-          <ac:spMkLst>
-            <pc:docMk/>
-            <pc:sldMk cId="450853280" sldId="295"/>
-            <ac:spMk id="9" creationId="{E3B2E017-30B2-884B-A113-B419A2ED51AD}"/>
-          </ac:spMkLst>
-        </pc:spChg>
       </pc:sldChg>
       <pc:sldChg chg="modSp add modAnim">
         <pc:chgData name="Long B Nguyen" userId="f59fb8f3-a021-417a-8bc1-65c8d471c621" providerId="ADAL" clId="{2C9BD3C4-A72C-C34E-A2E2-4164CEFFD187}" dt="2019-09-29T10:40:07.686" v="6785"/>
@@ -802,22 +461,6 @@
           <pc:docMk/>
           <pc:sldMk cId="3888808614" sldId="296"/>
         </pc:sldMkLst>
-        <pc:spChg chg="mod">
-          <ac:chgData name="Long B Nguyen" userId="f59fb8f3-a021-417a-8bc1-65c8d471c621" providerId="ADAL" clId="{2C9BD3C4-A72C-C34E-A2E2-4164CEFFD187}" dt="2019-09-08T13:08:32.878" v="924" actId="20577"/>
-          <ac:spMkLst>
-            <pc:docMk/>
-            <pc:sldMk cId="3888808614" sldId="296"/>
-            <ac:spMk id="2" creationId="{AA3A228F-61D0-D949-A5E7-F83756230BF8}"/>
-          </ac:spMkLst>
-        </pc:spChg>
-        <pc:spChg chg="mod">
-          <ac:chgData name="Long B Nguyen" userId="f59fb8f3-a021-417a-8bc1-65c8d471c621" providerId="ADAL" clId="{2C9BD3C4-A72C-C34E-A2E2-4164CEFFD187}" dt="2019-09-26T21:40:19.902" v="1858" actId="207"/>
-          <ac:spMkLst>
-            <pc:docMk/>
-            <pc:sldMk cId="3888808614" sldId="296"/>
-            <ac:spMk id="9" creationId="{E3B2E017-30B2-884B-A113-B419A2ED51AD}"/>
-          </ac:spMkLst>
-        </pc:spChg>
       </pc:sldChg>
       <pc:sldChg chg="modSp add">
         <pc:chgData name="Long B Nguyen" userId="f59fb8f3-a021-417a-8bc1-65c8d471c621" providerId="ADAL" clId="{2C9BD3C4-A72C-C34E-A2E2-4164CEFFD187}" dt="2019-09-08T13:32:35.797" v="1429" actId="20577"/>
@@ -825,22 +468,6 @@
           <pc:docMk/>
           <pc:sldMk cId="1027235231" sldId="297"/>
         </pc:sldMkLst>
-        <pc:spChg chg="mod">
-          <ac:chgData name="Long B Nguyen" userId="f59fb8f3-a021-417a-8bc1-65c8d471c621" providerId="ADAL" clId="{2C9BD3C4-A72C-C34E-A2E2-4164CEFFD187}" dt="2019-09-08T13:32:35.797" v="1429" actId="20577"/>
-          <ac:spMkLst>
-            <pc:docMk/>
-            <pc:sldMk cId="1027235231" sldId="297"/>
-            <ac:spMk id="2" creationId="{AA3A228F-61D0-D949-A5E7-F83756230BF8}"/>
-          </ac:spMkLst>
-        </pc:spChg>
-        <pc:spChg chg="mod">
-          <ac:chgData name="Long B Nguyen" userId="f59fb8f3-a021-417a-8bc1-65c8d471c621" providerId="ADAL" clId="{2C9BD3C4-A72C-C34E-A2E2-4164CEFFD187}" dt="2019-09-08T13:24:12.077" v="1061"/>
-          <ac:spMkLst>
-            <pc:docMk/>
-            <pc:sldMk cId="1027235231" sldId="297"/>
-            <ac:spMk id="9" creationId="{E3B2E017-30B2-884B-A113-B419A2ED51AD}"/>
-          </ac:spMkLst>
-        </pc:spChg>
       </pc:sldChg>
       <pc:sldChg chg="modSp add modAnim">
         <pc:chgData name="Long B Nguyen" userId="f59fb8f3-a021-417a-8bc1-65c8d471c621" providerId="ADAL" clId="{2C9BD3C4-A72C-C34E-A2E2-4164CEFFD187}" dt="2019-09-29T10:40:26.551" v="6791" actId="20577"/>
@@ -848,22 +475,6 @@
           <pc:docMk/>
           <pc:sldMk cId="4019361075" sldId="298"/>
         </pc:sldMkLst>
-        <pc:spChg chg="mod">
-          <ac:chgData name="Long B Nguyen" userId="f59fb8f3-a021-417a-8bc1-65c8d471c621" providerId="ADAL" clId="{2C9BD3C4-A72C-C34E-A2E2-4164CEFFD187}" dt="2019-09-08T13:32:41.505" v="1446" actId="20577"/>
-          <ac:spMkLst>
-            <pc:docMk/>
-            <pc:sldMk cId="4019361075" sldId="298"/>
-            <ac:spMk id="2" creationId="{AA3A228F-61D0-D949-A5E7-F83756230BF8}"/>
-          </ac:spMkLst>
-        </pc:spChg>
-        <pc:spChg chg="mod">
-          <ac:chgData name="Long B Nguyen" userId="f59fb8f3-a021-417a-8bc1-65c8d471c621" providerId="ADAL" clId="{2C9BD3C4-A72C-C34E-A2E2-4164CEFFD187}" dt="2019-09-29T10:40:26.551" v="6791" actId="20577"/>
-          <ac:spMkLst>
-            <pc:docMk/>
-            <pc:sldMk cId="4019361075" sldId="298"/>
-            <ac:spMk id="9" creationId="{E3B2E017-30B2-884B-A113-B419A2ED51AD}"/>
-          </ac:spMkLst>
-        </pc:spChg>
       </pc:sldChg>
       <pc:sldChg chg="modSp add modAnim">
         <pc:chgData name="Long B Nguyen" userId="f59fb8f3-a021-417a-8bc1-65c8d471c621" providerId="ADAL" clId="{2C9BD3C4-A72C-C34E-A2E2-4164CEFFD187}" dt="2019-09-30T12:32:09.817" v="6889" actId="20577"/>
@@ -871,14 +482,6 @@
           <pc:docMk/>
           <pc:sldMk cId="3334677996" sldId="299"/>
         </pc:sldMkLst>
-        <pc:spChg chg="mod">
-          <ac:chgData name="Long B Nguyen" userId="f59fb8f3-a021-417a-8bc1-65c8d471c621" providerId="ADAL" clId="{2C9BD3C4-A72C-C34E-A2E2-4164CEFFD187}" dt="2019-09-30T12:32:09.817" v="6889" actId="20577"/>
-          <ac:spMkLst>
-            <pc:docMk/>
-            <pc:sldMk cId="3334677996" sldId="299"/>
-            <ac:spMk id="9" creationId="{E3B2E017-30B2-884B-A113-B419A2ED51AD}"/>
-          </ac:spMkLst>
-        </pc:spChg>
       </pc:sldChg>
       <pc:sldChg chg="addSp modSp add">
         <pc:chgData name="Long B Nguyen" userId="f59fb8f3-a021-417a-8bc1-65c8d471c621" providerId="ADAL" clId="{2C9BD3C4-A72C-C34E-A2E2-4164CEFFD187}" dt="2019-09-27T16:54:32.829" v="4806" actId="20577"/>
@@ -886,30 +489,6 @@
           <pc:docMk/>
           <pc:sldMk cId="1511080215" sldId="300"/>
         </pc:sldMkLst>
-        <pc:spChg chg="mod">
-          <ac:chgData name="Long B Nguyen" userId="f59fb8f3-a021-417a-8bc1-65c8d471c621" providerId="ADAL" clId="{2C9BD3C4-A72C-C34E-A2E2-4164CEFFD187}" dt="2019-09-27T14:01:28.101" v="2927" actId="20577"/>
-          <ac:spMkLst>
-            <pc:docMk/>
-            <pc:sldMk cId="1511080215" sldId="300"/>
-            <ac:spMk id="2" creationId="{AA3A228F-61D0-D949-A5E7-F83756230BF8}"/>
-          </ac:spMkLst>
-        </pc:spChg>
-        <pc:spChg chg="mod">
-          <ac:chgData name="Long B Nguyen" userId="f59fb8f3-a021-417a-8bc1-65c8d471c621" providerId="ADAL" clId="{2C9BD3C4-A72C-C34E-A2E2-4164CEFFD187}" dt="2019-09-27T14:05:24.405" v="3192" actId="20577"/>
-          <ac:spMkLst>
-            <pc:docMk/>
-            <pc:sldMk cId="1511080215" sldId="300"/>
-            <ac:spMk id="9" creationId="{E3B2E017-30B2-884B-A113-B419A2ED51AD}"/>
-          </ac:spMkLst>
-        </pc:spChg>
-        <pc:graphicFrameChg chg="add mod modGraphic">
-          <ac:chgData name="Long B Nguyen" userId="f59fb8f3-a021-417a-8bc1-65c8d471c621" providerId="ADAL" clId="{2C9BD3C4-A72C-C34E-A2E2-4164CEFFD187}" dt="2019-09-27T16:54:32.829" v="4806" actId="20577"/>
-          <ac:graphicFrameMkLst>
-            <pc:docMk/>
-            <pc:sldMk cId="1511080215" sldId="300"/>
-            <ac:graphicFrameMk id="3" creationId="{57EBABBC-BF53-D54B-B535-A6EEF3CDBAF8}"/>
-          </ac:graphicFrameMkLst>
-        </pc:graphicFrameChg>
       </pc:sldChg>
       <pc:sldChg chg="modSp add modAnim">
         <pc:chgData name="Long B Nguyen" userId="f59fb8f3-a021-417a-8bc1-65c8d471c621" providerId="ADAL" clId="{2C9BD3C4-A72C-C34E-A2E2-4164CEFFD187}" dt="2019-10-08T13:02:33.560" v="7074" actId="20577"/>
@@ -917,14 +496,6 @@
           <pc:docMk/>
           <pc:sldMk cId="3018705465" sldId="301"/>
         </pc:sldMkLst>
-        <pc:spChg chg="mod">
-          <ac:chgData name="Long B Nguyen" userId="f59fb8f3-a021-417a-8bc1-65c8d471c621" providerId="ADAL" clId="{2C9BD3C4-A72C-C34E-A2E2-4164CEFFD187}" dt="2019-10-08T13:02:33.560" v="7074" actId="20577"/>
-          <ac:spMkLst>
-            <pc:docMk/>
-            <pc:sldMk cId="3018705465" sldId="301"/>
-            <ac:spMk id="9" creationId="{E3B2E017-30B2-884B-A113-B419A2ED51AD}"/>
-          </ac:spMkLst>
-        </pc:spChg>
       </pc:sldChg>
       <pc:sldChg chg="modSp add modAnim">
         <pc:chgData name="Long B Nguyen" userId="f59fb8f3-a021-417a-8bc1-65c8d471c621" providerId="ADAL" clId="{2C9BD3C4-A72C-C34E-A2E2-4164CEFFD187}" dt="2019-09-29T10:36:26.780" v="6672"/>
@@ -932,14 +503,6 @@
           <pc:docMk/>
           <pc:sldMk cId="2221515130" sldId="302"/>
         </pc:sldMkLst>
-        <pc:spChg chg="mod">
-          <ac:chgData name="Long B Nguyen" userId="f59fb8f3-a021-417a-8bc1-65c8d471c621" providerId="ADAL" clId="{2C9BD3C4-A72C-C34E-A2E2-4164CEFFD187}" dt="2019-09-29T10:11:33.142" v="6032" actId="20577"/>
-          <ac:spMkLst>
-            <pc:docMk/>
-            <pc:sldMk cId="2221515130" sldId="302"/>
-            <ac:spMk id="9" creationId="{E3B2E017-30B2-884B-A113-B419A2ED51AD}"/>
-          </ac:spMkLst>
-        </pc:spChg>
       </pc:sldChg>
       <pc:sldChg chg="modSp add modAnim">
         <pc:chgData name="Long B Nguyen" userId="f59fb8f3-a021-417a-8bc1-65c8d471c621" providerId="ADAL" clId="{2C9BD3C4-A72C-C34E-A2E2-4164CEFFD187}" dt="2019-09-30T12:00:23.805" v="6868"/>
@@ -947,22 +510,6 @@
           <pc:docMk/>
           <pc:sldMk cId="2524324013" sldId="303"/>
         </pc:sldMkLst>
-        <pc:spChg chg="mod">
-          <ac:chgData name="Long B Nguyen" userId="f59fb8f3-a021-417a-8bc1-65c8d471c621" providerId="ADAL" clId="{2C9BD3C4-A72C-C34E-A2E2-4164CEFFD187}" dt="2019-09-27T14:15:42.090" v="3689" actId="20577"/>
-          <ac:spMkLst>
-            <pc:docMk/>
-            <pc:sldMk cId="2524324013" sldId="303"/>
-            <ac:spMk id="2" creationId="{AA3A228F-61D0-D949-A5E7-F83756230BF8}"/>
-          </ac:spMkLst>
-        </pc:spChg>
-        <pc:spChg chg="mod">
-          <ac:chgData name="Long B Nguyen" userId="f59fb8f3-a021-417a-8bc1-65c8d471c621" providerId="ADAL" clId="{2C9BD3C4-A72C-C34E-A2E2-4164CEFFD187}" dt="2019-09-29T10:33:33.295" v="6602" actId="20577"/>
-          <ac:spMkLst>
-            <pc:docMk/>
-            <pc:sldMk cId="2524324013" sldId="303"/>
-            <ac:spMk id="9" creationId="{E3B2E017-30B2-884B-A113-B419A2ED51AD}"/>
-          </ac:spMkLst>
-        </pc:spChg>
       </pc:sldChg>
       <pc:sldChg chg="modSp add modAnim">
         <pc:chgData name="Long B Nguyen" userId="f59fb8f3-a021-417a-8bc1-65c8d471c621" providerId="ADAL" clId="{2C9BD3C4-A72C-C34E-A2E2-4164CEFFD187}" dt="2019-09-30T12:00:33.344" v="6870"/>
@@ -970,14 +517,6 @@
           <pc:docMk/>
           <pc:sldMk cId="3612046097" sldId="304"/>
         </pc:sldMkLst>
-        <pc:spChg chg="mod">
-          <ac:chgData name="Long B Nguyen" userId="f59fb8f3-a021-417a-8bc1-65c8d471c621" providerId="ADAL" clId="{2C9BD3C4-A72C-C34E-A2E2-4164CEFFD187}" dt="2019-09-29T10:33:44.962" v="6613" actId="20577"/>
-          <ac:spMkLst>
-            <pc:docMk/>
-            <pc:sldMk cId="3612046097" sldId="304"/>
-            <ac:spMk id="9" creationId="{E3B2E017-30B2-884B-A113-B419A2ED51AD}"/>
-          </ac:spMkLst>
-        </pc:spChg>
       </pc:sldChg>
       <pc:sldChg chg="modSp add modAnim">
         <pc:chgData name="Long B Nguyen" userId="f59fb8f3-a021-417a-8bc1-65c8d471c621" providerId="ADAL" clId="{2C9BD3C4-A72C-C34E-A2E2-4164CEFFD187}" dt="2019-09-30T12:00:45.214" v="6873"/>
@@ -985,14 +524,6 @@
           <pc:docMk/>
           <pc:sldMk cId="3701226577" sldId="305"/>
         </pc:sldMkLst>
-        <pc:spChg chg="mod">
-          <ac:chgData name="Long B Nguyen" userId="f59fb8f3-a021-417a-8bc1-65c8d471c621" providerId="ADAL" clId="{2C9BD3C4-A72C-C34E-A2E2-4164CEFFD187}" dt="2019-09-29T10:34:02.696" v="6627" actId="20577"/>
-          <ac:spMkLst>
-            <pc:docMk/>
-            <pc:sldMk cId="3701226577" sldId="305"/>
-            <ac:spMk id="9" creationId="{E3B2E017-30B2-884B-A113-B419A2ED51AD}"/>
-          </ac:spMkLst>
-        </pc:spChg>
       </pc:sldChg>
       <pc:sldChg chg="modSp add modAnim">
         <pc:chgData name="Long B Nguyen" userId="f59fb8f3-a021-417a-8bc1-65c8d471c621" providerId="ADAL" clId="{2C9BD3C4-A72C-C34E-A2E2-4164CEFFD187}" dt="2019-09-30T12:00:56.386" v="6875"/>
@@ -1000,14 +531,6 @@
           <pc:docMk/>
           <pc:sldMk cId="3900668933" sldId="306"/>
         </pc:sldMkLst>
-        <pc:spChg chg="mod">
-          <ac:chgData name="Long B Nguyen" userId="f59fb8f3-a021-417a-8bc1-65c8d471c621" providerId="ADAL" clId="{2C9BD3C4-A72C-C34E-A2E2-4164CEFFD187}" dt="2019-09-29T10:34:19.115" v="6638" actId="20577"/>
-          <ac:spMkLst>
-            <pc:docMk/>
-            <pc:sldMk cId="3900668933" sldId="306"/>
-            <ac:spMk id="9" creationId="{E3B2E017-30B2-884B-A113-B419A2ED51AD}"/>
-          </ac:spMkLst>
-        </pc:spChg>
       </pc:sldChg>
       <pc:sldChg chg="modSp add modAnim">
         <pc:chgData name="Long B Nguyen" userId="f59fb8f3-a021-417a-8bc1-65c8d471c621" providerId="ADAL" clId="{2C9BD3C4-A72C-C34E-A2E2-4164CEFFD187}" dt="2019-09-30T12:01:02.667" v="6876"/>
@@ -1015,22 +538,6 @@
           <pc:docMk/>
           <pc:sldMk cId="824515891" sldId="307"/>
         </pc:sldMkLst>
-        <pc:spChg chg="mod">
-          <ac:chgData name="Long B Nguyen" userId="f59fb8f3-a021-417a-8bc1-65c8d471c621" providerId="ADAL" clId="{2C9BD3C4-A72C-C34E-A2E2-4164CEFFD187}" dt="2019-09-29T09:56:48.036" v="4901" actId="20577"/>
-          <ac:spMkLst>
-            <pc:docMk/>
-            <pc:sldMk cId="824515891" sldId="307"/>
-            <ac:spMk id="2" creationId="{AA3A228F-61D0-D949-A5E7-F83756230BF8}"/>
-          </ac:spMkLst>
-        </pc:spChg>
-        <pc:spChg chg="mod">
-          <ac:chgData name="Long B Nguyen" userId="f59fb8f3-a021-417a-8bc1-65c8d471c621" providerId="ADAL" clId="{2C9BD3C4-A72C-C34E-A2E2-4164CEFFD187}" dt="2019-09-29T10:34:30.419" v="6644" actId="20577"/>
-          <ac:spMkLst>
-            <pc:docMk/>
-            <pc:sldMk cId="824515891" sldId="307"/>
-            <ac:spMk id="9" creationId="{E3B2E017-30B2-884B-A113-B419A2ED51AD}"/>
-          </ac:spMkLst>
-        </pc:spChg>
       </pc:sldChg>
       <pc:sldChg chg="modSp add modAnim">
         <pc:chgData name="Long B Nguyen" userId="f59fb8f3-a021-417a-8bc1-65c8d471c621" providerId="ADAL" clId="{2C9BD3C4-A72C-C34E-A2E2-4164CEFFD187}" dt="2019-09-30T12:01:19.026" v="6879"/>
@@ -1038,22 +545,6 @@
           <pc:docMk/>
           <pc:sldMk cId="641334177" sldId="308"/>
         </pc:sldMkLst>
-        <pc:spChg chg="mod">
-          <ac:chgData name="Long B Nguyen" userId="f59fb8f3-a021-417a-8bc1-65c8d471c621" providerId="ADAL" clId="{2C9BD3C4-A72C-C34E-A2E2-4164CEFFD187}" dt="2019-09-29T09:59:25.846" v="5063" actId="20577"/>
-          <ac:spMkLst>
-            <pc:docMk/>
-            <pc:sldMk cId="641334177" sldId="308"/>
-            <ac:spMk id="2" creationId="{AA3A228F-61D0-D949-A5E7-F83756230BF8}"/>
-          </ac:spMkLst>
-        </pc:spChg>
-        <pc:spChg chg="mod">
-          <ac:chgData name="Long B Nguyen" userId="f59fb8f3-a021-417a-8bc1-65c8d471c621" providerId="ADAL" clId="{2C9BD3C4-A72C-C34E-A2E2-4164CEFFD187}" dt="2019-09-29T10:34:54.998" v="6655" actId="255"/>
-          <ac:spMkLst>
-            <pc:docMk/>
-            <pc:sldMk cId="641334177" sldId="308"/>
-            <ac:spMk id="9" creationId="{E3B2E017-30B2-884B-A113-B419A2ED51AD}"/>
-          </ac:spMkLst>
-        </pc:spChg>
       </pc:sldChg>
       <pc:sldChg chg="modSp add modAnim">
         <pc:chgData name="Long B Nguyen" userId="f59fb8f3-a021-417a-8bc1-65c8d471c621" providerId="ADAL" clId="{2C9BD3C4-A72C-C34E-A2E2-4164CEFFD187}" dt="2019-09-30T12:01:34.741" v="6882"/>
@@ -1061,14 +552,6 @@
           <pc:docMk/>
           <pc:sldMk cId="3912850767" sldId="309"/>
         </pc:sldMkLst>
-        <pc:spChg chg="mod">
-          <ac:chgData name="Long B Nguyen" userId="f59fb8f3-a021-417a-8bc1-65c8d471c621" providerId="ADAL" clId="{2C9BD3C4-A72C-C34E-A2E2-4164CEFFD187}" dt="2019-09-29T10:35:04.615" v="6665" actId="20577"/>
-          <ac:spMkLst>
-            <pc:docMk/>
-            <pc:sldMk cId="3912850767" sldId="309"/>
-            <ac:spMk id="9" creationId="{E3B2E017-30B2-884B-A113-B419A2ED51AD}"/>
-          </ac:spMkLst>
-        </pc:spChg>
       </pc:sldChg>
       <pc:sldChg chg="modSp add modAnim">
         <pc:chgData name="Long B Nguyen" userId="f59fb8f3-a021-417a-8bc1-65c8d471c621" providerId="ADAL" clId="{2C9BD3C4-A72C-C34E-A2E2-4164CEFFD187}" dt="2019-09-30T14:03:41.601" v="6897" actId="20577"/>
@@ -1076,14 +559,6 @@
           <pc:docMk/>
           <pc:sldMk cId="4013144405" sldId="310"/>
         </pc:sldMkLst>
-        <pc:spChg chg="mod">
-          <ac:chgData name="Long B Nguyen" userId="f59fb8f3-a021-417a-8bc1-65c8d471c621" providerId="ADAL" clId="{2C9BD3C4-A72C-C34E-A2E2-4164CEFFD187}" dt="2019-09-30T14:03:41.601" v="6897" actId="20577"/>
-          <ac:spMkLst>
-            <pc:docMk/>
-            <pc:sldMk cId="4013144405" sldId="310"/>
-            <ac:spMk id="9" creationId="{E3B2E017-30B2-884B-A113-B419A2ED51AD}"/>
-          </ac:spMkLst>
-        </pc:spChg>
       </pc:sldChg>
       <pc:sldChg chg="modSp add modAnim">
         <pc:chgData name="Long B Nguyen" userId="f59fb8f3-a021-417a-8bc1-65c8d471c621" providerId="ADAL" clId="{2C9BD3C4-A72C-C34E-A2E2-4164CEFFD187}" dt="2019-10-08T13:50:00.053" v="7219" actId="20577"/>
@@ -1091,14 +566,6 @@
           <pc:docMk/>
           <pc:sldMk cId="4209926949" sldId="311"/>
         </pc:sldMkLst>
-        <pc:spChg chg="mod">
-          <ac:chgData name="Long B Nguyen" userId="f59fb8f3-a021-417a-8bc1-65c8d471c621" providerId="ADAL" clId="{2C9BD3C4-A72C-C34E-A2E2-4164CEFFD187}" dt="2019-10-08T13:50:00.053" v="7219" actId="20577"/>
-          <ac:spMkLst>
-            <pc:docMk/>
-            <pc:sldMk cId="4209926949" sldId="311"/>
-            <ac:spMk id="9" creationId="{E3B2E017-30B2-884B-A113-B419A2ED51AD}"/>
-          </ac:spMkLst>
-        </pc:spChg>
       </pc:sldChg>
     </pc:docChg>
   </pc:docChgLst>
@@ -1115,14 +582,6 @@
           <pc:docMk/>
           <pc:sldMk cId="2207246265" sldId="257"/>
         </pc:sldMkLst>
-        <pc:spChg chg="mod">
-          <ac:chgData name="Long B Nguyen" userId="f59fb8f3-a021-417a-8bc1-65c8d471c621" providerId="ADAL" clId="{5BA4ED75-8AB8-EF4B-B40C-CAAFEBD8F6A0}" dt="2019-09-07T18:16:12.785" v="168"/>
-          <ac:spMkLst>
-            <pc:docMk/>
-            <pc:sldMk cId="2207246265" sldId="257"/>
-            <ac:spMk id="9" creationId="{E3B2E017-30B2-884B-A113-B419A2ED51AD}"/>
-          </ac:spMkLst>
-        </pc:spChg>
       </pc:sldChg>
       <pc:sldChg chg="modSp">
         <pc:chgData name="Long B Nguyen" userId="f59fb8f3-a021-417a-8bc1-65c8d471c621" providerId="ADAL" clId="{5BA4ED75-8AB8-EF4B-B40C-CAAFEBD8F6A0}" dt="2019-08-18T20:08:42.191" v="115" actId="313"/>
@@ -1130,14 +589,6 @@
           <pc:docMk/>
           <pc:sldMk cId="4018759955" sldId="274"/>
         </pc:sldMkLst>
-        <pc:spChg chg="mod">
-          <ac:chgData name="Long B Nguyen" userId="f59fb8f3-a021-417a-8bc1-65c8d471c621" providerId="ADAL" clId="{5BA4ED75-8AB8-EF4B-B40C-CAAFEBD8F6A0}" dt="2019-08-18T20:08:42.191" v="115" actId="313"/>
-          <ac:spMkLst>
-            <pc:docMk/>
-            <pc:sldMk cId="4018759955" sldId="274"/>
-            <ac:spMk id="9" creationId="{E3B2E017-30B2-884B-A113-B419A2ED51AD}"/>
-          </ac:spMkLst>
-        </pc:spChg>
       </pc:sldChg>
       <pc:sldChg chg="modSp">
         <pc:chgData name="Long B Nguyen" userId="f59fb8f3-a021-417a-8bc1-65c8d471c621" providerId="ADAL" clId="{5BA4ED75-8AB8-EF4B-B40C-CAAFEBD8F6A0}" dt="2019-08-18T20:09:14.054" v="121" actId="313"/>
@@ -1145,14 +596,6 @@
           <pc:docMk/>
           <pc:sldMk cId="3908189275" sldId="275"/>
         </pc:sldMkLst>
-        <pc:spChg chg="mod">
-          <ac:chgData name="Long B Nguyen" userId="f59fb8f3-a021-417a-8bc1-65c8d471c621" providerId="ADAL" clId="{5BA4ED75-8AB8-EF4B-B40C-CAAFEBD8F6A0}" dt="2019-08-18T20:09:14.054" v="121" actId="313"/>
-          <ac:spMkLst>
-            <pc:docMk/>
-            <pc:sldMk cId="3908189275" sldId="275"/>
-            <ac:spMk id="9" creationId="{E3B2E017-30B2-884B-A113-B419A2ED51AD}"/>
-          </ac:spMkLst>
-        </pc:spChg>
       </pc:sldChg>
       <pc:sldChg chg="modSp">
         <pc:chgData name="Long B Nguyen" userId="f59fb8f3-a021-417a-8bc1-65c8d471c621" providerId="ADAL" clId="{5BA4ED75-8AB8-EF4B-B40C-CAAFEBD8F6A0}" dt="2019-08-18T20:09:30.839" v="124" actId="313"/>
@@ -1160,14 +603,6 @@
           <pc:docMk/>
           <pc:sldMk cId="1114720448" sldId="276"/>
         </pc:sldMkLst>
-        <pc:spChg chg="mod">
-          <ac:chgData name="Long B Nguyen" userId="f59fb8f3-a021-417a-8bc1-65c8d471c621" providerId="ADAL" clId="{5BA4ED75-8AB8-EF4B-B40C-CAAFEBD8F6A0}" dt="2019-08-18T20:09:30.839" v="124" actId="313"/>
-          <ac:spMkLst>
-            <pc:docMk/>
-            <pc:sldMk cId="1114720448" sldId="276"/>
-            <ac:spMk id="9" creationId="{E3B2E017-30B2-884B-A113-B419A2ED51AD}"/>
-          </ac:spMkLst>
-        </pc:spChg>
       </pc:sldChg>
       <pc:sldChg chg="add">
         <pc:chgData name="Long B Nguyen" userId="f59fb8f3-a021-417a-8bc1-65c8d471c621" providerId="ADAL" clId="{5BA4ED75-8AB8-EF4B-B40C-CAAFEBD8F6A0}" dt="2019-08-25T11:36:43.747" v="163"/>
@@ -1182,14 +617,6 @@
           <pc:docMk/>
           <pc:sldMk cId="3974060782" sldId="289"/>
         </pc:sldMkLst>
-        <pc:spChg chg="mod">
-          <ac:chgData name="Long B Nguyen" userId="f59fb8f3-a021-417a-8bc1-65c8d471c621" providerId="ADAL" clId="{5BA4ED75-8AB8-EF4B-B40C-CAAFEBD8F6A0}" dt="2019-08-25T11:28:37.709" v="159" actId="20577"/>
-          <ac:spMkLst>
-            <pc:docMk/>
-            <pc:sldMk cId="3974060782" sldId="289"/>
-            <ac:spMk id="3" creationId="{1BDC47C8-6776-7B44-9CD4-95FC91452D62}"/>
-          </ac:spMkLst>
-        </pc:spChg>
       </pc:sldChg>
     </pc:docChg>
   </pc:docChgLst>
@@ -1206,14 +633,6 @@
           <pc:docMk/>
           <pc:sldMk cId="2207246265" sldId="257"/>
         </pc:sldMkLst>
-        <pc:spChg chg="mod">
-          <ac:chgData name="Long B Nguyen" userId="f59fb8f3-a021-417a-8bc1-65c8d471c621" providerId="ADAL" clId="{F75EDA11-D5F5-A647-A905-569752EB74A6}" dt="2021-11-07T14:34:06.134" v="4257" actId="20577"/>
-          <ac:spMkLst>
-            <pc:docMk/>
-            <pc:sldMk cId="2207246265" sldId="257"/>
-            <ac:spMk id="9" creationId="{E3B2E017-30B2-884B-A113-B419A2ED51AD}"/>
-          </ac:spMkLst>
-        </pc:spChg>
       </pc:sldChg>
       <pc:sldChg chg="modSp">
         <pc:chgData name="Long B Nguyen" userId="f59fb8f3-a021-417a-8bc1-65c8d471c621" providerId="ADAL" clId="{F75EDA11-D5F5-A647-A905-569752EB74A6}" dt="2021-11-09T13:51:21.049" v="4383" actId="20577"/>
@@ -1221,14 +640,6 @@
           <pc:docMk/>
           <pc:sldMk cId="4018759955" sldId="274"/>
         </pc:sldMkLst>
-        <pc:spChg chg="mod">
-          <ac:chgData name="Long B Nguyen" userId="f59fb8f3-a021-417a-8bc1-65c8d471c621" providerId="ADAL" clId="{F75EDA11-D5F5-A647-A905-569752EB74A6}" dt="2021-11-09T13:51:21.049" v="4383" actId="20577"/>
-          <ac:spMkLst>
-            <pc:docMk/>
-            <pc:sldMk cId="4018759955" sldId="274"/>
-            <ac:spMk id="9" creationId="{E3B2E017-30B2-884B-A113-B419A2ED51AD}"/>
-          </ac:spMkLst>
-        </pc:spChg>
       </pc:sldChg>
       <pc:sldChg chg="del">
         <pc:chgData name="Long B Nguyen" userId="f59fb8f3-a021-417a-8bc1-65c8d471c621" providerId="ADAL" clId="{F75EDA11-D5F5-A647-A905-569752EB74A6}" dt="2021-11-07T12:42:29.891" v="2136" actId="2696"/>
@@ -1243,14 +654,6 @@
           <pc:docMk/>
           <pc:sldMk cId="3223074979" sldId="296"/>
         </pc:sldMkLst>
-        <pc:spChg chg="mod">
-          <ac:chgData name="Long B Nguyen" userId="f59fb8f3-a021-417a-8bc1-65c8d471c621" providerId="ADAL" clId="{F75EDA11-D5F5-A647-A905-569752EB74A6}" dt="2021-11-05T23:48:07.342" v="997" actId="207"/>
-          <ac:spMkLst>
-            <pc:docMk/>
-            <pc:sldMk cId="3223074979" sldId="296"/>
-            <ac:spMk id="9" creationId="{E3B2E017-30B2-884B-A113-B419A2ED51AD}"/>
-          </ac:spMkLst>
-        </pc:spChg>
       </pc:sldChg>
       <pc:sldChg chg="modSp del">
         <pc:chgData name="Long B Nguyen" userId="f59fb8f3-a021-417a-8bc1-65c8d471c621" providerId="ADAL" clId="{F75EDA11-D5F5-A647-A905-569752EB74A6}" dt="2021-11-05T16:40:24.695" v="32" actId="2696"/>
@@ -1258,14 +661,6 @@
           <pc:docMk/>
           <pc:sldMk cId="3888808614" sldId="296"/>
         </pc:sldMkLst>
-        <pc:spChg chg="mod">
-          <ac:chgData name="Long B Nguyen" userId="f59fb8f3-a021-417a-8bc1-65c8d471c621" providerId="ADAL" clId="{F75EDA11-D5F5-A647-A905-569752EB74A6}" dt="2021-11-04T17:22:32.549" v="2" actId="207"/>
-          <ac:spMkLst>
-            <pc:docMk/>
-            <pc:sldMk cId="3888808614" sldId="296"/>
-            <ac:spMk id="9" creationId="{E3B2E017-30B2-884B-A113-B419A2ED51AD}"/>
-          </ac:spMkLst>
-        </pc:spChg>
       </pc:sldChg>
       <pc:sldChg chg="modSp add mod">
         <pc:chgData name="Long B Nguyen" userId="f59fb8f3-a021-417a-8bc1-65c8d471c621" providerId="ADAL" clId="{F75EDA11-D5F5-A647-A905-569752EB74A6}" dt="2021-11-05T23:46:39.111" v="982" actId="20577"/>
@@ -1273,14 +668,6 @@
           <pc:docMk/>
           <pc:sldMk cId="929158658" sldId="297"/>
         </pc:sldMkLst>
-        <pc:spChg chg="mod">
-          <ac:chgData name="Long B Nguyen" userId="f59fb8f3-a021-417a-8bc1-65c8d471c621" providerId="ADAL" clId="{F75EDA11-D5F5-A647-A905-569752EB74A6}" dt="2021-11-05T23:46:39.111" v="982" actId="20577"/>
-          <ac:spMkLst>
-            <pc:docMk/>
-            <pc:sldMk cId="929158658" sldId="297"/>
-            <ac:spMk id="9" creationId="{E3B2E017-30B2-884B-A113-B419A2ED51AD}"/>
-          </ac:spMkLst>
-        </pc:spChg>
       </pc:sldChg>
       <pc:sldChg chg="modSp del mod">
         <pc:chgData name="Long B Nguyen" userId="f59fb8f3-a021-417a-8bc1-65c8d471c621" providerId="ADAL" clId="{F75EDA11-D5F5-A647-A905-569752EB74A6}" dt="2021-11-05T16:40:24.714" v="33" actId="2696"/>
@@ -1288,14 +675,6 @@
           <pc:docMk/>
           <pc:sldMk cId="1027235231" sldId="297"/>
         </pc:sldMkLst>
-        <pc:spChg chg="mod">
-          <ac:chgData name="Long B Nguyen" userId="f59fb8f3-a021-417a-8bc1-65c8d471c621" providerId="ADAL" clId="{F75EDA11-D5F5-A647-A905-569752EB74A6}" dt="2021-11-05T16:37:56.044" v="31" actId="20577"/>
-          <ac:spMkLst>
-            <pc:docMk/>
-            <pc:sldMk cId="1027235231" sldId="297"/>
-            <ac:spMk id="9" creationId="{E3B2E017-30B2-884B-A113-B419A2ED51AD}"/>
-          </ac:spMkLst>
-        </pc:spChg>
       </pc:sldChg>
       <pc:sldChg chg="modSp add">
         <pc:chgData name="Long B Nguyen" userId="f59fb8f3-a021-417a-8bc1-65c8d471c621" providerId="ADAL" clId="{F75EDA11-D5F5-A647-A905-569752EB74A6}" dt="2021-11-05T23:47:05.560" v="994" actId="113"/>
@@ -1303,14 +682,6 @@
           <pc:docMk/>
           <pc:sldMk cId="898936906" sldId="298"/>
         </pc:sldMkLst>
-        <pc:spChg chg="mod">
-          <ac:chgData name="Long B Nguyen" userId="f59fb8f3-a021-417a-8bc1-65c8d471c621" providerId="ADAL" clId="{F75EDA11-D5F5-A647-A905-569752EB74A6}" dt="2021-11-05T23:47:05.560" v="994" actId="113"/>
-          <ac:spMkLst>
-            <pc:docMk/>
-            <pc:sldMk cId="898936906" sldId="298"/>
-            <ac:spMk id="9" creationId="{E3B2E017-30B2-884B-A113-B419A2ED51AD}"/>
-          </ac:spMkLst>
-        </pc:spChg>
       </pc:sldChg>
       <pc:sldChg chg="modSp del modAnim">
         <pc:chgData name="Long B Nguyen" userId="f59fb8f3-a021-417a-8bc1-65c8d471c621" providerId="ADAL" clId="{F75EDA11-D5F5-A647-A905-569752EB74A6}" dt="2021-11-05T16:40:33.082" v="35" actId="2696"/>
@@ -1318,14 +689,6 @@
           <pc:docMk/>
           <pc:sldMk cId="4019361075" sldId="298"/>
         </pc:sldMkLst>
-        <pc:spChg chg="mod">
-          <ac:chgData name="Long B Nguyen" userId="f59fb8f3-a021-417a-8bc1-65c8d471c621" providerId="ADAL" clId="{F75EDA11-D5F5-A647-A905-569752EB74A6}" dt="2021-11-05T16:27:58.054" v="26" actId="20577"/>
-          <ac:spMkLst>
-            <pc:docMk/>
-            <pc:sldMk cId="4019361075" sldId="298"/>
-            <ac:spMk id="9" creationId="{E3B2E017-30B2-884B-A113-B419A2ED51AD}"/>
-          </ac:spMkLst>
-        </pc:spChg>
       </pc:sldChg>
       <pc:sldChg chg="del">
         <pc:chgData name="Long B Nguyen" userId="f59fb8f3-a021-417a-8bc1-65c8d471c621" providerId="ADAL" clId="{F75EDA11-D5F5-A647-A905-569752EB74A6}" dt="2021-11-04T17:23:11.507" v="3" actId="2696"/>
@@ -1340,14 +703,6 @@
           <pc:docMk/>
           <pc:sldMk cId="1511080215" sldId="300"/>
         </pc:sldMkLst>
-        <pc:graphicFrameChg chg="mod modGraphic">
-          <ac:chgData name="Long B Nguyen" userId="f59fb8f3-a021-417a-8bc1-65c8d471c621" providerId="ADAL" clId="{F75EDA11-D5F5-A647-A905-569752EB74A6}" dt="2021-11-07T13:49:48.384" v="3091" actId="1036"/>
-          <ac:graphicFrameMkLst>
-            <pc:docMk/>
-            <pc:sldMk cId="1511080215" sldId="300"/>
-            <ac:graphicFrameMk id="3" creationId="{57EBABBC-BF53-D54B-B535-A6EEF3CDBAF8}"/>
-          </ac:graphicFrameMkLst>
-        </pc:graphicFrameChg>
       </pc:sldChg>
       <pc:sldChg chg="modSp">
         <pc:chgData name="Long B Nguyen" userId="f59fb8f3-a021-417a-8bc1-65c8d471c621" providerId="ADAL" clId="{F75EDA11-D5F5-A647-A905-569752EB74A6}" dt="2021-11-12T14:09:59.307" v="4445" actId="20577"/>
@@ -1355,14 +710,6 @@
           <pc:docMk/>
           <pc:sldMk cId="2221515130" sldId="302"/>
         </pc:sldMkLst>
-        <pc:spChg chg="mod">
-          <ac:chgData name="Long B Nguyen" userId="f59fb8f3-a021-417a-8bc1-65c8d471c621" providerId="ADAL" clId="{F75EDA11-D5F5-A647-A905-569752EB74A6}" dt="2021-11-12T14:09:59.307" v="4445" actId="20577"/>
-          <ac:spMkLst>
-            <pc:docMk/>
-            <pc:sldMk cId="2221515130" sldId="302"/>
-            <ac:spMk id="9" creationId="{E3B2E017-30B2-884B-A113-B419A2ED51AD}"/>
-          </ac:spMkLst>
-        </pc:spChg>
       </pc:sldChg>
       <pc:sldChg chg="modSp add mod modAnim">
         <pc:chgData name="Long B Nguyen" userId="f59fb8f3-a021-417a-8bc1-65c8d471c621" providerId="ADAL" clId="{F75EDA11-D5F5-A647-A905-569752EB74A6}" dt="2021-11-06T05:27:51.043" v="2077" actId="20577"/>
@@ -1370,14 +717,6 @@
           <pc:docMk/>
           <pc:sldMk cId="885822507" sldId="303"/>
         </pc:sldMkLst>
-        <pc:spChg chg="mod">
-          <ac:chgData name="Long B Nguyen" userId="f59fb8f3-a021-417a-8bc1-65c8d471c621" providerId="ADAL" clId="{F75EDA11-D5F5-A647-A905-569752EB74A6}" dt="2021-11-06T05:27:51.043" v="2077" actId="20577"/>
-          <ac:spMkLst>
-            <pc:docMk/>
-            <pc:sldMk cId="885822507" sldId="303"/>
-            <ac:spMk id="9" creationId="{E3B2E017-30B2-884B-A113-B419A2ED51AD}"/>
-          </ac:spMkLst>
-        </pc:spChg>
       </pc:sldChg>
       <pc:sldChg chg="modSp del modAnim">
         <pc:chgData name="Long B Nguyen" userId="f59fb8f3-a021-417a-8bc1-65c8d471c621" providerId="ADAL" clId="{F75EDA11-D5F5-A647-A905-569752EB74A6}" dt="2021-11-06T04:52:09.161" v="1472" actId="2696"/>
@@ -1385,14 +724,6 @@
           <pc:docMk/>
           <pc:sldMk cId="2524324013" sldId="303"/>
         </pc:sldMkLst>
-        <pc:spChg chg="mod">
-          <ac:chgData name="Long B Nguyen" userId="f59fb8f3-a021-417a-8bc1-65c8d471c621" providerId="ADAL" clId="{F75EDA11-D5F5-A647-A905-569752EB74A6}" dt="2021-11-06T04:51:37.147" v="1471"/>
-          <ac:spMkLst>
-            <pc:docMk/>
-            <pc:sldMk cId="2524324013" sldId="303"/>
-            <ac:spMk id="9" creationId="{E3B2E017-30B2-884B-A113-B419A2ED51AD}"/>
-          </ac:spMkLst>
-        </pc:spChg>
       </pc:sldChg>
       <pc:sldChg chg="modSp mod">
         <pc:chgData name="Long B Nguyen" userId="f59fb8f3-a021-417a-8bc1-65c8d471c621" providerId="ADAL" clId="{F75EDA11-D5F5-A647-A905-569752EB74A6}" dt="2021-11-06T04:58:26.447" v="1712" actId="20577"/>
@@ -1400,30 +731,6 @@
           <pc:docMk/>
           <pc:sldMk cId="824515891" sldId="307"/>
         </pc:sldMkLst>
-        <pc:spChg chg="mod">
-          <ac:chgData name="Long B Nguyen" userId="f59fb8f3-a021-417a-8bc1-65c8d471c621" providerId="ADAL" clId="{F75EDA11-D5F5-A647-A905-569752EB74A6}" dt="2021-11-06T04:58:03.328" v="1682" actId="1076"/>
-          <ac:spMkLst>
-            <pc:docMk/>
-            <pc:sldMk cId="824515891" sldId="307"/>
-            <ac:spMk id="2" creationId="{AA3A228F-61D0-D949-A5E7-F83756230BF8}"/>
-          </ac:spMkLst>
-        </pc:spChg>
-        <pc:spChg chg="mod">
-          <ac:chgData name="Long B Nguyen" userId="f59fb8f3-a021-417a-8bc1-65c8d471c621" providerId="ADAL" clId="{F75EDA11-D5F5-A647-A905-569752EB74A6}" dt="2021-11-06T04:58:26.447" v="1712" actId="20577"/>
-          <ac:spMkLst>
-            <pc:docMk/>
-            <pc:sldMk cId="824515891" sldId="307"/>
-            <ac:spMk id="3" creationId="{E370868B-3F7C-FF4D-8166-7EE57683F6E5}"/>
-          </ac:spMkLst>
-        </pc:spChg>
-        <pc:spChg chg="mod">
-          <ac:chgData name="Long B Nguyen" userId="f59fb8f3-a021-417a-8bc1-65c8d471c621" providerId="ADAL" clId="{F75EDA11-D5F5-A647-A905-569752EB74A6}" dt="2021-11-06T04:58:09.358" v="1683" actId="14100"/>
-          <ac:spMkLst>
-            <pc:docMk/>
-            <pc:sldMk cId="824515891" sldId="307"/>
-            <ac:spMk id="9" creationId="{E3B2E017-30B2-884B-A113-B419A2ED51AD}"/>
-          </ac:spMkLst>
-        </pc:spChg>
       </pc:sldChg>
       <pc:sldChg chg="modSp add del mod modAnim">
         <pc:chgData name="Long B Nguyen" userId="f59fb8f3-a021-417a-8bc1-65c8d471c621" providerId="ADAL" clId="{F75EDA11-D5F5-A647-A905-569752EB74A6}" dt="2021-11-07T13:25:35.006" v="2933" actId="2696"/>
@@ -1431,22 +738,6 @@
           <pc:docMk/>
           <pc:sldMk cId="575918402" sldId="337"/>
         </pc:sldMkLst>
-        <pc:spChg chg="mod">
-          <ac:chgData name="Long B Nguyen" userId="f59fb8f3-a021-417a-8bc1-65c8d471c621" providerId="ADAL" clId="{F75EDA11-D5F5-A647-A905-569752EB74A6}" dt="2021-11-07T12:46:18.133" v="2355" actId="20577"/>
-          <ac:spMkLst>
-            <pc:docMk/>
-            <pc:sldMk cId="575918402" sldId="337"/>
-            <ac:spMk id="2" creationId="{AA3A228F-61D0-D949-A5E7-F83756230BF8}"/>
-          </ac:spMkLst>
-        </pc:spChg>
-        <pc:spChg chg="mod">
-          <ac:chgData name="Long B Nguyen" userId="f59fb8f3-a021-417a-8bc1-65c8d471c621" providerId="ADAL" clId="{F75EDA11-D5F5-A647-A905-569752EB74A6}" dt="2021-11-07T13:07:51.573" v="2909" actId="20577"/>
-          <ac:spMkLst>
-            <pc:docMk/>
-            <pc:sldMk cId="575918402" sldId="337"/>
-            <ac:spMk id="9" creationId="{E3B2E017-30B2-884B-A113-B419A2ED51AD}"/>
-          </ac:spMkLst>
-        </pc:spChg>
       </pc:sldChg>
       <pc:sldChg chg="modSp add">
         <pc:chgData name="Long B Nguyen" userId="f59fb8f3-a021-417a-8bc1-65c8d471c621" providerId="ADAL" clId="{F75EDA11-D5F5-A647-A905-569752EB74A6}" dt="2021-11-07T13:59:30.208" v="3103" actId="113"/>
@@ -1454,14 +745,6 @@
           <pc:docMk/>
           <pc:sldMk cId="1224283407" sldId="337"/>
         </pc:sldMkLst>
-        <pc:spChg chg="mod">
-          <ac:chgData name="Long B Nguyen" userId="f59fb8f3-a021-417a-8bc1-65c8d471c621" providerId="ADAL" clId="{F75EDA11-D5F5-A647-A905-569752EB74A6}" dt="2021-11-07T13:59:30.208" v="3103" actId="113"/>
-          <ac:spMkLst>
-            <pc:docMk/>
-            <pc:sldMk cId="1224283407" sldId="337"/>
-            <ac:spMk id="9" creationId="{E3B2E017-30B2-884B-A113-B419A2ED51AD}"/>
-          </ac:spMkLst>
-        </pc:spChg>
       </pc:sldChg>
       <pc:sldChg chg="modSp del mod">
         <pc:chgData name="Long B Nguyen" userId="f59fb8f3-a021-417a-8bc1-65c8d471c621" providerId="ADAL" clId="{F75EDA11-D5F5-A647-A905-569752EB74A6}" dt="2021-11-07T12:46:09.976" v="2340" actId="2696"/>
@@ -1469,22 +752,6 @@
           <pc:docMk/>
           <pc:sldMk cId="2824967516" sldId="337"/>
         </pc:sldMkLst>
-        <pc:spChg chg="mod">
-          <ac:chgData name="Long B Nguyen" userId="f59fb8f3-a021-417a-8bc1-65c8d471c621" providerId="ADAL" clId="{F75EDA11-D5F5-A647-A905-569752EB74A6}" dt="2021-11-07T12:44:22.463" v="2162" actId="20577"/>
-          <ac:spMkLst>
-            <pc:docMk/>
-            <pc:sldMk cId="2824967516" sldId="337"/>
-            <ac:spMk id="2" creationId="{AA3A228F-61D0-D949-A5E7-F83756230BF8}"/>
-          </ac:spMkLst>
-        </pc:spChg>
-        <pc:spChg chg="mod">
-          <ac:chgData name="Long B Nguyen" userId="f59fb8f3-a021-417a-8bc1-65c8d471c621" providerId="ADAL" clId="{F75EDA11-D5F5-A647-A905-569752EB74A6}" dt="2021-11-07T12:45:00.771" v="2318" actId="20577"/>
-          <ac:spMkLst>
-            <pc:docMk/>
-            <pc:sldMk cId="2824967516" sldId="337"/>
-            <ac:spMk id="9" creationId="{E3B2E017-30B2-884B-A113-B419A2ED51AD}"/>
-          </ac:spMkLst>
-        </pc:spChg>
       </pc:sldChg>
       <pc:sldChg chg="addSp delSp modSp add mod modAnim">
         <pc:chgData name="Long B Nguyen" userId="f59fb8f3-a021-417a-8bc1-65c8d471c621" providerId="ADAL" clId="{F75EDA11-D5F5-A647-A905-569752EB74A6}" dt="2021-11-07T14:36:37.496" v="4363"/>
@@ -1492,62 +759,6 @@
           <pc:docMk/>
           <pc:sldMk cId="131356231" sldId="357"/>
         </pc:sldMkLst>
-        <pc:spChg chg="mod">
-          <ac:chgData name="Long B Nguyen" userId="f59fb8f3-a021-417a-8bc1-65c8d471c621" providerId="ADAL" clId="{F75EDA11-D5F5-A647-A905-569752EB74A6}" dt="2021-11-05T23:46:12.404" v="976" actId="20577"/>
-          <ac:spMkLst>
-            <pc:docMk/>
-            <pc:sldMk cId="131356231" sldId="357"/>
-            <ac:spMk id="2" creationId="{AA3A228F-61D0-D949-A5E7-F83756230BF8}"/>
-          </ac:spMkLst>
-        </pc:spChg>
-        <pc:spChg chg="add mod">
-          <ac:chgData name="Long B Nguyen" userId="f59fb8f3-a021-417a-8bc1-65c8d471c621" providerId="ADAL" clId="{F75EDA11-D5F5-A647-A905-569752EB74A6}" dt="2021-11-05T23:49:50.511" v="1040" actId="1037"/>
-          <ac:spMkLst>
-            <pc:docMk/>
-            <pc:sldMk cId="131356231" sldId="357"/>
-            <ac:spMk id="3" creationId="{262153F1-5212-594C-9739-9F67BE59108B}"/>
-          </ac:spMkLst>
-        </pc:spChg>
-        <pc:spChg chg="add mod">
-          <ac:chgData name="Long B Nguyen" userId="f59fb8f3-a021-417a-8bc1-65c8d471c621" providerId="ADAL" clId="{F75EDA11-D5F5-A647-A905-569752EB74A6}" dt="2021-11-05T23:49:50.511" v="1040" actId="1037"/>
-          <ac:spMkLst>
-            <pc:docMk/>
-            <pc:sldMk cId="131356231" sldId="357"/>
-            <ac:spMk id="4" creationId="{E98711C7-1AB6-2449-80AD-C0B4B3A50E9E}"/>
-          </ac:spMkLst>
-        </pc:spChg>
-        <pc:spChg chg="add mod">
-          <ac:chgData name="Long B Nguyen" userId="f59fb8f3-a021-417a-8bc1-65c8d471c621" providerId="ADAL" clId="{F75EDA11-D5F5-A647-A905-569752EB74A6}" dt="2021-11-07T14:36:32.664" v="4362" actId="14100"/>
-          <ac:spMkLst>
-            <pc:docMk/>
-            <pc:sldMk cId="131356231" sldId="357"/>
-            <ac:spMk id="5" creationId="{F8F8782E-1408-5947-A9A8-136425287EB5}"/>
-          </ac:spMkLst>
-        </pc:spChg>
-        <pc:spChg chg="mod">
-          <ac:chgData name="Long B Nguyen" userId="f59fb8f3-a021-417a-8bc1-65c8d471c621" providerId="ADAL" clId="{F75EDA11-D5F5-A647-A905-569752EB74A6}" dt="2021-11-07T14:36:27.156" v="4361" actId="20577"/>
-          <ac:spMkLst>
-            <pc:docMk/>
-            <pc:sldMk cId="131356231" sldId="357"/>
-            <ac:spMk id="9" creationId="{E3B2E017-30B2-884B-A113-B419A2ED51AD}"/>
-          </ac:spMkLst>
-        </pc:spChg>
-        <pc:cxnChg chg="add del mod">
-          <ac:chgData name="Long B Nguyen" userId="f59fb8f3-a021-417a-8bc1-65c8d471c621" providerId="ADAL" clId="{F75EDA11-D5F5-A647-A905-569752EB74A6}" dt="2021-11-06T05:04:50.356" v="1954" actId="478"/>
-          <ac:cxnSpMkLst>
-            <pc:docMk/>
-            <pc:sldMk cId="131356231" sldId="357"/>
-            <ac:cxnSpMk id="7" creationId="{EF942181-2FFF-0E4A-B7B3-C5A8A0DFB426}"/>
-          </ac:cxnSpMkLst>
-        </pc:cxnChg>
-        <pc:cxnChg chg="add del mod">
-          <ac:chgData name="Long B Nguyen" userId="f59fb8f3-a021-417a-8bc1-65c8d471c621" providerId="ADAL" clId="{F75EDA11-D5F5-A647-A905-569752EB74A6}" dt="2021-11-05T23:50:17.607" v="1046" actId="478"/>
-          <ac:cxnSpMkLst>
-            <pc:docMk/>
-            <pc:sldMk cId="131356231" sldId="357"/>
-            <ac:cxnSpMk id="13" creationId="{1B4F522B-79AA-C748-96C9-830F382B9E79}"/>
-          </ac:cxnSpMkLst>
-        </pc:cxnChg>
       </pc:sldChg>
       <pc:sldChg chg="modSp add mod modAnim">
         <pc:chgData name="Long B Nguyen" userId="f59fb8f3-a021-417a-8bc1-65c8d471c621" providerId="ADAL" clId="{F75EDA11-D5F5-A647-A905-569752EB74A6}" dt="2021-11-09T13:53:35.657" v="4423" actId="14100"/>
@@ -1555,14 +766,6 @@
           <pc:docMk/>
           <pc:sldMk cId="3041297697" sldId="358"/>
         </pc:sldMkLst>
-        <pc:spChg chg="mod">
-          <ac:chgData name="Long B Nguyen" userId="f59fb8f3-a021-417a-8bc1-65c8d471c621" providerId="ADAL" clId="{F75EDA11-D5F5-A647-A905-569752EB74A6}" dt="2021-11-09T13:53:35.657" v="4423" actId="14100"/>
-          <ac:spMkLst>
-            <pc:docMk/>
-            <pc:sldMk cId="3041297697" sldId="358"/>
-            <ac:spMk id="9" creationId="{E3B2E017-30B2-884B-A113-B419A2ED51AD}"/>
-          </ac:spMkLst>
-        </pc:spChg>
       </pc:sldChg>
       <pc:sldChg chg="delSp modSp add del mod">
         <pc:chgData name="Long B Nguyen" userId="f59fb8f3-a021-417a-8bc1-65c8d471c621" providerId="ADAL" clId="{F75EDA11-D5F5-A647-A905-569752EB74A6}" dt="2021-11-06T05:00:10.542" v="1717" actId="2696"/>
@@ -1570,30 +773,6 @@
           <pc:docMk/>
           <pc:sldMk cId="734855097" sldId="359"/>
         </pc:sldMkLst>
-        <pc:spChg chg="del">
-          <ac:chgData name="Long B Nguyen" userId="f59fb8f3-a021-417a-8bc1-65c8d471c621" providerId="ADAL" clId="{F75EDA11-D5F5-A647-A905-569752EB74A6}" dt="2021-11-06T05:00:05.783" v="1715" actId="478"/>
-          <ac:spMkLst>
-            <pc:docMk/>
-            <pc:sldMk cId="734855097" sldId="359"/>
-            <ac:spMk id="5" creationId="{F8F8782E-1408-5947-A9A8-136425287EB5}"/>
-          </ac:spMkLst>
-        </pc:spChg>
-        <pc:spChg chg="mod">
-          <ac:chgData name="Long B Nguyen" userId="f59fb8f3-a021-417a-8bc1-65c8d471c621" providerId="ADAL" clId="{F75EDA11-D5F5-A647-A905-569752EB74A6}" dt="2021-11-06T05:00:03.643" v="1714" actId="20577"/>
-          <ac:spMkLst>
-            <pc:docMk/>
-            <pc:sldMk cId="734855097" sldId="359"/>
-            <ac:spMk id="9" creationId="{E3B2E017-30B2-884B-A113-B419A2ED51AD}"/>
-          </ac:spMkLst>
-        </pc:spChg>
-        <pc:cxnChg chg="del">
-          <ac:chgData name="Long B Nguyen" userId="f59fb8f3-a021-417a-8bc1-65c8d471c621" providerId="ADAL" clId="{F75EDA11-D5F5-A647-A905-569752EB74A6}" dt="2021-11-06T05:00:07.730" v="1716" actId="478"/>
-          <ac:cxnSpMkLst>
-            <pc:docMk/>
-            <pc:sldMk cId="734855097" sldId="359"/>
-            <ac:cxnSpMk id="7" creationId="{EF942181-2FFF-0E4A-B7B3-C5A8A0DFB426}"/>
-          </ac:cxnSpMkLst>
-        </pc:cxnChg>
       </pc:sldChg>
       <pc:sldChg chg="addSp modSp add mod modAnim">
         <pc:chgData name="Long B Nguyen" userId="f59fb8f3-a021-417a-8bc1-65c8d471c621" providerId="ADAL" clId="{F75EDA11-D5F5-A647-A905-569752EB74A6}" dt="2021-11-07T14:35:52.497" v="4355"/>
@@ -1601,38 +780,6 @@
           <pc:docMk/>
           <pc:sldMk cId="2745462955" sldId="359"/>
         </pc:sldMkLst>
-        <pc:spChg chg="mod">
-          <ac:chgData name="Long B Nguyen" userId="f59fb8f3-a021-417a-8bc1-65c8d471c621" providerId="ADAL" clId="{F75EDA11-D5F5-A647-A905-569752EB74A6}" dt="2021-11-06T05:04:22.111" v="1949" actId="1036"/>
-          <ac:spMkLst>
-            <pc:docMk/>
-            <pc:sldMk cId="2745462955" sldId="359"/>
-            <ac:spMk id="3" creationId="{262153F1-5212-594C-9739-9F67BE59108B}"/>
-          </ac:spMkLst>
-        </pc:spChg>
-        <pc:spChg chg="mod">
-          <ac:chgData name="Long B Nguyen" userId="f59fb8f3-a021-417a-8bc1-65c8d471c621" providerId="ADAL" clId="{F75EDA11-D5F5-A647-A905-569752EB74A6}" dt="2021-11-06T05:04:22.111" v="1949" actId="1036"/>
-          <ac:spMkLst>
-            <pc:docMk/>
-            <pc:sldMk cId="2745462955" sldId="359"/>
-            <ac:spMk id="4" creationId="{E98711C7-1AB6-2449-80AD-C0B4B3A50E9E}"/>
-          </ac:spMkLst>
-        </pc:spChg>
-        <pc:spChg chg="add mod">
-          <ac:chgData name="Long B Nguyen" userId="f59fb8f3-a021-417a-8bc1-65c8d471c621" providerId="ADAL" clId="{F75EDA11-D5F5-A647-A905-569752EB74A6}" dt="2021-11-06T05:03:08.487" v="1929" actId="20577"/>
-          <ac:spMkLst>
-            <pc:docMk/>
-            <pc:sldMk cId="2745462955" sldId="359"/>
-            <ac:spMk id="6" creationId="{6E653154-117E-B247-A50F-60D3AD088277}"/>
-          </ac:spMkLst>
-        </pc:spChg>
-        <pc:spChg chg="mod">
-          <ac:chgData name="Long B Nguyen" userId="f59fb8f3-a021-417a-8bc1-65c8d471c621" providerId="ADAL" clId="{F75EDA11-D5F5-A647-A905-569752EB74A6}" dt="2021-11-07T14:35:15.196" v="4350" actId="20577"/>
-          <ac:spMkLst>
-            <pc:docMk/>
-            <pc:sldMk cId="2745462955" sldId="359"/>
-            <ac:spMk id="9" creationId="{E3B2E017-30B2-884B-A113-B419A2ED51AD}"/>
-          </ac:spMkLst>
-        </pc:spChg>
       </pc:sldChg>
       <pc:sldChg chg="add del">
         <pc:chgData name="Long B Nguyen" userId="f59fb8f3-a021-417a-8bc1-65c8d471c621" providerId="ADAL" clId="{F75EDA11-D5F5-A647-A905-569752EB74A6}" dt="2021-11-07T13:58:58.688" v="3101" actId="2696"/>
@@ -1647,14 +794,6 @@
           <pc:docMk/>
           <pc:sldMk cId="1449685952" sldId="361"/>
         </pc:sldMkLst>
-        <pc:spChg chg="mod">
-          <ac:chgData name="Long B Nguyen" userId="f59fb8f3-a021-417a-8bc1-65c8d471c621" providerId="ADAL" clId="{F75EDA11-D5F5-A647-A905-569752EB74A6}" dt="2021-11-07T12:41:40.864" v="2135" actId="20577"/>
-          <ac:spMkLst>
-            <pc:docMk/>
-            <pc:sldMk cId="1449685952" sldId="361"/>
-            <ac:spMk id="9" creationId="{E3B2E017-30B2-884B-A113-B419A2ED51AD}"/>
-          </ac:spMkLst>
-        </pc:spChg>
       </pc:sldChg>
       <pc:sldChg chg="modSp add mod modAnim">
         <pc:chgData name="Long B Nguyen" userId="f59fb8f3-a021-417a-8bc1-65c8d471c621" providerId="ADAL" clId="{F75EDA11-D5F5-A647-A905-569752EB74A6}" dt="2021-11-07T12:46:05.605" v="2339" actId="20577"/>
@@ -1662,22 +801,6 @@
           <pc:docMk/>
           <pc:sldMk cId="3282321587" sldId="362"/>
         </pc:sldMkLst>
-        <pc:spChg chg="mod">
-          <ac:chgData name="Long B Nguyen" userId="f59fb8f3-a021-417a-8bc1-65c8d471c621" providerId="ADAL" clId="{F75EDA11-D5F5-A647-A905-569752EB74A6}" dt="2021-11-07T12:45:35.940" v="2326" actId="20577"/>
-          <ac:spMkLst>
-            <pc:docMk/>
-            <pc:sldMk cId="3282321587" sldId="362"/>
-            <ac:spMk id="2" creationId="{AA3A228F-61D0-D949-A5E7-F83756230BF8}"/>
-          </ac:spMkLst>
-        </pc:spChg>
-        <pc:spChg chg="mod">
-          <ac:chgData name="Long B Nguyen" userId="f59fb8f3-a021-417a-8bc1-65c8d471c621" providerId="ADAL" clId="{F75EDA11-D5F5-A647-A905-569752EB74A6}" dt="2021-11-07T12:46:05.605" v="2339" actId="20577"/>
-          <ac:spMkLst>
-            <pc:docMk/>
-            <pc:sldMk cId="3282321587" sldId="362"/>
-            <ac:spMk id="9" creationId="{E3B2E017-30B2-884B-A113-B419A2ED51AD}"/>
-          </ac:spMkLst>
-        </pc:spChg>
       </pc:sldChg>
       <pc:sldChg chg="modSp add del mod modAnim">
         <pc:chgData name="Long B Nguyen" userId="f59fb8f3-a021-417a-8bc1-65c8d471c621" providerId="ADAL" clId="{F75EDA11-D5F5-A647-A905-569752EB74A6}" dt="2021-11-07T13:25:35.030" v="2934" actId="2696"/>
@@ -1685,22 +808,6 @@
           <pc:docMk/>
           <pc:sldMk cId="593577822" sldId="363"/>
         </pc:sldMkLst>
-        <pc:spChg chg="mod">
-          <ac:chgData name="Long B Nguyen" userId="f59fb8f3-a021-417a-8bc1-65c8d471c621" providerId="ADAL" clId="{F75EDA11-D5F5-A647-A905-569752EB74A6}" dt="2021-11-07T13:08:42.347" v="2930" actId="20577"/>
-          <ac:spMkLst>
-            <pc:docMk/>
-            <pc:sldMk cId="593577822" sldId="363"/>
-            <ac:spMk id="2" creationId="{AA3A228F-61D0-D949-A5E7-F83756230BF8}"/>
-          </ac:spMkLst>
-        </pc:spChg>
-        <pc:spChg chg="mod">
-          <ac:chgData name="Long B Nguyen" userId="f59fb8f3-a021-417a-8bc1-65c8d471c621" providerId="ADAL" clId="{F75EDA11-D5F5-A647-A905-569752EB74A6}" dt="2021-11-07T13:08:46.880" v="2932" actId="20577"/>
-          <ac:spMkLst>
-            <pc:docMk/>
-            <pc:sldMk cId="593577822" sldId="363"/>
-            <ac:spMk id="9" creationId="{E3B2E017-30B2-884B-A113-B419A2ED51AD}"/>
-          </ac:spMkLst>
-        </pc:spChg>
       </pc:sldChg>
       <pc:sldChg chg="modSp add modAnim">
         <pc:chgData name="Long B Nguyen" userId="f59fb8f3-a021-417a-8bc1-65c8d471c621" providerId="ADAL" clId="{F75EDA11-D5F5-A647-A905-569752EB74A6}" dt="2021-11-07T17:20:15.029" v="4368" actId="20577"/>
@@ -1708,14 +815,6 @@
           <pc:docMk/>
           <pc:sldMk cId="3947917998" sldId="363"/>
         </pc:sldMkLst>
-        <pc:spChg chg="mod">
-          <ac:chgData name="Long B Nguyen" userId="f59fb8f3-a021-417a-8bc1-65c8d471c621" providerId="ADAL" clId="{F75EDA11-D5F5-A647-A905-569752EB74A6}" dt="2021-11-07T17:20:15.029" v="4368" actId="20577"/>
-          <ac:spMkLst>
-            <pc:docMk/>
-            <pc:sldMk cId="3947917998" sldId="363"/>
-            <ac:spMk id="9" creationId="{E3B2E017-30B2-884B-A113-B419A2ED51AD}"/>
-          </ac:spMkLst>
-        </pc:spChg>
       </pc:sldChg>
       <pc:sldChg chg="modSp add mod modAnim">
         <pc:chgData name="Long B Nguyen" userId="f59fb8f3-a021-417a-8bc1-65c8d471c621" providerId="ADAL" clId="{F75EDA11-D5F5-A647-A905-569752EB74A6}" dt="2021-11-07T14:27:41.416" v="3874" actId="207"/>
@@ -1723,22 +822,6 @@
           <pc:docMk/>
           <pc:sldMk cId="3572930057" sldId="364"/>
         </pc:sldMkLst>
-        <pc:spChg chg="mod">
-          <ac:chgData name="Long B Nguyen" userId="f59fb8f3-a021-417a-8bc1-65c8d471c621" providerId="ADAL" clId="{F75EDA11-D5F5-A647-A905-569752EB74A6}" dt="2021-11-07T14:19:41.403" v="3321" actId="20577"/>
-          <ac:spMkLst>
-            <pc:docMk/>
-            <pc:sldMk cId="3572930057" sldId="364"/>
-            <ac:spMk id="2" creationId="{AA3A228F-61D0-D949-A5E7-F83756230BF8}"/>
-          </ac:spMkLst>
-        </pc:spChg>
-        <pc:spChg chg="mod">
-          <ac:chgData name="Long B Nguyen" userId="f59fb8f3-a021-417a-8bc1-65c8d471c621" providerId="ADAL" clId="{F75EDA11-D5F5-A647-A905-569752EB74A6}" dt="2021-11-07T14:27:41.416" v="3874" actId="207"/>
-          <ac:spMkLst>
-            <pc:docMk/>
-            <pc:sldMk cId="3572930057" sldId="364"/>
-            <ac:spMk id="9" creationId="{E3B2E017-30B2-884B-A113-B419A2ED51AD}"/>
-          </ac:spMkLst>
-        </pc:spChg>
       </pc:sldChg>
       <pc:sldChg chg="modSp add mod">
         <pc:chgData name="Long B Nguyen" userId="f59fb8f3-a021-417a-8bc1-65c8d471c621" providerId="ADAL" clId="{F75EDA11-D5F5-A647-A905-569752EB74A6}" dt="2021-11-07T17:20:38.721" v="4369" actId="2711"/>
@@ -1746,22 +829,6 @@
           <pc:docMk/>
           <pc:sldMk cId="31725581" sldId="365"/>
         </pc:sldMkLst>
-        <pc:spChg chg="mod">
-          <ac:chgData name="Long B Nguyen" userId="f59fb8f3-a021-417a-8bc1-65c8d471c621" providerId="ADAL" clId="{F75EDA11-D5F5-A647-A905-569752EB74A6}" dt="2021-11-07T14:19:45.794" v="3324" actId="20577"/>
-          <ac:spMkLst>
-            <pc:docMk/>
-            <pc:sldMk cId="31725581" sldId="365"/>
-            <ac:spMk id="2" creationId="{AA3A228F-61D0-D949-A5E7-F83756230BF8}"/>
-          </ac:spMkLst>
-        </pc:spChg>
-        <pc:spChg chg="mod">
-          <ac:chgData name="Long B Nguyen" userId="f59fb8f3-a021-417a-8bc1-65c8d471c621" providerId="ADAL" clId="{F75EDA11-D5F5-A647-A905-569752EB74A6}" dt="2021-11-07T17:20:38.721" v="4369" actId="2711"/>
-          <ac:spMkLst>
-            <pc:docMk/>
-            <pc:sldMk cId="31725581" sldId="365"/>
-            <ac:spMk id="9" creationId="{E3B2E017-30B2-884B-A113-B419A2ED51AD}"/>
-          </ac:spMkLst>
-        </pc:spChg>
       </pc:sldChg>
       <pc:sldChg chg="modSp add mod">
         <pc:chgData name="Long B Nguyen" userId="f59fb8f3-a021-417a-8bc1-65c8d471c621" providerId="ADAL" clId="{F75EDA11-D5F5-A647-A905-569752EB74A6}" dt="2021-11-07T17:18:23.708" v="4366" actId="20577"/>
@@ -1769,28 +836,57 @@
           <pc:docMk/>
           <pc:sldMk cId="626030496" sldId="366"/>
         </pc:sldMkLst>
-        <pc:spChg chg="mod">
-          <ac:chgData name="Long B Nguyen" userId="f59fb8f3-a021-417a-8bc1-65c8d471c621" providerId="ADAL" clId="{F75EDA11-D5F5-A647-A905-569752EB74A6}" dt="2021-11-07T14:30:49.296" v="3907" actId="20577"/>
-          <ac:spMkLst>
-            <pc:docMk/>
-            <pc:sldMk cId="626030496" sldId="366"/>
-            <ac:spMk id="2" creationId="{AA3A228F-61D0-D949-A5E7-F83756230BF8}"/>
-          </ac:spMkLst>
-        </pc:spChg>
-        <pc:spChg chg="mod">
-          <ac:chgData name="Long B Nguyen" userId="f59fb8f3-a021-417a-8bc1-65c8d471c621" providerId="ADAL" clId="{F75EDA11-D5F5-A647-A905-569752EB74A6}" dt="2021-11-07T17:18:23.708" v="4366" actId="20577"/>
-          <ac:spMkLst>
-            <pc:docMk/>
-            <pc:sldMk cId="626030496" sldId="366"/>
-            <ac:spMk id="9" creationId="{E3B2E017-30B2-884B-A113-B419A2ED51AD}"/>
-          </ac:spMkLst>
-        </pc:spChg>
       </pc:sldChg>
       <pc:sldChg chg="add del">
         <pc:chgData name="Long B Nguyen" userId="f59fb8f3-a021-417a-8bc1-65c8d471c621" providerId="ADAL" clId="{F75EDA11-D5F5-A647-A905-569752EB74A6}" dt="2021-11-07T14:23:37.823" v="3520"/>
         <pc:sldMkLst>
           <pc:docMk/>
           <pc:sldMk cId="3090434041" sldId="366"/>
+        </pc:sldMkLst>
+      </pc:sldChg>
+    </pc:docChg>
+  </pc:docChgLst>
+  <pc:docChgLst>
+    <pc:chgData name="Long B Nguyen" userId="f59fb8f3-a021-417a-8bc1-65c8d471c621" providerId="ADAL" clId="{93BE87BA-F8CA-5C1F-82FF-B4CAB5F485A1}"/>
+    <pc:docChg chg="custSel addSld modSld">
+      <pc:chgData name="Long B Nguyen" userId="f59fb8f3-a021-417a-8bc1-65c8d471c621" providerId="ADAL" clId="{93BE87BA-F8CA-5C1F-82FF-B4CAB5F485A1}" dt="2025-11-17T18:12:30.887" v="1" actId="27636"/>
+      <pc:docMkLst>
+        <pc:docMk/>
+      </pc:docMkLst>
+      <pc:sldChg chg="add">
+        <pc:chgData name="Long B Nguyen" userId="f59fb8f3-a021-417a-8bc1-65c8d471c621" providerId="ADAL" clId="{93BE87BA-F8CA-5C1F-82FF-B4CAB5F485A1}" dt="2025-11-17T18:12:30.798" v="0"/>
+        <pc:sldMkLst>
+          <pc:docMk/>
+          <pc:sldMk cId="1330680031" sldId="334"/>
+        </pc:sldMkLst>
+      </pc:sldChg>
+      <pc:sldChg chg="modSp mod">
+        <pc:chgData name="Long B Nguyen" userId="f59fb8f3-a021-417a-8bc1-65c8d471c621" providerId="ADAL" clId="{93BE87BA-F8CA-5C1F-82FF-B4CAB5F485A1}" dt="2025-11-17T18:12:30.887" v="1" actId="27636"/>
+        <pc:sldMkLst>
+          <pc:docMk/>
+          <pc:sldMk cId="2829828880" sldId="356"/>
+        </pc:sldMkLst>
+        <pc:spChg chg="mod">
+          <ac:chgData name="Long B Nguyen" userId="f59fb8f3-a021-417a-8bc1-65c8d471c621" providerId="ADAL" clId="{93BE87BA-F8CA-5C1F-82FF-B4CAB5F485A1}" dt="2025-11-17T18:12:30.887" v="1" actId="27636"/>
+          <ac:spMkLst>
+            <pc:docMk/>
+            <pc:sldMk cId="2829828880" sldId="356"/>
+            <ac:spMk id="9" creationId="{E3B2E017-30B2-884B-A113-B419A2ED51AD}"/>
+          </ac:spMkLst>
+        </pc:spChg>
+      </pc:sldChg>
+      <pc:sldChg chg="add">
+        <pc:chgData name="Long B Nguyen" userId="f59fb8f3-a021-417a-8bc1-65c8d471c621" providerId="ADAL" clId="{93BE87BA-F8CA-5C1F-82FF-B4CAB5F485A1}" dt="2025-11-17T18:12:30.798" v="0"/>
+        <pc:sldMkLst>
+          <pc:docMk/>
+          <pc:sldMk cId="278063722" sldId="367"/>
+        </pc:sldMkLst>
+      </pc:sldChg>
+      <pc:sldChg chg="add">
+        <pc:chgData name="Long B Nguyen" userId="f59fb8f3-a021-417a-8bc1-65c8d471c621" providerId="ADAL" clId="{93BE87BA-F8CA-5C1F-82FF-B4CAB5F485A1}" dt="2025-11-17T18:12:30.798" v="0"/>
+        <pc:sldMkLst>
+          <pc:docMk/>
+          <pc:sldMk cId="3536550318" sldId="368"/>
         </pc:sldMkLst>
       </pc:sldChg>
     </pc:docChg>
@@ -1808,22 +904,6 @@
           <pc:docMk/>
           <pc:sldMk cId="4018759955" sldId="274"/>
         </pc:sldMkLst>
-        <pc:spChg chg="mod">
-          <ac:chgData name="Long B Nguyen" userId="f59fb8f3-a021-417a-8bc1-65c8d471c621" providerId="ADAL" clId="{668B5952-4FAF-5144-B2D4-2A40AC3B34FF}" dt="2020-12-01T13:18:03.451" v="0" actId="1076"/>
-          <ac:spMkLst>
-            <pc:docMk/>
-            <pc:sldMk cId="4018759955" sldId="274"/>
-            <ac:spMk id="2" creationId="{AA3A228F-61D0-D949-A5E7-F83756230BF8}"/>
-          </ac:spMkLst>
-        </pc:spChg>
-        <pc:spChg chg="mod">
-          <ac:chgData name="Long B Nguyen" userId="f59fb8f3-a021-417a-8bc1-65c8d471c621" providerId="ADAL" clId="{668B5952-4FAF-5144-B2D4-2A40AC3B34FF}" dt="2020-12-01T13:18:08.734" v="2" actId="14100"/>
-          <ac:spMkLst>
-            <pc:docMk/>
-            <pc:sldMk cId="4018759955" sldId="274"/>
-            <ac:spMk id="9" creationId="{E3B2E017-30B2-884B-A113-B419A2ED51AD}"/>
-          </ac:spMkLst>
-        </pc:spChg>
       </pc:sldChg>
       <pc:sldChg chg="modSp mod">
         <pc:chgData name="Long B Nguyen" userId="f59fb8f3-a021-417a-8bc1-65c8d471c621" providerId="ADAL" clId="{668B5952-4FAF-5144-B2D4-2A40AC3B34FF}" dt="2020-12-01T13:22:21.797" v="103" actId="14100"/>
@@ -1831,22 +911,6 @@
           <pc:docMk/>
           <pc:sldMk cId="1114720448" sldId="276"/>
         </pc:sldMkLst>
-        <pc:spChg chg="mod">
-          <ac:chgData name="Long B Nguyen" userId="f59fb8f3-a021-417a-8bc1-65c8d471c621" providerId="ADAL" clId="{668B5952-4FAF-5144-B2D4-2A40AC3B34FF}" dt="2020-12-01T13:22:19.538" v="102" actId="1076"/>
-          <ac:spMkLst>
-            <pc:docMk/>
-            <pc:sldMk cId="1114720448" sldId="276"/>
-            <ac:spMk id="2" creationId="{AA3A228F-61D0-D949-A5E7-F83756230BF8}"/>
-          </ac:spMkLst>
-        </pc:spChg>
-        <pc:spChg chg="mod">
-          <ac:chgData name="Long B Nguyen" userId="f59fb8f3-a021-417a-8bc1-65c8d471c621" providerId="ADAL" clId="{668B5952-4FAF-5144-B2D4-2A40AC3B34FF}" dt="2020-12-01T13:22:21.797" v="103" actId="14100"/>
-          <ac:spMkLst>
-            <pc:docMk/>
-            <pc:sldMk cId="1114720448" sldId="276"/>
-            <ac:spMk id="9" creationId="{E3B2E017-30B2-884B-A113-B419A2ED51AD}"/>
-          </ac:spMkLst>
-        </pc:spChg>
       </pc:sldChg>
       <pc:sldChg chg="modSp mod modAnim">
         <pc:chgData name="Long B Nguyen" userId="f59fb8f3-a021-417a-8bc1-65c8d471c621" providerId="ADAL" clId="{668B5952-4FAF-5144-B2D4-2A40AC3B34FF}" dt="2020-12-02T18:31:47.780" v="654"/>
@@ -1854,22 +918,6 @@
           <pc:docMk/>
           <pc:sldMk cId="99755680" sldId="291"/>
         </pc:sldMkLst>
-        <pc:spChg chg="mod">
-          <ac:chgData name="Long B Nguyen" userId="f59fb8f3-a021-417a-8bc1-65c8d471c621" providerId="ADAL" clId="{668B5952-4FAF-5144-B2D4-2A40AC3B34FF}" dt="2020-12-01T13:19:45.274" v="43" actId="1076"/>
-          <ac:spMkLst>
-            <pc:docMk/>
-            <pc:sldMk cId="99755680" sldId="291"/>
-            <ac:spMk id="2" creationId="{AA3A228F-61D0-D949-A5E7-F83756230BF8}"/>
-          </ac:spMkLst>
-        </pc:spChg>
-        <pc:spChg chg="mod">
-          <ac:chgData name="Long B Nguyen" userId="f59fb8f3-a021-417a-8bc1-65c8d471c621" providerId="ADAL" clId="{668B5952-4FAF-5144-B2D4-2A40AC3B34FF}" dt="2020-12-02T18:30:57.605" v="644" actId="20577"/>
-          <ac:spMkLst>
-            <pc:docMk/>
-            <pc:sldMk cId="99755680" sldId="291"/>
-            <ac:spMk id="9" creationId="{E3B2E017-30B2-884B-A113-B419A2ED51AD}"/>
-          </ac:spMkLst>
-        </pc:spChg>
       </pc:sldChg>
       <pc:sldChg chg="modSp mod">
         <pc:chgData name="Long B Nguyen" userId="f59fb8f3-a021-417a-8bc1-65c8d471c621" providerId="ADAL" clId="{668B5952-4FAF-5144-B2D4-2A40AC3B34FF}" dt="2020-12-01T21:05:29.813" v="128" actId="14100"/>
@@ -1877,22 +925,6 @@
           <pc:docMk/>
           <pc:sldMk cId="847072393" sldId="292"/>
         </pc:sldMkLst>
-        <pc:spChg chg="mod">
-          <ac:chgData name="Long B Nguyen" userId="f59fb8f3-a021-417a-8bc1-65c8d471c621" providerId="ADAL" clId="{668B5952-4FAF-5144-B2D4-2A40AC3B34FF}" dt="2020-12-01T21:05:24.624" v="126" actId="1076"/>
-          <ac:spMkLst>
-            <pc:docMk/>
-            <pc:sldMk cId="847072393" sldId="292"/>
-            <ac:spMk id="2" creationId="{AA3A228F-61D0-D949-A5E7-F83756230BF8}"/>
-          </ac:spMkLst>
-        </pc:spChg>
-        <pc:spChg chg="mod">
-          <ac:chgData name="Long B Nguyen" userId="f59fb8f3-a021-417a-8bc1-65c8d471c621" providerId="ADAL" clId="{668B5952-4FAF-5144-B2D4-2A40AC3B34FF}" dt="2020-12-01T21:05:29.813" v="128" actId="14100"/>
-          <ac:spMkLst>
-            <pc:docMk/>
-            <pc:sldMk cId="847072393" sldId="292"/>
-            <ac:spMk id="9" creationId="{E3B2E017-30B2-884B-A113-B419A2ED51AD}"/>
-          </ac:spMkLst>
-        </pc:spChg>
       </pc:sldChg>
       <pc:sldChg chg="modSp mod">
         <pc:chgData name="Long B Nguyen" userId="f59fb8f3-a021-417a-8bc1-65c8d471c621" providerId="ADAL" clId="{668B5952-4FAF-5144-B2D4-2A40AC3B34FF}" dt="2020-12-01T21:07:19.248" v="134" actId="14100"/>
@@ -1900,22 +932,6 @@
           <pc:docMk/>
           <pc:sldMk cId="3060343526" sldId="294"/>
         </pc:sldMkLst>
-        <pc:spChg chg="mod">
-          <ac:chgData name="Long B Nguyen" userId="f59fb8f3-a021-417a-8bc1-65c8d471c621" providerId="ADAL" clId="{668B5952-4FAF-5144-B2D4-2A40AC3B34FF}" dt="2020-12-01T21:07:13.635" v="132" actId="1076"/>
-          <ac:spMkLst>
-            <pc:docMk/>
-            <pc:sldMk cId="3060343526" sldId="294"/>
-            <ac:spMk id="2" creationId="{AA3A228F-61D0-D949-A5E7-F83756230BF8}"/>
-          </ac:spMkLst>
-        </pc:spChg>
-        <pc:spChg chg="mod">
-          <ac:chgData name="Long B Nguyen" userId="f59fb8f3-a021-417a-8bc1-65c8d471c621" providerId="ADAL" clId="{668B5952-4FAF-5144-B2D4-2A40AC3B34FF}" dt="2020-12-01T21:07:19.248" v="134" actId="14100"/>
-          <ac:spMkLst>
-            <pc:docMk/>
-            <pc:sldMk cId="3060343526" sldId="294"/>
-            <ac:spMk id="9" creationId="{E3B2E017-30B2-884B-A113-B419A2ED51AD}"/>
-          </ac:spMkLst>
-        </pc:spChg>
       </pc:sldChg>
       <pc:sldChg chg="modSp del mod">
         <pc:chgData name="Long B Nguyen" userId="f59fb8f3-a021-417a-8bc1-65c8d471c621" providerId="ADAL" clId="{668B5952-4FAF-5144-B2D4-2A40AC3B34FF}" dt="2020-12-03T15:37:03.654" v="742" actId="2696"/>
@@ -1923,22 +939,6 @@
           <pc:docMk/>
           <pc:sldMk cId="450853280" sldId="295"/>
         </pc:sldMkLst>
-        <pc:spChg chg="mod">
-          <ac:chgData name="Long B Nguyen" userId="f59fb8f3-a021-417a-8bc1-65c8d471c621" providerId="ADAL" clId="{668B5952-4FAF-5144-B2D4-2A40AC3B34FF}" dt="2020-12-01T21:07:23.597" v="135" actId="1076"/>
-          <ac:spMkLst>
-            <pc:docMk/>
-            <pc:sldMk cId="450853280" sldId="295"/>
-            <ac:spMk id="2" creationId="{AA3A228F-61D0-D949-A5E7-F83756230BF8}"/>
-          </ac:spMkLst>
-        </pc:spChg>
-        <pc:spChg chg="mod">
-          <ac:chgData name="Long B Nguyen" userId="f59fb8f3-a021-417a-8bc1-65c8d471c621" providerId="ADAL" clId="{668B5952-4FAF-5144-B2D4-2A40AC3B34FF}" dt="2020-12-01T21:07:26.060" v="136" actId="14100"/>
-          <ac:spMkLst>
-            <pc:docMk/>
-            <pc:sldMk cId="450853280" sldId="295"/>
-            <ac:spMk id="9" creationId="{E3B2E017-30B2-884B-A113-B419A2ED51AD}"/>
-          </ac:spMkLst>
-        </pc:spChg>
       </pc:sldChg>
       <pc:sldChg chg="add">
         <pc:chgData name="Long B Nguyen" userId="f59fb8f3-a021-417a-8bc1-65c8d471c621" providerId="ADAL" clId="{668B5952-4FAF-5144-B2D4-2A40AC3B34FF}" dt="2020-12-03T15:37:08.774" v="743"/>
@@ -1953,22 +953,6 @@
           <pc:docMk/>
           <pc:sldMk cId="3888808614" sldId="296"/>
         </pc:sldMkLst>
-        <pc:spChg chg="mod">
-          <ac:chgData name="Long B Nguyen" userId="f59fb8f3-a021-417a-8bc1-65c8d471c621" providerId="ADAL" clId="{668B5952-4FAF-5144-B2D4-2A40AC3B34FF}" dt="2020-12-01T21:07:32.391" v="137" actId="1076"/>
-          <ac:spMkLst>
-            <pc:docMk/>
-            <pc:sldMk cId="3888808614" sldId="296"/>
-            <ac:spMk id="2" creationId="{AA3A228F-61D0-D949-A5E7-F83756230BF8}"/>
-          </ac:spMkLst>
-        </pc:spChg>
-        <pc:spChg chg="mod">
-          <ac:chgData name="Long B Nguyen" userId="f59fb8f3-a021-417a-8bc1-65c8d471c621" providerId="ADAL" clId="{668B5952-4FAF-5144-B2D4-2A40AC3B34FF}" dt="2020-12-01T21:07:34.554" v="138" actId="14100"/>
-          <ac:spMkLst>
-            <pc:docMk/>
-            <pc:sldMk cId="3888808614" sldId="296"/>
-            <ac:spMk id="9" creationId="{E3B2E017-30B2-884B-A113-B419A2ED51AD}"/>
-          </ac:spMkLst>
-        </pc:spChg>
       </pc:sldChg>
       <pc:sldChg chg="modSp mod">
         <pc:chgData name="Long B Nguyen" userId="f59fb8f3-a021-417a-8bc1-65c8d471c621" providerId="ADAL" clId="{668B5952-4FAF-5144-B2D4-2A40AC3B34FF}" dt="2020-12-01T21:07:50.288" v="140" actId="14100"/>
@@ -1976,22 +960,6 @@
           <pc:docMk/>
           <pc:sldMk cId="1027235231" sldId="297"/>
         </pc:sldMkLst>
-        <pc:spChg chg="mod">
-          <ac:chgData name="Long B Nguyen" userId="f59fb8f3-a021-417a-8bc1-65c8d471c621" providerId="ADAL" clId="{668B5952-4FAF-5144-B2D4-2A40AC3B34FF}" dt="2020-12-01T21:07:48.048" v="139" actId="1076"/>
-          <ac:spMkLst>
-            <pc:docMk/>
-            <pc:sldMk cId="1027235231" sldId="297"/>
-            <ac:spMk id="2" creationId="{AA3A228F-61D0-D949-A5E7-F83756230BF8}"/>
-          </ac:spMkLst>
-        </pc:spChg>
-        <pc:spChg chg="mod">
-          <ac:chgData name="Long B Nguyen" userId="f59fb8f3-a021-417a-8bc1-65c8d471c621" providerId="ADAL" clId="{668B5952-4FAF-5144-B2D4-2A40AC3B34FF}" dt="2020-12-01T21:07:50.288" v="140" actId="14100"/>
-          <ac:spMkLst>
-            <pc:docMk/>
-            <pc:sldMk cId="1027235231" sldId="297"/>
-            <ac:spMk id="9" creationId="{E3B2E017-30B2-884B-A113-B419A2ED51AD}"/>
-          </ac:spMkLst>
-        </pc:spChg>
       </pc:sldChg>
       <pc:sldChg chg="modSp mod">
         <pc:chgData name="Long B Nguyen" userId="f59fb8f3-a021-417a-8bc1-65c8d471c621" providerId="ADAL" clId="{668B5952-4FAF-5144-B2D4-2A40AC3B34FF}" dt="2020-12-01T21:08:01.891" v="142" actId="14100"/>
@@ -1999,22 +967,6 @@
           <pc:docMk/>
           <pc:sldMk cId="4019361075" sldId="298"/>
         </pc:sldMkLst>
-        <pc:spChg chg="mod">
-          <ac:chgData name="Long B Nguyen" userId="f59fb8f3-a021-417a-8bc1-65c8d471c621" providerId="ADAL" clId="{668B5952-4FAF-5144-B2D4-2A40AC3B34FF}" dt="2020-12-01T21:07:59.410" v="141" actId="1076"/>
-          <ac:spMkLst>
-            <pc:docMk/>
-            <pc:sldMk cId="4019361075" sldId="298"/>
-            <ac:spMk id="2" creationId="{AA3A228F-61D0-D949-A5E7-F83756230BF8}"/>
-          </ac:spMkLst>
-        </pc:spChg>
-        <pc:spChg chg="mod">
-          <ac:chgData name="Long B Nguyen" userId="f59fb8f3-a021-417a-8bc1-65c8d471c621" providerId="ADAL" clId="{668B5952-4FAF-5144-B2D4-2A40AC3B34FF}" dt="2020-12-01T21:08:01.891" v="142" actId="14100"/>
-          <ac:spMkLst>
-            <pc:docMk/>
-            <pc:sldMk cId="4019361075" sldId="298"/>
-            <ac:spMk id="9" creationId="{E3B2E017-30B2-884B-A113-B419A2ED51AD}"/>
-          </ac:spMkLst>
-        </pc:spChg>
       </pc:sldChg>
       <pc:sldChg chg="modSp mod">
         <pc:chgData name="Long B Nguyen" userId="f59fb8f3-a021-417a-8bc1-65c8d471c621" providerId="ADAL" clId="{668B5952-4FAF-5144-B2D4-2A40AC3B34FF}" dt="2020-12-01T21:08:10.652" v="144" actId="14100"/>
@@ -2022,22 +974,6 @@
           <pc:docMk/>
           <pc:sldMk cId="3334677996" sldId="299"/>
         </pc:sldMkLst>
-        <pc:spChg chg="mod">
-          <ac:chgData name="Long B Nguyen" userId="f59fb8f3-a021-417a-8bc1-65c8d471c621" providerId="ADAL" clId="{668B5952-4FAF-5144-B2D4-2A40AC3B34FF}" dt="2020-12-01T21:08:08.332" v="143" actId="1076"/>
-          <ac:spMkLst>
-            <pc:docMk/>
-            <pc:sldMk cId="3334677996" sldId="299"/>
-            <ac:spMk id="2" creationId="{AA3A228F-61D0-D949-A5E7-F83756230BF8}"/>
-          </ac:spMkLst>
-        </pc:spChg>
-        <pc:spChg chg="mod">
-          <ac:chgData name="Long B Nguyen" userId="f59fb8f3-a021-417a-8bc1-65c8d471c621" providerId="ADAL" clId="{668B5952-4FAF-5144-B2D4-2A40AC3B34FF}" dt="2020-12-01T21:08:10.652" v="144" actId="14100"/>
-          <ac:spMkLst>
-            <pc:docMk/>
-            <pc:sldMk cId="3334677996" sldId="299"/>
-            <ac:spMk id="9" creationId="{E3B2E017-30B2-884B-A113-B419A2ED51AD}"/>
-          </ac:spMkLst>
-        </pc:spChg>
       </pc:sldChg>
       <pc:sldChg chg="modSp mod">
         <pc:chgData name="Long B Nguyen" userId="f59fb8f3-a021-417a-8bc1-65c8d471c621" providerId="ADAL" clId="{668B5952-4FAF-5144-B2D4-2A40AC3B34FF}" dt="2020-12-01T21:08:32.018" v="148" actId="1076"/>
@@ -2045,30 +981,6 @@
           <pc:docMk/>
           <pc:sldMk cId="1511080215" sldId="300"/>
         </pc:sldMkLst>
-        <pc:spChg chg="mod">
-          <ac:chgData name="Long B Nguyen" userId="f59fb8f3-a021-417a-8bc1-65c8d471c621" providerId="ADAL" clId="{668B5952-4FAF-5144-B2D4-2A40AC3B34FF}" dt="2020-12-01T21:08:18.360" v="145" actId="1076"/>
-          <ac:spMkLst>
-            <pc:docMk/>
-            <pc:sldMk cId="1511080215" sldId="300"/>
-            <ac:spMk id="2" creationId="{AA3A228F-61D0-D949-A5E7-F83756230BF8}"/>
-          </ac:spMkLst>
-        </pc:spChg>
-        <pc:spChg chg="mod">
-          <ac:chgData name="Long B Nguyen" userId="f59fb8f3-a021-417a-8bc1-65c8d471c621" providerId="ADAL" clId="{668B5952-4FAF-5144-B2D4-2A40AC3B34FF}" dt="2020-12-01T21:08:21.549" v="146" actId="14100"/>
-          <ac:spMkLst>
-            <pc:docMk/>
-            <pc:sldMk cId="1511080215" sldId="300"/>
-            <ac:spMk id="9" creationId="{E3B2E017-30B2-884B-A113-B419A2ED51AD}"/>
-          </ac:spMkLst>
-        </pc:spChg>
-        <pc:graphicFrameChg chg="mod modGraphic">
-          <ac:chgData name="Long B Nguyen" userId="f59fb8f3-a021-417a-8bc1-65c8d471c621" providerId="ADAL" clId="{668B5952-4FAF-5144-B2D4-2A40AC3B34FF}" dt="2020-12-01T21:08:32.018" v="148" actId="1076"/>
-          <ac:graphicFrameMkLst>
-            <pc:docMk/>
-            <pc:sldMk cId="1511080215" sldId="300"/>
-            <ac:graphicFrameMk id="3" creationId="{57EBABBC-BF53-D54B-B535-A6EEF3CDBAF8}"/>
-          </ac:graphicFrameMkLst>
-        </pc:graphicFrameChg>
       </pc:sldChg>
       <pc:sldChg chg="modSp mod">
         <pc:chgData name="Long B Nguyen" userId="f59fb8f3-a021-417a-8bc1-65c8d471c621" providerId="ADAL" clId="{668B5952-4FAF-5144-B2D4-2A40AC3B34FF}" dt="2020-12-01T21:10:02.904" v="150" actId="1076"/>
@@ -2076,22 +988,6 @@
           <pc:docMk/>
           <pc:sldMk cId="2524324013" sldId="303"/>
         </pc:sldMkLst>
-        <pc:spChg chg="mod">
-          <ac:chgData name="Long B Nguyen" userId="f59fb8f3-a021-417a-8bc1-65c8d471c621" providerId="ADAL" clId="{668B5952-4FAF-5144-B2D4-2A40AC3B34FF}" dt="2020-12-01T21:10:00.003" v="149" actId="1076"/>
-          <ac:spMkLst>
-            <pc:docMk/>
-            <pc:sldMk cId="2524324013" sldId="303"/>
-            <ac:spMk id="2" creationId="{AA3A228F-61D0-D949-A5E7-F83756230BF8}"/>
-          </ac:spMkLst>
-        </pc:spChg>
-        <pc:spChg chg="mod">
-          <ac:chgData name="Long B Nguyen" userId="f59fb8f3-a021-417a-8bc1-65c8d471c621" providerId="ADAL" clId="{668B5952-4FAF-5144-B2D4-2A40AC3B34FF}" dt="2020-12-01T21:10:02.904" v="150" actId="1076"/>
-          <ac:spMkLst>
-            <pc:docMk/>
-            <pc:sldMk cId="2524324013" sldId="303"/>
-            <ac:spMk id="9" creationId="{E3B2E017-30B2-884B-A113-B419A2ED51AD}"/>
-          </ac:spMkLst>
-        </pc:spChg>
       </pc:sldChg>
       <pc:sldChg chg="modSp mod">
         <pc:chgData name="Long B Nguyen" userId="f59fb8f3-a021-417a-8bc1-65c8d471c621" providerId="ADAL" clId="{668B5952-4FAF-5144-B2D4-2A40AC3B34FF}" dt="2020-12-01T23:46:42.885" v="152" actId="14100"/>
@@ -2099,22 +995,6 @@
           <pc:docMk/>
           <pc:sldMk cId="3900668933" sldId="306"/>
         </pc:sldMkLst>
-        <pc:spChg chg="mod">
-          <ac:chgData name="Long B Nguyen" userId="f59fb8f3-a021-417a-8bc1-65c8d471c621" providerId="ADAL" clId="{668B5952-4FAF-5144-B2D4-2A40AC3B34FF}" dt="2020-12-01T23:46:40.794" v="151" actId="1076"/>
-          <ac:spMkLst>
-            <pc:docMk/>
-            <pc:sldMk cId="3900668933" sldId="306"/>
-            <ac:spMk id="2" creationId="{AA3A228F-61D0-D949-A5E7-F83756230BF8}"/>
-          </ac:spMkLst>
-        </pc:spChg>
-        <pc:spChg chg="mod">
-          <ac:chgData name="Long B Nguyen" userId="f59fb8f3-a021-417a-8bc1-65c8d471c621" providerId="ADAL" clId="{668B5952-4FAF-5144-B2D4-2A40AC3B34FF}" dt="2020-12-01T23:46:42.885" v="152" actId="14100"/>
-          <ac:spMkLst>
-            <pc:docMk/>
-            <pc:sldMk cId="3900668933" sldId="306"/>
-            <ac:spMk id="9" creationId="{E3B2E017-30B2-884B-A113-B419A2ED51AD}"/>
-          </ac:spMkLst>
-        </pc:spChg>
       </pc:sldChg>
       <pc:sldChg chg="modSp mod">
         <pc:chgData name="Long B Nguyen" userId="f59fb8f3-a021-417a-8bc1-65c8d471c621" providerId="ADAL" clId="{668B5952-4FAF-5144-B2D4-2A40AC3B34FF}" dt="2020-12-15T17:40:02.015" v="760" actId="14100"/>
@@ -2122,22 +1002,6 @@
           <pc:docMk/>
           <pc:sldMk cId="641334177" sldId="308"/>
         </pc:sldMkLst>
-        <pc:spChg chg="mod">
-          <ac:chgData name="Long B Nguyen" userId="f59fb8f3-a021-417a-8bc1-65c8d471c621" providerId="ADAL" clId="{668B5952-4FAF-5144-B2D4-2A40AC3B34FF}" dt="2020-12-02T01:00:40.317" v="155" actId="1076"/>
-          <ac:spMkLst>
-            <pc:docMk/>
-            <pc:sldMk cId="641334177" sldId="308"/>
-            <ac:spMk id="2" creationId="{AA3A228F-61D0-D949-A5E7-F83756230BF8}"/>
-          </ac:spMkLst>
-        </pc:spChg>
-        <pc:spChg chg="mod">
-          <ac:chgData name="Long B Nguyen" userId="f59fb8f3-a021-417a-8bc1-65c8d471c621" providerId="ADAL" clId="{668B5952-4FAF-5144-B2D4-2A40AC3B34FF}" dt="2020-12-15T17:40:02.015" v="760" actId="14100"/>
-          <ac:spMkLst>
-            <pc:docMk/>
-            <pc:sldMk cId="641334177" sldId="308"/>
-            <ac:spMk id="9" creationId="{E3B2E017-30B2-884B-A113-B419A2ED51AD}"/>
-          </ac:spMkLst>
-        </pc:spChg>
       </pc:sldChg>
       <pc:sldChg chg="modSp mod">
         <pc:chgData name="Long B Nguyen" userId="f59fb8f3-a021-417a-8bc1-65c8d471c621" providerId="ADAL" clId="{668B5952-4FAF-5144-B2D4-2A40AC3B34FF}" dt="2020-12-02T00:59:34.433" v="154" actId="14100"/>
@@ -2145,22 +1009,6 @@
           <pc:docMk/>
           <pc:sldMk cId="3912850767" sldId="309"/>
         </pc:sldMkLst>
-        <pc:spChg chg="mod">
-          <ac:chgData name="Long B Nguyen" userId="f59fb8f3-a021-417a-8bc1-65c8d471c621" providerId="ADAL" clId="{668B5952-4FAF-5144-B2D4-2A40AC3B34FF}" dt="2020-12-02T00:59:31.951" v="153" actId="1076"/>
-          <ac:spMkLst>
-            <pc:docMk/>
-            <pc:sldMk cId="3912850767" sldId="309"/>
-            <ac:spMk id="2" creationId="{AA3A228F-61D0-D949-A5E7-F83756230BF8}"/>
-          </ac:spMkLst>
-        </pc:spChg>
-        <pc:spChg chg="mod">
-          <ac:chgData name="Long B Nguyen" userId="f59fb8f3-a021-417a-8bc1-65c8d471c621" providerId="ADAL" clId="{668B5952-4FAF-5144-B2D4-2A40AC3B34FF}" dt="2020-12-02T00:59:34.433" v="154" actId="14100"/>
-          <ac:spMkLst>
-            <pc:docMk/>
-            <pc:sldMk cId="3912850767" sldId="309"/>
-            <ac:spMk id="9" creationId="{E3B2E017-30B2-884B-A113-B419A2ED51AD}"/>
-          </ac:spMkLst>
-        </pc:spChg>
       </pc:sldChg>
       <pc:sldChg chg="modSp mod modAnim">
         <pc:chgData name="Long B Nguyen" userId="f59fb8f3-a021-417a-8bc1-65c8d471c621" providerId="ADAL" clId="{668B5952-4FAF-5144-B2D4-2A40AC3B34FF}" dt="2020-12-04T14:10:32.424" v="744" actId="20577"/>
@@ -2168,22 +1016,6 @@
           <pc:docMk/>
           <pc:sldMk cId="4013144405" sldId="310"/>
         </pc:sldMkLst>
-        <pc:spChg chg="mod">
-          <ac:chgData name="Long B Nguyen" userId="f59fb8f3-a021-417a-8bc1-65c8d471c621" providerId="ADAL" clId="{668B5952-4FAF-5144-B2D4-2A40AC3B34FF}" dt="2020-12-01T21:06:26.319" v="129" actId="1076"/>
-          <ac:spMkLst>
-            <pc:docMk/>
-            <pc:sldMk cId="4013144405" sldId="310"/>
-            <ac:spMk id="2" creationId="{AA3A228F-61D0-D949-A5E7-F83756230BF8}"/>
-          </ac:spMkLst>
-        </pc:spChg>
-        <pc:spChg chg="mod">
-          <ac:chgData name="Long B Nguyen" userId="f59fb8f3-a021-417a-8bc1-65c8d471c621" providerId="ADAL" clId="{668B5952-4FAF-5144-B2D4-2A40AC3B34FF}" dt="2020-12-04T14:10:32.424" v="744" actId="20577"/>
-          <ac:spMkLst>
-            <pc:docMk/>
-            <pc:sldMk cId="4013144405" sldId="310"/>
-            <ac:spMk id="9" creationId="{E3B2E017-30B2-884B-A113-B419A2ED51AD}"/>
-          </ac:spMkLst>
-        </pc:spChg>
       </pc:sldChg>
       <pc:sldChg chg="modSp mod modAnim">
         <pc:chgData name="Long B Nguyen" userId="f59fb8f3-a021-417a-8bc1-65c8d471c621" providerId="ADAL" clId="{668B5952-4FAF-5144-B2D4-2A40AC3B34FF}" dt="2020-12-01T21:04:08.746" v="125" actId="20577"/>
@@ -2191,22 +1023,6 @@
           <pc:docMk/>
           <pc:sldMk cId="4209926949" sldId="311"/>
         </pc:sldMkLst>
-        <pc:spChg chg="mod">
-          <ac:chgData name="Long B Nguyen" userId="f59fb8f3-a021-417a-8bc1-65c8d471c621" providerId="ADAL" clId="{668B5952-4FAF-5144-B2D4-2A40AC3B34FF}" dt="2020-12-01T21:03:42.300" v="112" actId="1076"/>
-          <ac:spMkLst>
-            <pc:docMk/>
-            <pc:sldMk cId="4209926949" sldId="311"/>
-            <ac:spMk id="2" creationId="{AA3A228F-61D0-D949-A5E7-F83756230BF8}"/>
-          </ac:spMkLst>
-        </pc:spChg>
-        <pc:spChg chg="mod">
-          <ac:chgData name="Long B Nguyen" userId="f59fb8f3-a021-417a-8bc1-65c8d471c621" providerId="ADAL" clId="{668B5952-4FAF-5144-B2D4-2A40AC3B34FF}" dt="2020-12-01T21:04:08.746" v="125" actId="20577"/>
-          <ac:spMkLst>
-            <pc:docMk/>
-            <pc:sldMk cId="4209926949" sldId="311"/>
-            <ac:spMk id="9" creationId="{E3B2E017-30B2-884B-A113-B419A2ED51AD}"/>
-          </ac:spMkLst>
-        </pc:spChg>
       </pc:sldChg>
       <pc:sldChg chg="modSp add modAnim">
         <pc:chgData name="Long B Nguyen" userId="f59fb8f3-a021-417a-8bc1-65c8d471c621" providerId="ADAL" clId="{668B5952-4FAF-5144-B2D4-2A40AC3B34FF}" dt="2020-12-02T18:31:26.489" v="647"/>
@@ -2214,14 +1030,6 @@
           <pc:docMk/>
           <pc:sldMk cId="2217973748" sldId="312"/>
         </pc:sldMkLst>
-        <pc:spChg chg="mod">
-          <ac:chgData name="Long B Nguyen" userId="f59fb8f3-a021-417a-8bc1-65c8d471c621" providerId="ADAL" clId="{668B5952-4FAF-5144-B2D4-2A40AC3B34FF}" dt="2020-12-01T13:22:13.928" v="101" actId="207"/>
-          <ac:spMkLst>
-            <pc:docMk/>
-            <pc:sldMk cId="2217973748" sldId="312"/>
-            <ac:spMk id="9" creationId="{E3B2E017-30B2-884B-A113-B419A2ED51AD}"/>
-          </ac:spMkLst>
-        </pc:spChg>
       </pc:sldChg>
       <pc:sldChg chg="modSp add modAnim">
         <pc:chgData name="Long B Nguyen" userId="f59fb8f3-a021-417a-8bc1-65c8d471c621" providerId="ADAL" clId="{668B5952-4FAF-5144-B2D4-2A40AC3B34FF}" dt="2020-12-02T01:55:42.985" v="631" actId="20577"/>
@@ -2229,14 +1037,6 @@
           <pc:docMk/>
           <pc:sldMk cId="1315440788" sldId="313"/>
         </pc:sldMkLst>
-        <pc:spChg chg="mod">
-          <ac:chgData name="Long B Nguyen" userId="f59fb8f3-a021-417a-8bc1-65c8d471c621" providerId="ADAL" clId="{668B5952-4FAF-5144-B2D4-2A40AC3B34FF}" dt="2020-12-02T01:55:42.985" v="631" actId="20577"/>
-          <ac:spMkLst>
-            <pc:docMk/>
-            <pc:sldMk cId="1315440788" sldId="313"/>
-            <ac:spMk id="9" creationId="{E3B2E017-30B2-884B-A113-B419A2ED51AD}"/>
-          </ac:spMkLst>
-        </pc:spChg>
       </pc:sldChg>
     </pc:docChg>
   </pc:docChgLst>
@@ -2374,7 +1174,7 @@
           <a:p>
             <a:fld id="{4AAD347D-5ACD-4C99-B74B-A9C85AD731AF}" type="datetimeFigureOut">
               <a:rPr lang="en-US" smtClean="0"/>
-              <a:t>11/12/21</a:t>
+              <a:t>11/17/25</a:t>
             </a:fld>
             <a:endParaRPr lang="en-US" dirty="0"/>
           </a:p>
@@ -2544,7 +1344,7 @@
           <a:p>
             <a:fld id="{4509A250-FF31-4206-8172-F9D3106AACB1}" type="datetimeFigureOut">
               <a:rPr lang="en-US" smtClean="0"/>
-              <a:t>11/12/21</a:t>
+              <a:t>11/17/25</a:t>
             </a:fld>
             <a:endParaRPr lang="en-US" dirty="0"/>
           </a:p>
@@ -2724,7 +1524,7 @@
           <a:p>
             <a:fld id="{4509A250-FF31-4206-8172-F9D3106AACB1}" type="datetimeFigureOut">
               <a:rPr lang="en-US" smtClean="0"/>
-              <a:t>11/12/21</a:t>
+              <a:t>11/17/25</a:t>
             </a:fld>
             <a:endParaRPr lang="en-US" dirty="0"/>
           </a:p>
@@ -2894,7 +1694,7 @@
           <a:p>
             <a:fld id="{4509A250-FF31-4206-8172-F9D3106AACB1}" type="datetimeFigureOut">
               <a:rPr lang="en-US" smtClean="0"/>
-              <a:t>11/12/21</a:t>
+              <a:t>11/17/25</a:t>
             </a:fld>
             <a:endParaRPr lang="en-US" dirty="0"/>
           </a:p>
@@ -3140,7 +1940,7 @@
           <a:p>
             <a:fld id="{9796027F-7875-4030-9381-8BD8C4F21935}" type="datetimeFigureOut">
               <a:rPr lang="en-US" smtClean="0"/>
-              <a:t>11/12/21</a:t>
+              <a:t>11/17/25</a:t>
             </a:fld>
             <a:endParaRPr lang="en-US" dirty="0"/>
           </a:p>
@@ -3372,7 +2172,7 @@
           <a:p>
             <a:fld id="{9796027F-7875-4030-9381-8BD8C4F21935}" type="datetimeFigureOut">
               <a:rPr lang="en-US" smtClean="0"/>
-              <a:t>11/12/21</a:t>
+              <a:t>11/17/25</a:t>
             </a:fld>
             <a:endParaRPr lang="en-US" dirty="0"/>
           </a:p>
@@ -3739,7 +2539,7 @@
           <a:p>
             <a:fld id="{9796027F-7875-4030-9381-8BD8C4F21935}" type="datetimeFigureOut">
               <a:rPr lang="en-US" smtClean="0"/>
-              <a:t>11/12/21</a:t>
+              <a:t>11/17/25</a:t>
             </a:fld>
             <a:endParaRPr lang="en-US" dirty="0"/>
           </a:p>
@@ -3857,7 +2657,7 @@
           <a:p>
             <a:fld id="{4509A250-FF31-4206-8172-F9D3106AACB1}" type="datetimeFigureOut">
               <a:rPr lang="en-US" smtClean="0"/>
-              <a:t>11/12/21</a:t>
+              <a:t>11/17/25</a:t>
             </a:fld>
             <a:endParaRPr lang="en-US" dirty="0"/>
           </a:p>
@@ -3952,7 +2752,7 @@
           <a:p>
             <a:fld id="{4509A250-FF31-4206-8172-F9D3106AACB1}" type="datetimeFigureOut">
               <a:rPr lang="en-US" smtClean="0"/>
-              <a:t>11/12/21</a:t>
+              <a:t>11/17/25</a:t>
             </a:fld>
             <a:endParaRPr lang="en-US" dirty="0"/>
           </a:p>
@@ -4229,7 +3029,7 @@
           <a:p>
             <a:fld id="{4509A250-FF31-4206-8172-F9D3106AACB1}" type="datetimeFigureOut">
               <a:rPr lang="en-US" smtClean="0"/>
-              <a:t>11/12/21</a:t>
+              <a:t>11/17/25</a:t>
             </a:fld>
             <a:endParaRPr lang="en-US" dirty="0"/>
           </a:p>
@@ -4486,7 +3286,7 @@
           <a:p>
             <a:fld id="{4509A250-FF31-4206-8172-F9D3106AACB1}" type="datetimeFigureOut">
               <a:rPr lang="en-US" smtClean="0"/>
-              <a:t>11/12/21</a:t>
+              <a:t>11/17/25</a:t>
             </a:fld>
             <a:endParaRPr lang="en-US" dirty="0"/>
           </a:p>
@@ -4699,7 +3499,7 @@
           <a:p>
             <a:fld id="{4AAD347D-5ACD-4C99-B74B-A9C85AD731AF}" type="datetimeFigureOut">
               <a:rPr lang="en-US" smtClean="0"/>
-              <a:t>11/12/21</a:t>
+              <a:t>11/17/25</a:t>
             </a:fld>
             <a:endParaRPr lang="en-US" dirty="0"/>
           </a:p>
@@ -9847,7 +8647,7 @@
         </p:spPr>
         <p:txBody>
           <a:bodyPr>
-            <a:normAutofit/>
+            <a:normAutofit fontScale="77500" lnSpcReduction="20000"/>
           </a:bodyPr>
           <a:lstStyle/>
           <a:p>
@@ -15437,7 +14237,7 @@
         </p:nvSpPr>
         <p:spPr>
           <a:xfrm>
-            <a:off x="162572" y="195178"/>
+            <a:off x="170339" y="134008"/>
             <a:ext cx="7053542" cy="683886"/>
           </a:xfrm>
         </p:spPr>
@@ -15447,7 +14247,7 @@
           <a:p>
             <a:r>
               <a:rPr lang="en-US" dirty="0"/>
-              <a:t>Lab 1</a:t>
+              <a:t>Sum of 2D lists</a:t>
             </a:r>
           </a:p>
         </p:txBody>
@@ -15470,78 +14270,98 @@
         </p:nvSpPr>
         <p:spPr>
           <a:xfrm>
-            <a:off x="162572" y="976184"/>
-            <a:ext cx="8781131" cy="4738815"/>
+            <a:off x="170340" y="817895"/>
+            <a:ext cx="8365234" cy="4763098"/>
           </a:xfrm>
         </p:spPr>
         <p:txBody>
           <a:bodyPr>
-            <a:noAutofit/>
+            <a:normAutofit/>
           </a:bodyPr>
           <a:lstStyle/>
           <a:p>
             <a:pPr marL="0" indent="0">
               <a:buNone/>
             </a:pPr>
-            <a:endParaRPr lang="en-US" dirty="0"/>
-          </a:p>
-          <a:p>
-            <a:pPr marL="0" indent="0">
-              <a:buNone/>
-            </a:pPr>
-            <a:r>
-              <a:rPr lang="en-US" dirty="0"/>
-              <a:t>Write the function </a:t>
-            </a:r>
-            <a:r>
-              <a:rPr lang="en-US" dirty="0" err="1">
+            <a:r>
+              <a:rPr lang="en-US" dirty="0">
+                <a:latin typeface="Gill Sans MT" panose="020B0502020104020203" pitchFamily="34" charset="77"/>
+              </a:rPr>
+              <a:t>A 2D list is a list of lists. It can represent data from an excel sheet or pixels in an image(more on this in a later lecture). </a:t>
+            </a:r>
+          </a:p>
+          <a:p>
+            <a:pPr marL="0" indent="0">
+              <a:buNone/>
+            </a:pPr>
+            <a:endParaRPr lang="en-US" dirty="0">
+              <a:latin typeface="INCONSOLATA" panose="020B0609030003000000" pitchFamily="49" charset="77"/>
+            </a:endParaRPr>
+          </a:p>
+          <a:p>
+            <a:pPr marL="0" indent="0">
+              <a:buNone/>
+            </a:pPr>
+            <a:r>
+              <a:rPr lang="en-US" dirty="0">
                 <a:latin typeface="INCONSOLATA" panose="020B0609030003000000" pitchFamily="49" charset="77"/>
               </a:rPr>
-              <a:t>remove_punctuation</a:t>
-            </a:r>
-            <a:r>
-              <a:rPr lang="en-US" dirty="0"/>
-              <a:t> which accepts a string as a parameter and returns a new string with all punctuations removed. </a:t>
-            </a:r>
-          </a:p>
-          <a:p>
-            <a:pPr marL="0" indent="0">
-              <a:buNone/>
-            </a:pPr>
-            <a:endParaRPr lang="en-US" dirty="0"/>
-          </a:p>
-          <a:p>
-            <a:pPr marL="0" indent="0">
-              <a:buNone/>
-            </a:pPr>
-            <a:r>
-              <a:rPr lang="en-US" dirty="0"/>
-              <a:t>You can use the following list of punctuation in your code.</a:t>
-            </a:r>
-          </a:p>
-          <a:p>
-            <a:pPr marL="0" indent="0">
-              <a:buNone/>
-            </a:pPr>
-            <a:endParaRPr lang="en-US" dirty="0"/>
-          </a:p>
-          <a:p>
-            <a:pPr marL="0" indent="0">
-              <a:buNone/>
-            </a:pPr>
-            <a:r>
-              <a:rPr lang="en-US" b="1" dirty="0" err="1">
+              <a:t>list2d = [	[1, 2, 5],</a:t>
+            </a:r>
+          </a:p>
+          <a:p>
+            <a:pPr marL="0" indent="0">
+              <a:buNone/>
+            </a:pPr>
+            <a:r>
+              <a:rPr lang="en-US" dirty="0">
                 <a:latin typeface="INCONSOLATA" panose="020B0609030003000000" pitchFamily="49" charset="77"/>
-                <a:cs typeface="InaiMathi" pitchFamily="2" charset="0"/>
-              </a:rPr>
-              <a:t>punc</a:t>
-            </a:r>
-            <a:r>
-              <a:rPr lang="en-US" b="1" dirty="0">
+              </a:rPr>
+              <a:t>		[3, -1, 6],</a:t>
+            </a:r>
+          </a:p>
+          <a:p>
+            <a:pPr marL="0" indent="0">
+              <a:buNone/>
+            </a:pPr>
+            <a:r>
+              <a:rPr lang="en-US" dirty="0">
                 <a:latin typeface="INCONSOLATA" panose="020B0609030003000000" pitchFamily="49" charset="77"/>
-                <a:cs typeface="InaiMathi" pitchFamily="2" charset="0"/>
-              </a:rPr>
-              <a:t> = [".",":",",",";","'",'"', "!","?"]</a:t>
+              </a:rPr>
+              <a:t>		[10, 1, 0]]</a:t>
+            </a:r>
+          </a:p>
+          <a:p>
+            <a:pPr marL="0" indent="0">
+              <a:buNone/>
+            </a:pPr>
+            <a:r>
+              <a:rPr lang="en-US" dirty="0">
+                <a:latin typeface="Inconsolata" panose="020B0609030003000000" pitchFamily="49" charset="77"/>
+              </a:rPr>
+              <a:t>print(list2d[0])	# [1, 2, 5]</a:t>
+            </a:r>
+          </a:p>
+          <a:p>
+            <a:pPr marL="0" indent="0">
+              <a:buNone/>
+            </a:pPr>
+            <a:r>
+              <a:rPr lang="en-US" dirty="0">
+                <a:latin typeface="Inconsolata" panose="020B0609030003000000" pitchFamily="49" charset="77"/>
+              </a:rPr>
+              <a:t>print(list2d[0][1])	# 2</a:t>
+            </a:r>
+          </a:p>
+          <a:p>
+            <a:pPr marL="0" indent="0">
+              <a:buNone/>
+            </a:pPr>
+            <a:r>
+              <a:rPr lang="en-US" dirty="0">
+                <a:latin typeface="Inconsolata" panose="020B0609030003000000" pitchFamily="49" charset="77"/>
+              </a:rPr>
+              <a:t>print(list2d[2][0])	# 10</a:t>
             </a:r>
           </a:p>
           <a:p>
@@ -15549,8 +14369,7 @@
               <a:buNone/>
             </a:pPr>
             <a:endParaRPr lang="en-US" b="1" dirty="0">
-              <a:latin typeface="INCONSOLATA" panose="020B0609030003000000" pitchFamily="49" charset="77"/>
-              <a:cs typeface="InaiMathi" pitchFamily="2" charset="0"/>
+              <a:latin typeface="Inconsolata" panose="020B0609030003000000" pitchFamily="49" charset="77"/>
             </a:endParaRPr>
           </a:p>
           <a:p>
@@ -15558,90 +14377,89 @@
               <a:buNone/>
             </a:pPr>
             <a:endParaRPr lang="en-US" b="1" dirty="0">
-              <a:latin typeface="INCONSOLATA" panose="020B0609030003000000" pitchFamily="49" charset="77"/>
-              <a:cs typeface="InaiMathi" pitchFamily="2" charset="0"/>
+              <a:latin typeface="Inconsolata" panose="020B0609030003000000" pitchFamily="49" charset="77"/>
             </a:endParaRPr>
           </a:p>
-          <a:p>
-            <a:pPr marL="0" indent="0">
-              <a:buNone/>
-            </a:pPr>
-            <a:r>
-              <a:rPr lang="en-US" dirty="0">
+        </p:txBody>
+      </p:sp>
+      <p:sp>
+        <p:nvSpPr>
+          <p:cNvPr id="3" name="TextBox 2">
+            <a:extLst>
+              <a:ext uri="{FF2B5EF4-FFF2-40B4-BE49-F238E27FC236}">
+                <a16:creationId xmlns:a16="http://schemas.microsoft.com/office/drawing/2014/main" id="{48DA4FF1-142A-6D44-9986-344D8D8232A1}"/>
+              </a:ext>
+            </a:extLst>
+          </p:cNvPr>
+          <p:cNvSpPr txBox="1"/>
+          <p:nvPr/>
+        </p:nvSpPr>
+        <p:spPr>
+          <a:xfrm>
+            <a:off x="3610024" y="1681300"/>
+            <a:ext cx="5786322" cy="1015663"/>
+          </a:xfrm>
+          <a:prstGeom prst="rect">
+            <a:avLst/>
+          </a:prstGeom>
+          <a:noFill/>
+        </p:spPr>
+        <p:txBody>
+          <a:bodyPr wrap="square" rtlCol="0">
+            <a:spAutoFit/>
+          </a:bodyPr>
+          <a:lstStyle/>
+          <a:p>
+            <a:r>
+              <a:rPr lang="en-US" sz="2000" dirty="0">
                 <a:solidFill>
                   <a:srgbClr val="FF0000"/>
                 </a:solidFill>
-                <a:latin typeface="Gill Sans MT" panose="020B0502020104020203" pitchFamily="34" charset="77"/>
-                <a:cs typeface="InaiMathi" pitchFamily="2" charset="0"/>
-              </a:rPr>
-              <a:t>Note: This lab is now on </a:t>
-            </a:r>
-            <a:r>
-              <a:rPr lang="en-US" dirty="0" err="1">
+              </a:rPr>
+              <a:t>Equivalently:</a:t>
+            </a:r>
+          </a:p>
+          <a:p>
+            <a:r>
+              <a:rPr lang="en-US" sz="2000" dirty="0">
                 <a:solidFill>
                   <a:srgbClr val="FF0000"/>
                 </a:solidFill>
-                <a:latin typeface="Gill Sans MT" panose="020B0502020104020203" pitchFamily="34" charset="77"/>
-                <a:cs typeface="InaiMathi" pitchFamily="2" charset="0"/>
-              </a:rPr>
-              <a:t>replit</a:t>
-            </a:r>
-            <a:r>
-              <a:rPr lang="en-US" dirty="0">
-                <a:solidFill>
-                  <a:srgbClr val="FF0000"/>
-                </a:solidFill>
-                <a:latin typeface="Gill Sans MT" panose="020B0502020104020203" pitchFamily="34" charset="77"/>
-                <a:cs typeface="InaiMathi" pitchFamily="2" charset="0"/>
-              </a:rPr>
-              <a:t> Teams with </a:t>
-            </a:r>
-            <a:r>
-              <a:rPr lang="en-US" dirty="0" err="1">
-                <a:solidFill>
-                  <a:srgbClr val="FF0000"/>
-                </a:solidFill>
-                <a:latin typeface="Gill Sans MT" panose="020B0502020104020203" pitchFamily="34" charset="77"/>
-                <a:cs typeface="InaiMathi" pitchFamily="2" charset="0"/>
-              </a:rPr>
-              <a:t>autograding</a:t>
-            </a:r>
-            <a:r>
-              <a:rPr lang="en-US" dirty="0">
-                <a:solidFill>
-                  <a:srgbClr val="FF0000"/>
-                </a:solidFill>
-                <a:latin typeface="Gill Sans MT" panose="020B0502020104020203" pitchFamily="34" charset="77"/>
-                <a:cs typeface="InaiMathi" pitchFamily="2" charset="0"/>
-              </a:rPr>
-              <a:t>.  You do not need to do it on a separate repl. </a:t>
-            </a:r>
-          </a:p>
-          <a:p>
-            <a:pPr marL="0" indent="0">
-              <a:buNone/>
-            </a:pPr>
-            <a:endParaRPr lang="en-US" dirty="0"/>
-          </a:p>
-          <a:p>
-            <a:pPr marL="0" indent="0">
-              <a:buNone/>
-            </a:pPr>
-            <a:r>
-              <a:rPr lang="en-US" dirty="0"/>
-              <a:t> </a:t>
-            </a:r>
-          </a:p>
-          <a:p>
-            <a:pPr marL="0" indent="0">
-              <a:buNone/>
-            </a:pPr>
-            <a:endParaRPr lang="en-US" dirty="0"/>
-          </a:p>
-          <a:p>
-            <a:pPr marL="0" indent="0">
-              <a:buNone/>
-            </a:pPr>
+                <a:latin typeface="INCONSOLATA" panose="020B0609030003000000" pitchFamily="49" charset="77"/>
+              </a:rPr>
+              <a:t>list2d = [[1, 2, 5],[3, -1, 6],[10, 1, 0]]</a:t>
+            </a:r>
+          </a:p>
+          <a:p>
+            <a:endParaRPr lang="en-US" sz="2000" dirty="0"/>
+          </a:p>
+        </p:txBody>
+      </p:sp>
+      <p:sp>
+        <p:nvSpPr>
+          <p:cNvPr id="4" name="Slide Number Placeholder 3">
+            <a:extLst>
+              <a:ext uri="{FF2B5EF4-FFF2-40B4-BE49-F238E27FC236}">
+                <a16:creationId xmlns:a16="http://schemas.microsoft.com/office/drawing/2014/main" id="{9D9AD293-8923-2F42-8581-E79C1EA45B01}"/>
+              </a:ext>
+            </a:extLst>
+          </p:cNvPr>
+          <p:cNvSpPr>
+            <a:spLocks noGrp="1"/>
+          </p:cNvSpPr>
+          <p:nvPr>
+            <p:ph type="sldNum" sz="quarter" idx="12"/>
+          </p:nvPr>
+        </p:nvSpPr>
+        <p:spPr/>
+        <p:txBody>
+          <a:bodyPr/>
+          <a:lstStyle/>
+          <a:p>
+            <a:fld id="{D57F1E4F-1CFF-5643-939E-02111984F565}" type="slidenum">
+              <a:rPr lang="en-US" smtClean="0"/>
+              <a:t>25</a:t>
+            </a:fld>
             <a:endParaRPr lang="en-US" dirty="0"/>
           </a:p>
         </p:txBody>
@@ -15649,17 +14467,1852 @@
     </p:spTree>
     <p:extLst>
       <p:ext uri="{BB962C8B-B14F-4D97-AF65-F5344CB8AC3E}">
-        <p14:creationId xmlns:p14="http://schemas.microsoft.com/office/powerpoint/2010/main" val="3572930057"/>
+        <p14:creationId xmlns:p14="http://schemas.microsoft.com/office/powerpoint/2010/main" val="278063722"/>
       </p:ext>
     </p:extLst>
   </p:cSld>
   <p:clrMapOvr>
     <a:masterClrMapping/>
   </p:clrMapOvr>
+  <p:timing>
+    <p:tnLst>
+      <p:par>
+        <p:cTn id="1" dur="indefinite" restart="never" nodeType="tmRoot">
+          <p:childTnLst>
+            <p:seq concurrent="1" nextAc="seek">
+              <p:cTn id="2" dur="indefinite" nodeType="mainSeq">
+                <p:childTnLst>
+                  <p:par>
+                    <p:cTn id="3" fill="hold">
+                      <p:stCondLst>
+                        <p:cond delay="indefinite"/>
+                      </p:stCondLst>
+                      <p:childTnLst>
+                        <p:par>
+                          <p:cTn id="4" fill="hold">
+                            <p:stCondLst>
+                              <p:cond delay="0"/>
+                            </p:stCondLst>
+                            <p:childTnLst>
+                              <p:par>
+                                <p:cTn id="5" presetID="1" presetClass="entr" presetSubtype="0" fill="hold" grpId="0" nodeType="clickEffect">
+                                  <p:stCondLst>
+                                    <p:cond delay="0"/>
+                                  </p:stCondLst>
+                                  <p:childTnLst>
+                                    <p:set>
+                                      <p:cBhvr>
+                                        <p:cTn id="6" dur="1" fill="hold">
+                                          <p:stCondLst>
+                                            <p:cond delay="0"/>
+                                          </p:stCondLst>
+                                        </p:cTn>
+                                        <p:tgtEl>
+                                          <p:spTgt spid="3"/>
+                                        </p:tgtEl>
+                                        <p:attrNameLst>
+                                          <p:attrName>style.visibility</p:attrName>
+                                        </p:attrNameLst>
+                                      </p:cBhvr>
+                                      <p:to>
+                                        <p:strVal val="visible"/>
+                                      </p:to>
+                                    </p:set>
+                                  </p:childTnLst>
+                                </p:cTn>
+                              </p:par>
+                            </p:childTnLst>
+                          </p:cTn>
+                        </p:par>
+                      </p:childTnLst>
+                    </p:cTn>
+                  </p:par>
+                  <p:par>
+                    <p:cTn id="7" fill="hold">
+                      <p:stCondLst>
+                        <p:cond delay="indefinite"/>
+                      </p:stCondLst>
+                      <p:childTnLst>
+                        <p:par>
+                          <p:cTn id="8" fill="hold">
+                            <p:stCondLst>
+                              <p:cond delay="0"/>
+                            </p:stCondLst>
+                            <p:childTnLst>
+                              <p:par>
+                                <p:cTn id="9" presetID="1" presetClass="entr" presetSubtype="0" fill="hold" nodeType="clickEffect">
+                                  <p:stCondLst>
+                                    <p:cond delay="0"/>
+                                  </p:stCondLst>
+                                  <p:childTnLst>
+                                    <p:set>
+                                      <p:cBhvr>
+                                        <p:cTn id="10" dur="1" fill="hold">
+                                          <p:stCondLst>
+                                            <p:cond delay="0"/>
+                                          </p:stCondLst>
+                                        </p:cTn>
+                                        <p:tgtEl>
+                                          <p:spTgt spid="9">
+                                            <p:txEl>
+                                              <p:pRg st="5" end="5"/>
+                                            </p:txEl>
+                                          </p:spTgt>
+                                        </p:tgtEl>
+                                        <p:attrNameLst>
+                                          <p:attrName>style.visibility</p:attrName>
+                                        </p:attrNameLst>
+                                      </p:cBhvr>
+                                      <p:to>
+                                        <p:strVal val="visible"/>
+                                      </p:to>
+                                    </p:set>
+                                  </p:childTnLst>
+                                </p:cTn>
+                              </p:par>
+                            </p:childTnLst>
+                          </p:cTn>
+                        </p:par>
+                      </p:childTnLst>
+                    </p:cTn>
+                  </p:par>
+                  <p:par>
+                    <p:cTn id="11" fill="hold">
+                      <p:stCondLst>
+                        <p:cond delay="indefinite"/>
+                      </p:stCondLst>
+                      <p:childTnLst>
+                        <p:par>
+                          <p:cTn id="12" fill="hold">
+                            <p:stCondLst>
+                              <p:cond delay="0"/>
+                            </p:stCondLst>
+                            <p:childTnLst>
+                              <p:par>
+                                <p:cTn id="13" presetID="1" presetClass="entr" presetSubtype="0" fill="hold" nodeType="clickEffect">
+                                  <p:stCondLst>
+                                    <p:cond delay="0"/>
+                                  </p:stCondLst>
+                                  <p:childTnLst>
+                                    <p:set>
+                                      <p:cBhvr>
+                                        <p:cTn id="14" dur="1" fill="hold">
+                                          <p:stCondLst>
+                                            <p:cond delay="0"/>
+                                          </p:stCondLst>
+                                        </p:cTn>
+                                        <p:tgtEl>
+                                          <p:spTgt spid="9">
+                                            <p:txEl>
+                                              <p:pRg st="6" end="6"/>
+                                            </p:txEl>
+                                          </p:spTgt>
+                                        </p:tgtEl>
+                                        <p:attrNameLst>
+                                          <p:attrName>style.visibility</p:attrName>
+                                        </p:attrNameLst>
+                                      </p:cBhvr>
+                                      <p:to>
+                                        <p:strVal val="visible"/>
+                                      </p:to>
+                                    </p:set>
+                                  </p:childTnLst>
+                                </p:cTn>
+                              </p:par>
+                            </p:childTnLst>
+                          </p:cTn>
+                        </p:par>
+                      </p:childTnLst>
+                    </p:cTn>
+                  </p:par>
+                  <p:par>
+                    <p:cTn id="15" fill="hold">
+                      <p:stCondLst>
+                        <p:cond delay="indefinite"/>
+                      </p:stCondLst>
+                      <p:childTnLst>
+                        <p:par>
+                          <p:cTn id="16" fill="hold">
+                            <p:stCondLst>
+                              <p:cond delay="0"/>
+                            </p:stCondLst>
+                            <p:childTnLst>
+                              <p:par>
+                                <p:cTn id="17" presetID="1" presetClass="entr" presetSubtype="0" fill="hold" nodeType="clickEffect">
+                                  <p:stCondLst>
+                                    <p:cond delay="0"/>
+                                  </p:stCondLst>
+                                  <p:childTnLst>
+                                    <p:set>
+                                      <p:cBhvr>
+                                        <p:cTn id="18" dur="1" fill="hold">
+                                          <p:stCondLst>
+                                            <p:cond delay="0"/>
+                                          </p:stCondLst>
+                                        </p:cTn>
+                                        <p:tgtEl>
+                                          <p:spTgt spid="9">
+                                            <p:txEl>
+                                              <p:pRg st="7" end="7"/>
+                                            </p:txEl>
+                                          </p:spTgt>
+                                        </p:tgtEl>
+                                        <p:attrNameLst>
+                                          <p:attrName>style.visibility</p:attrName>
+                                        </p:attrNameLst>
+                                      </p:cBhvr>
+                                      <p:to>
+                                        <p:strVal val="visible"/>
+                                      </p:to>
+                                    </p:set>
+                                  </p:childTnLst>
+                                </p:cTn>
+                              </p:par>
+                            </p:childTnLst>
+                          </p:cTn>
+                        </p:par>
+                      </p:childTnLst>
+                    </p:cTn>
+                  </p:par>
+                </p:childTnLst>
+              </p:cTn>
+              <p:prevCondLst>
+                <p:cond evt="onPrev" delay="0">
+                  <p:tgtEl>
+                    <p:sldTgt/>
+                  </p:tgtEl>
+                </p:cond>
+              </p:prevCondLst>
+              <p:nextCondLst>
+                <p:cond evt="onNext" delay="0">
+                  <p:tgtEl>
+                    <p:sldTgt/>
+                  </p:tgtEl>
+                </p:cond>
+              </p:nextCondLst>
+            </p:seq>
+          </p:childTnLst>
+        </p:cTn>
+      </p:par>
+    </p:tnLst>
+    <p:bldLst>
+      <p:bldP spid="3" grpId="0"/>
+    </p:bldLst>
+  </p:timing>
 </p:sld>
 </file>
 
 <file path=ppt/slides/slide26.xml><?xml version="1.0" encoding="utf-8"?>
+<p:sld xmlns:a="http://schemas.openxmlformats.org/drawingml/2006/main" xmlns:r="http://schemas.openxmlformats.org/officeDocument/2006/relationships" xmlns:p="http://schemas.openxmlformats.org/presentationml/2006/main">
+  <p:cSld>
+    <p:spTree>
+      <p:nvGrpSpPr>
+        <p:cNvPr id="1" name=""/>
+        <p:cNvGrpSpPr/>
+        <p:nvPr/>
+      </p:nvGrpSpPr>
+      <p:grpSpPr>
+        <a:xfrm>
+          <a:off x="0" y="0"/>
+          <a:ext cx="0" cy="0"/>
+          <a:chOff x="0" y="0"/>
+          <a:chExt cx="0" cy="0"/>
+        </a:xfrm>
+      </p:grpSpPr>
+      <p:sp>
+        <p:nvSpPr>
+          <p:cNvPr id="2" name="Title 1">
+            <a:extLst>
+              <a:ext uri="{FF2B5EF4-FFF2-40B4-BE49-F238E27FC236}">
+                <a16:creationId xmlns:a16="http://schemas.microsoft.com/office/drawing/2014/main" id="{AA3A228F-61D0-D949-A5E7-F83756230BF8}"/>
+              </a:ext>
+            </a:extLst>
+          </p:cNvPr>
+          <p:cNvSpPr>
+            <a:spLocks noGrp="1"/>
+          </p:cNvSpPr>
+          <p:nvPr>
+            <p:ph type="title"/>
+          </p:nvPr>
+        </p:nvSpPr>
+        <p:spPr>
+          <a:xfrm>
+            <a:off x="170339" y="134008"/>
+            <a:ext cx="7053542" cy="683886"/>
+          </a:xfrm>
+        </p:spPr>
+        <p:txBody>
+          <a:bodyPr/>
+          <a:lstStyle/>
+          <a:p>
+            <a:r>
+              <a:rPr lang="en-US" dirty="0"/>
+              <a:t>Sum of 2D lists</a:t>
+            </a:r>
+          </a:p>
+        </p:txBody>
+      </p:sp>
+      <p:sp>
+        <p:nvSpPr>
+          <p:cNvPr id="9" name="Content Placeholder 8">
+            <a:extLst>
+              <a:ext uri="{FF2B5EF4-FFF2-40B4-BE49-F238E27FC236}">
+                <a16:creationId xmlns:a16="http://schemas.microsoft.com/office/drawing/2014/main" id="{E3B2E017-30B2-884B-A113-B419A2ED51AD}"/>
+              </a:ext>
+            </a:extLst>
+          </p:cNvPr>
+          <p:cNvSpPr>
+            <a:spLocks noGrp="1"/>
+          </p:cNvSpPr>
+          <p:nvPr>
+            <p:ph idx="1"/>
+          </p:nvPr>
+        </p:nvSpPr>
+        <p:spPr>
+          <a:xfrm>
+            <a:off x="170340" y="817895"/>
+            <a:ext cx="8365234" cy="4763098"/>
+          </a:xfrm>
+        </p:spPr>
+        <p:txBody>
+          <a:bodyPr>
+            <a:normAutofit/>
+          </a:bodyPr>
+          <a:lstStyle/>
+          <a:p>
+            <a:pPr marL="0" indent="0">
+              <a:buNone/>
+            </a:pPr>
+            <a:r>
+              <a:rPr lang="en-US" dirty="0">
+                <a:latin typeface="Gill Sans MT" panose="020B0502020104020203" pitchFamily="34" charset="77"/>
+              </a:rPr>
+              <a:t>Nested loops is often used to traverse 2-dimensional data. </a:t>
+            </a:r>
+          </a:p>
+          <a:p>
+            <a:pPr marL="0" indent="0">
+              <a:buNone/>
+            </a:pPr>
+            <a:r>
+              <a:rPr lang="en-US" dirty="0">
+                <a:latin typeface="INCONSOLATA" panose="020B0609030003000000" pitchFamily="49" charset="77"/>
+              </a:rPr>
+              <a:t>list2d = [[1, 2, 5],</a:t>
+            </a:r>
+          </a:p>
+          <a:p>
+            <a:pPr marL="0" indent="0">
+              <a:buNone/>
+            </a:pPr>
+            <a:r>
+              <a:rPr lang="en-US" dirty="0">
+                <a:latin typeface="INCONSOLATA" panose="020B0609030003000000" pitchFamily="49" charset="77"/>
+              </a:rPr>
+              <a:t>		[3, -1, 6],</a:t>
+            </a:r>
+          </a:p>
+          <a:p>
+            <a:pPr marL="0" indent="0">
+              <a:buNone/>
+            </a:pPr>
+            <a:r>
+              <a:rPr lang="en-US" dirty="0">
+                <a:latin typeface="INCONSOLATA" panose="020B0609030003000000" pitchFamily="49" charset="77"/>
+              </a:rPr>
+              <a:t>		[10, 1, 0]]</a:t>
+            </a:r>
+          </a:p>
+          <a:p>
+            <a:pPr marL="0" indent="0">
+              <a:buNone/>
+            </a:pPr>
+            <a:r>
+              <a:rPr lang="en-US" dirty="0">
+                <a:latin typeface="INCONSOLATA" panose="020B0609030003000000" pitchFamily="49" charset="77"/>
+              </a:rPr>
+              <a:t>sum = 0</a:t>
+            </a:r>
+          </a:p>
+          <a:p>
+            <a:pPr marL="0" indent="0">
+              <a:buNone/>
+            </a:pPr>
+            <a:r>
+              <a:rPr lang="en-US" b="1" dirty="0">
+                <a:solidFill>
+                  <a:srgbClr val="006699"/>
+                </a:solidFill>
+                <a:latin typeface="Inconsolata" panose="020B0609030003000000" pitchFamily="49" charset="77"/>
+              </a:rPr>
+              <a:t>for </a:t>
+            </a:r>
+            <a:r>
+              <a:rPr lang="en-US" b="1" dirty="0">
+                <a:solidFill>
+                  <a:srgbClr val="000087"/>
+                </a:solidFill>
+                <a:latin typeface="Inconsolata" panose="020B0609030003000000" pitchFamily="49" charset="77"/>
+              </a:rPr>
+              <a:t>row </a:t>
+            </a:r>
+            <a:r>
+              <a:rPr lang="en-US" b="1" dirty="0">
+                <a:latin typeface="Inconsolata" panose="020B0609030003000000" pitchFamily="49" charset="77"/>
+              </a:rPr>
+              <a:t>in list2d:</a:t>
+            </a:r>
+          </a:p>
+          <a:p>
+            <a:pPr marL="0" indent="0">
+              <a:buNone/>
+            </a:pPr>
+            <a:r>
+              <a:rPr lang="en-US" b="1" dirty="0">
+                <a:solidFill>
+                  <a:srgbClr val="FF6600"/>
+                </a:solidFill>
+                <a:latin typeface="Inconsolata" panose="020B0609030003000000" pitchFamily="49" charset="77"/>
+              </a:rPr>
+              <a:t>	</a:t>
+            </a:r>
+            <a:r>
+              <a:rPr lang="en-US" b="1" dirty="0">
+                <a:solidFill>
+                  <a:srgbClr val="006699"/>
+                </a:solidFill>
+                <a:latin typeface="Inconsolata" panose="020B0609030003000000" pitchFamily="49" charset="77"/>
+              </a:rPr>
+              <a:t>for </a:t>
+            </a:r>
+            <a:r>
+              <a:rPr lang="en-US" b="1" dirty="0">
+                <a:solidFill>
+                  <a:srgbClr val="000087"/>
+                </a:solidFill>
+                <a:latin typeface="Inconsolata" panose="020B0609030003000000" pitchFamily="49" charset="77"/>
+              </a:rPr>
+              <a:t>num </a:t>
+            </a:r>
+            <a:r>
+              <a:rPr lang="en-US" b="1" dirty="0">
+                <a:latin typeface="Inconsolata" panose="020B0609030003000000" pitchFamily="49" charset="77"/>
+              </a:rPr>
+              <a:t>in row: </a:t>
+            </a:r>
+          </a:p>
+          <a:p>
+            <a:pPr marL="0" indent="0">
+              <a:buNone/>
+            </a:pPr>
+            <a:r>
+              <a:rPr lang="en-US" b="1" dirty="0">
+                <a:solidFill>
+                  <a:srgbClr val="006699"/>
+                </a:solidFill>
+                <a:latin typeface="Inconsolata" panose="020B0609030003000000" pitchFamily="49" charset="77"/>
+              </a:rPr>
+              <a:t>		sum += num</a:t>
+            </a:r>
+            <a:r>
+              <a:rPr lang="en-US" b="1" dirty="0">
+                <a:latin typeface="Inconsolata" panose="020B0609030003000000" pitchFamily="49" charset="77"/>
+              </a:rPr>
+              <a:t> </a:t>
+            </a:r>
+          </a:p>
+          <a:p>
+            <a:pPr marL="0" indent="0">
+              <a:buNone/>
+            </a:pPr>
+            <a:r>
+              <a:rPr lang="en-US" b="1" dirty="0">
+                <a:latin typeface="Inconsolata" panose="020B0609030003000000" pitchFamily="49" charset="77"/>
+              </a:rPr>
+              <a:t>print(sum)</a:t>
+            </a:r>
+          </a:p>
+          <a:p>
+            <a:pPr marL="0" indent="0">
+              <a:buNone/>
+            </a:pPr>
+            <a:endParaRPr lang="en-US" b="1" dirty="0">
+              <a:latin typeface="Inconsolata" panose="020B0609030003000000" pitchFamily="49" charset="77"/>
+            </a:endParaRPr>
+          </a:p>
+          <a:p>
+            <a:pPr marL="0" indent="0">
+              <a:buNone/>
+            </a:pPr>
+            <a:r>
+              <a:rPr lang="en-US" dirty="0">
+                <a:latin typeface="Gill Sans MT" panose="020B0502020104020203" pitchFamily="34" charset="77"/>
+              </a:rPr>
+              <a:t>Output:</a:t>
+            </a:r>
+          </a:p>
+          <a:p>
+            <a:pPr marL="0" indent="0">
+              <a:buNone/>
+            </a:pPr>
+            <a:r>
+              <a:rPr lang="en-US" dirty="0">
+                <a:latin typeface="Gill Sans MT" panose="020B0502020104020203" pitchFamily="34" charset="77"/>
+              </a:rPr>
+              <a:t>27</a:t>
+            </a:r>
+          </a:p>
+        </p:txBody>
+      </p:sp>
+      <p:sp>
+        <p:nvSpPr>
+          <p:cNvPr id="3" name="TextBox 2">
+            <a:extLst>
+              <a:ext uri="{FF2B5EF4-FFF2-40B4-BE49-F238E27FC236}">
+                <a16:creationId xmlns:a16="http://schemas.microsoft.com/office/drawing/2014/main" id="{48DA4FF1-142A-6D44-9986-344D8D8232A1}"/>
+              </a:ext>
+            </a:extLst>
+          </p:cNvPr>
+          <p:cNvSpPr txBox="1"/>
+          <p:nvPr/>
+        </p:nvSpPr>
+        <p:spPr>
+          <a:xfrm>
+            <a:off x="3610024" y="1166950"/>
+            <a:ext cx="5786322" cy="1015663"/>
+          </a:xfrm>
+          <a:prstGeom prst="rect">
+            <a:avLst/>
+          </a:prstGeom>
+          <a:noFill/>
+        </p:spPr>
+        <p:txBody>
+          <a:bodyPr wrap="square" rtlCol="0">
+            <a:spAutoFit/>
+          </a:bodyPr>
+          <a:lstStyle/>
+          <a:p>
+            <a:r>
+              <a:rPr lang="en-US" sz="2000" dirty="0">
+                <a:solidFill>
+                  <a:srgbClr val="FF0000"/>
+                </a:solidFill>
+              </a:rPr>
+              <a:t>Equivalently:</a:t>
+            </a:r>
+          </a:p>
+          <a:p>
+            <a:r>
+              <a:rPr lang="en-US" sz="2000" dirty="0">
+                <a:solidFill>
+                  <a:srgbClr val="FF0000"/>
+                </a:solidFill>
+                <a:latin typeface="INCONSOLATA" panose="020B0609030003000000" pitchFamily="49" charset="77"/>
+              </a:rPr>
+              <a:t>list2d = [[1, 2, 5],[3, -1, 6],[10, 1, 0]]</a:t>
+            </a:r>
+          </a:p>
+          <a:p>
+            <a:endParaRPr lang="en-US" sz="2000" dirty="0"/>
+          </a:p>
+        </p:txBody>
+      </p:sp>
+      <p:sp>
+        <p:nvSpPr>
+          <p:cNvPr id="4" name="Slide Number Placeholder 3">
+            <a:extLst>
+              <a:ext uri="{FF2B5EF4-FFF2-40B4-BE49-F238E27FC236}">
+                <a16:creationId xmlns:a16="http://schemas.microsoft.com/office/drawing/2014/main" id="{9D9AD293-8923-2F42-8581-E79C1EA45B01}"/>
+              </a:ext>
+            </a:extLst>
+          </p:cNvPr>
+          <p:cNvSpPr>
+            <a:spLocks noGrp="1"/>
+          </p:cNvSpPr>
+          <p:nvPr>
+            <p:ph type="sldNum" sz="quarter" idx="12"/>
+          </p:nvPr>
+        </p:nvSpPr>
+        <p:spPr/>
+        <p:txBody>
+          <a:bodyPr/>
+          <a:lstStyle/>
+          <a:p>
+            <a:fld id="{D57F1E4F-1CFF-5643-939E-02111984F565}" type="slidenum">
+              <a:rPr lang="en-US" smtClean="0"/>
+              <a:t>26</a:t>
+            </a:fld>
+            <a:endParaRPr lang="en-US" dirty="0"/>
+          </a:p>
+        </p:txBody>
+      </p:sp>
+    </p:spTree>
+    <p:extLst>
+      <p:ext uri="{BB962C8B-B14F-4D97-AF65-F5344CB8AC3E}">
+        <p14:creationId xmlns:p14="http://schemas.microsoft.com/office/powerpoint/2010/main" val="1330680031"/>
+      </p:ext>
+    </p:extLst>
+  </p:cSld>
+  <p:clrMapOvr>
+    <a:masterClrMapping/>
+  </p:clrMapOvr>
+  <p:timing>
+    <p:tnLst>
+      <p:par>
+        <p:cTn id="1" dur="indefinite" restart="never" nodeType="tmRoot">
+          <p:childTnLst>
+            <p:seq concurrent="1" nextAc="seek">
+              <p:cTn id="2" dur="indefinite" nodeType="mainSeq">
+                <p:childTnLst>
+                  <p:par>
+                    <p:cTn id="3" fill="hold">
+                      <p:stCondLst>
+                        <p:cond delay="indefinite"/>
+                      </p:stCondLst>
+                      <p:childTnLst>
+                        <p:par>
+                          <p:cTn id="4" fill="hold">
+                            <p:stCondLst>
+                              <p:cond delay="0"/>
+                            </p:stCondLst>
+                            <p:childTnLst>
+                              <p:par>
+                                <p:cTn id="5" presetID="1" presetClass="entr" presetSubtype="0" fill="hold" grpId="0" nodeType="clickEffect">
+                                  <p:stCondLst>
+                                    <p:cond delay="0"/>
+                                  </p:stCondLst>
+                                  <p:childTnLst>
+                                    <p:set>
+                                      <p:cBhvr>
+                                        <p:cTn id="6" dur="1" fill="hold">
+                                          <p:stCondLst>
+                                            <p:cond delay="0"/>
+                                          </p:stCondLst>
+                                        </p:cTn>
+                                        <p:tgtEl>
+                                          <p:spTgt spid="3"/>
+                                        </p:tgtEl>
+                                        <p:attrNameLst>
+                                          <p:attrName>style.visibility</p:attrName>
+                                        </p:attrNameLst>
+                                      </p:cBhvr>
+                                      <p:to>
+                                        <p:strVal val="visible"/>
+                                      </p:to>
+                                    </p:set>
+                                  </p:childTnLst>
+                                </p:cTn>
+                              </p:par>
+                            </p:childTnLst>
+                          </p:cTn>
+                        </p:par>
+                      </p:childTnLst>
+                    </p:cTn>
+                  </p:par>
+                  <p:par>
+                    <p:cTn id="7" fill="hold">
+                      <p:stCondLst>
+                        <p:cond delay="indefinite"/>
+                      </p:stCondLst>
+                      <p:childTnLst>
+                        <p:par>
+                          <p:cTn id="8" fill="hold">
+                            <p:stCondLst>
+                              <p:cond delay="0"/>
+                            </p:stCondLst>
+                            <p:childTnLst>
+                              <p:par>
+                                <p:cTn id="9" presetID="1" presetClass="entr" presetSubtype="0" fill="hold" nodeType="clickEffect">
+                                  <p:stCondLst>
+                                    <p:cond delay="0"/>
+                                  </p:stCondLst>
+                                  <p:childTnLst>
+                                    <p:set>
+                                      <p:cBhvr>
+                                        <p:cTn id="10" dur="1" fill="hold">
+                                          <p:stCondLst>
+                                            <p:cond delay="0"/>
+                                          </p:stCondLst>
+                                        </p:cTn>
+                                        <p:tgtEl>
+                                          <p:spTgt spid="9">
+                                            <p:txEl>
+                                              <p:pRg st="4" end="4"/>
+                                            </p:txEl>
+                                          </p:spTgt>
+                                        </p:tgtEl>
+                                        <p:attrNameLst>
+                                          <p:attrName>style.visibility</p:attrName>
+                                        </p:attrNameLst>
+                                      </p:cBhvr>
+                                      <p:to>
+                                        <p:strVal val="visible"/>
+                                      </p:to>
+                                    </p:set>
+                                  </p:childTnLst>
+                                </p:cTn>
+                              </p:par>
+                            </p:childTnLst>
+                          </p:cTn>
+                        </p:par>
+                      </p:childTnLst>
+                    </p:cTn>
+                  </p:par>
+                  <p:par>
+                    <p:cTn id="11" fill="hold">
+                      <p:stCondLst>
+                        <p:cond delay="indefinite"/>
+                      </p:stCondLst>
+                      <p:childTnLst>
+                        <p:par>
+                          <p:cTn id="12" fill="hold">
+                            <p:stCondLst>
+                              <p:cond delay="0"/>
+                            </p:stCondLst>
+                            <p:childTnLst>
+                              <p:par>
+                                <p:cTn id="13" presetID="1" presetClass="entr" presetSubtype="0" fill="hold" nodeType="clickEffect">
+                                  <p:stCondLst>
+                                    <p:cond delay="0"/>
+                                  </p:stCondLst>
+                                  <p:childTnLst>
+                                    <p:set>
+                                      <p:cBhvr>
+                                        <p:cTn id="14" dur="1" fill="hold">
+                                          <p:stCondLst>
+                                            <p:cond delay="0"/>
+                                          </p:stCondLst>
+                                        </p:cTn>
+                                        <p:tgtEl>
+                                          <p:spTgt spid="9">
+                                            <p:txEl>
+                                              <p:pRg st="5" end="5"/>
+                                            </p:txEl>
+                                          </p:spTgt>
+                                        </p:tgtEl>
+                                        <p:attrNameLst>
+                                          <p:attrName>style.visibility</p:attrName>
+                                        </p:attrNameLst>
+                                      </p:cBhvr>
+                                      <p:to>
+                                        <p:strVal val="visible"/>
+                                      </p:to>
+                                    </p:set>
+                                  </p:childTnLst>
+                                </p:cTn>
+                              </p:par>
+                            </p:childTnLst>
+                          </p:cTn>
+                        </p:par>
+                      </p:childTnLst>
+                    </p:cTn>
+                  </p:par>
+                  <p:par>
+                    <p:cTn id="15" fill="hold">
+                      <p:stCondLst>
+                        <p:cond delay="indefinite"/>
+                      </p:stCondLst>
+                      <p:childTnLst>
+                        <p:par>
+                          <p:cTn id="16" fill="hold">
+                            <p:stCondLst>
+                              <p:cond delay="0"/>
+                            </p:stCondLst>
+                            <p:childTnLst>
+                              <p:par>
+                                <p:cTn id="17" presetID="1" presetClass="entr" presetSubtype="0" fill="hold" nodeType="clickEffect">
+                                  <p:stCondLst>
+                                    <p:cond delay="0"/>
+                                  </p:stCondLst>
+                                  <p:childTnLst>
+                                    <p:set>
+                                      <p:cBhvr>
+                                        <p:cTn id="18" dur="1" fill="hold">
+                                          <p:stCondLst>
+                                            <p:cond delay="0"/>
+                                          </p:stCondLst>
+                                        </p:cTn>
+                                        <p:tgtEl>
+                                          <p:spTgt spid="9">
+                                            <p:txEl>
+                                              <p:pRg st="6" end="6"/>
+                                            </p:txEl>
+                                          </p:spTgt>
+                                        </p:tgtEl>
+                                        <p:attrNameLst>
+                                          <p:attrName>style.visibility</p:attrName>
+                                        </p:attrNameLst>
+                                      </p:cBhvr>
+                                      <p:to>
+                                        <p:strVal val="visible"/>
+                                      </p:to>
+                                    </p:set>
+                                  </p:childTnLst>
+                                </p:cTn>
+                              </p:par>
+                            </p:childTnLst>
+                          </p:cTn>
+                        </p:par>
+                      </p:childTnLst>
+                    </p:cTn>
+                  </p:par>
+                  <p:par>
+                    <p:cTn id="19" fill="hold">
+                      <p:stCondLst>
+                        <p:cond delay="indefinite"/>
+                      </p:stCondLst>
+                      <p:childTnLst>
+                        <p:par>
+                          <p:cTn id="20" fill="hold">
+                            <p:stCondLst>
+                              <p:cond delay="0"/>
+                            </p:stCondLst>
+                            <p:childTnLst>
+                              <p:par>
+                                <p:cTn id="21" presetID="1" presetClass="entr" presetSubtype="0" fill="hold" nodeType="clickEffect">
+                                  <p:stCondLst>
+                                    <p:cond delay="0"/>
+                                  </p:stCondLst>
+                                  <p:childTnLst>
+                                    <p:set>
+                                      <p:cBhvr>
+                                        <p:cTn id="22" dur="1" fill="hold">
+                                          <p:stCondLst>
+                                            <p:cond delay="0"/>
+                                          </p:stCondLst>
+                                        </p:cTn>
+                                        <p:tgtEl>
+                                          <p:spTgt spid="9">
+                                            <p:txEl>
+                                              <p:pRg st="7" end="7"/>
+                                            </p:txEl>
+                                          </p:spTgt>
+                                        </p:tgtEl>
+                                        <p:attrNameLst>
+                                          <p:attrName>style.visibility</p:attrName>
+                                        </p:attrNameLst>
+                                      </p:cBhvr>
+                                      <p:to>
+                                        <p:strVal val="visible"/>
+                                      </p:to>
+                                    </p:set>
+                                  </p:childTnLst>
+                                </p:cTn>
+                              </p:par>
+                            </p:childTnLst>
+                          </p:cTn>
+                        </p:par>
+                      </p:childTnLst>
+                    </p:cTn>
+                  </p:par>
+                  <p:par>
+                    <p:cTn id="23" fill="hold">
+                      <p:stCondLst>
+                        <p:cond delay="indefinite"/>
+                      </p:stCondLst>
+                      <p:childTnLst>
+                        <p:par>
+                          <p:cTn id="24" fill="hold">
+                            <p:stCondLst>
+                              <p:cond delay="0"/>
+                            </p:stCondLst>
+                            <p:childTnLst>
+                              <p:par>
+                                <p:cTn id="25" presetID="1" presetClass="entr" presetSubtype="0" fill="hold" nodeType="clickEffect">
+                                  <p:stCondLst>
+                                    <p:cond delay="0"/>
+                                  </p:stCondLst>
+                                  <p:childTnLst>
+                                    <p:set>
+                                      <p:cBhvr>
+                                        <p:cTn id="26" dur="1" fill="hold">
+                                          <p:stCondLst>
+                                            <p:cond delay="0"/>
+                                          </p:stCondLst>
+                                        </p:cTn>
+                                        <p:tgtEl>
+                                          <p:spTgt spid="9">
+                                            <p:txEl>
+                                              <p:pRg st="8" end="8"/>
+                                            </p:txEl>
+                                          </p:spTgt>
+                                        </p:tgtEl>
+                                        <p:attrNameLst>
+                                          <p:attrName>style.visibility</p:attrName>
+                                        </p:attrNameLst>
+                                      </p:cBhvr>
+                                      <p:to>
+                                        <p:strVal val="visible"/>
+                                      </p:to>
+                                    </p:set>
+                                  </p:childTnLst>
+                                </p:cTn>
+                              </p:par>
+                            </p:childTnLst>
+                          </p:cTn>
+                        </p:par>
+                      </p:childTnLst>
+                    </p:cTn>
+                  </p:par>
+                  <p:par>
+                    <p:cTn id="27" fill="hold">
+                      <p:stCondLst>
+                        <p:cond delay="indefinite"/>
+                      </p:stCondLst>
+                      <p:childTnLst>
+                        <p:par>
+                          <p:cTn id="28" fill="hold">
+                            <p:stCondLst>
+                              <p:cond delay="0"/>
+                            </p:stCondLst>
+                            <p:childTnLst>
+                              <p:par>
+                                <p:cTn id="29" presetID="1" presetClass="entr" presetSubtype="0" fill="hold" nodeType="clickEffect">
+                                  <p:stCondLst>
+                                    <p:cond delay="0"/>
+                                  </p:stCondLst>
+                                  <p:childTnLst>
+                                    <p:set>
+                                      <p:cBhvr>
+                                        <p:cTn id="30" dur="1" fill="hold">
+                                          <p:stCondLst>
+                                            <p:cond delay="0"/>
+                                          </p:stCondLst>
+                                        </p:cTn>
+                                        <p:tgtEl>
+                                          <p:spTgt spid="9">
+                                            <p:txEl>
+                                              <p:pRg st="10" end="10"/>
+                                            </p:txEl>
+                                          </p:spTgt>
+                                        </p:tgtEl>
+                                        <p:attrNameLst>
+                                          <p:attrName>style.visibility</p:attrName>
+                                        </p:attrNameLst>
+                                      </p:cBhvr>
+                                      <p:to>
+                                        <p:strVal val="visible"/>
+                                      </p:to>
+                                    </p:set>
+                                  </p:childTnLst>
+                                </p:cTn>
+                              </p:par>
+                            </p:childTnLst>
+                          </p:cTn>
+                        </p:par>
+                      </p:childTnLst>
+                    </p:cTn>
+                  </p:par>
+                  <p:par>
+                    <p:cTn id="31" fill="hold">
+                      <p:stCondLst>
+                        <p:cond delay="indefinite"/>
+                      </p:stCondLst>
+                      <p:childTnLst>
+                        <p:par>
+                          <p:cTn id="32" fill="hold">
+                            <p:stCondLst>
+                              <p:cond delay="0"/>
+                            </p:stCondLst>
+                            <p:childTnLst>
+                              <p:par>
+                                <p:cTn id="33" presetID="1" presetClass="entr" presetSubtype="0" fill="hold" nodeType="clickEffect">
+                                  <p:stCondLst>
+                                    <p:cond delay="0"/>
+                                  </p:stCondLst>
+                                  <p:childTnLst>
+                                    <p:set>
+                                      <p:cBhvr>
+                                        <p:cTn id="34" dur="1" fill="hold">
+                                          <p:stCondLst>
+                                            <p:cond delay="0"/>
+                                          </p:stCondLst>
+                                        </p:cTn>
+                                        <p:tgtEl>
+                                          <p:spTgt spid="9">
+                                            <p:txEl>
+                                              <p:pRg st="11" end="11"/>
+                                            </p:txEl>
+                                          </p:spTgt>
+                                        </p:tgtEl>
+                                        <p:attrNameLst>
+                                          <p:attrName>style.visibility</p:attrName>
+                                        </p:attrNameLst>
+                                      </p:cBhvr>
+                                      <p:to>
+                                        <p:strVal val="visible"/>
+                                      </p:to>
+                                    </p:set>
+                                  </p:childTnLst>
+                                </p:cTn>
+                              </p:par>
+                            </p:childTnLst>
+                          </p:cTn>
+                        </p:par>
+                      </p:childTnLst>
+                    </p:cTn>
+                  </p:par>
+                </p:childTnLst>
+              </p:cTn>
+              <p:prevCondLst>
+                <p:cond evt="onPrev" delay="0">
+                  <p:tgtEl>
+                    <p:sldTgt/>
+                  </p:tgtEl>
+                </p:cond>
+              </p:prevCondLst>
+              <p:nextCondLst>
+                <p:cond evt="onNext" delay="0">
+                  <p:tgtEl>
+                    <p:sldTgt/>
+                  </p:tgtEl>
+                </p:cond>
+              </p:nextCondLst>
+            </p:seq>
+          </p:childTnLst>
+        </p:cTn>
+      </p:par>
+    </p:tnLst>
+    <p:bldLst>
+      <p:bldP spid="3" grpId="0"/>
+    </p:bldLst>
+  </p:timing>
+</p:sld>
+</file>
+
+<file path=ppt/slides/slide27.xml><?xml version="1.0" encoding="utf-8"?>
+<p:sld xmlns:a="http://schemas.openxmlformats.org/drawingml/2006/main" xmlns:r="http://schemas.openxmlformats.org/officeDocument/2006/relationships" xmlns:p="http://schemas.openxmlformats.org/presentationml/2006/main">
+  <p:cSld>
+    <p:spTree>
+      <p:nvGrpSpPr>
+        <p:cNvPr id="1" name=""/>
+        <p:cNvGrpSpPr/>
+        <p:nvPr/>
+      </p:nvGrpSpPr>
+      <p:grpSpPr>
+        <a:xfrm>
+          <a:off x="0" y="0"/>
+          <a:ext cx="0" cy="0"/>
+          <a:chOff x="0" y="0"/>
+          <a:chExt cx="0" cy="0"/>
+        </a:xfrm>
+      </p:grpSpPr>
+      <p:sp>
+        <p:nvSpPr>
+          <p:cNvPr id="2" name="Title 1">
+            <a:extLst>
+              <a:ext uri="{FF2B5EF4-FFF2-40B4-BE49-F238E27FC236}">
+                <a16:creationId xmlns:a16="http://schemas.microsoft.com/office/drawing/2014/main" id="{AA3A228F-61D0-D949-A5E7-F83756230BF8}"/>
+              </a:ext>
+            </a:extLst>
+          </p:cNvPr>
+          <p:cNvSpPr>
+            <a:spLocks noGrp="1"/>
+          </p:cNvSpPr>
+          <p:nvPr>
+            <p:ph type="title"/>
+          </p:nvPr>
+        </p:nvSpPr>
+        <p:spPr>
+          <a:xfrm>
+            <a:off x="170339" y="134008"/>
+            <a:ext cx="7053542" cy="683886"/>
+          </a:xfrm>
+        </p:spPr>
+        <p:txBody>
+          <a:bodyPr/>
+          <a:lstStyle/>
+          <a:p>
+            <a:r>
+              <a:rPr lang="en-US" dirty="0"/>
+              <a:t>Sum of 2D lists(Using Indices)</a:t>
+            </a:r>
+          </a:p>
+        </p:txBody>
+      </p:sp>
+      <p:sp>
+        <p:nvSpPr>
+          <p:cNvPr id="9" name="Content Placeholder 8">
+            <a:extLst>
+              <a:ext uri="{FF2B5EF4-FFF2-40B4-BE49-F238E27FC236}">
+                <a16:creationId xmlns:a16="http://schemas.microsoft.com/office/drawing/2014/main" id="{E3B2E017-30B2-884B-A113-B419A2ED51AD}"/>
+              </a:ext>
+            </a:extLst>
+          </p:cNvPr>
+          <p:cNvSpPr>
+            <a:spLocks noGrp="1"/>
+          </p:cNvSpPr>
+          <p:nvPr>
+            <p:ph idx="1"/>
+          </p:nvPr>
+        </p:nvSpPr>
+        <p:spPr>
+          <a:xfrm>
+            <a:off x="170340" y="817895"/>
+            <a:ext cx="8365234" cy="4763098"/>
+          </a:xfrm>
+        </p:spPr>
+        <p:txBody>
+          <a:bodyPr>
+            <a:normAutofit/>
+          </a:bodyPr>
+          <a:lstStyle/>
+          <a:p>
+            <a:pPr marL="0" indent="0">
+              <a:buNone/>
+            </a:pPr>
+            <a:r>
+              <a:rPr lang="en-US" dirty="0">
+                <a:latin typeface="Gill Sans MT" panose="020B0502020104020203" pitchFamily="34" charset="77"/>
+              </a:rPr>
+              <a:t>A 2D list is a list of lists. </a:t>
+            </a:r>
+          </a:p>
+          <a:p>
+            <a:pPr marL="0" indent="0">
+              <a:buNone/>
+            </a:pPr>
+            <a:r>
+              <a:rPr lang="en-US" dirty="0">
+                <a:latin typeface="INCONSOLATA" panose="020B0609030003000000" pitchFamily="49" charset="77"/>
+              </a:rPr>
+              <a:t>list2d = [[1, 2, 5],</a:t>
+            </a:r>
+          </a:p>
+          <a:p>
+            <a:pPr marL="0" indent="0">
+              <a:buNone/>
+            </a:pPr>
+            <a:r>
+              <a:rPr lang="en-US" dirty="0">
+                <a:latin typeface="INCONSOLATA" panose="020B0609030003000000" pitchFamily="49" charset="77"/>
+              </a:rPr>
+              <a:t>		[3, -1, 6],</a:t>
+            </a:r>
+          </a:p>
+          <a:p>
+            <a:pPr marL="0" indent="0">
+              <a:buNone/>
+            </a:pPr>
+            <a:r>
+              <a:rPr lang="en-US" dirty="0">
+                <a:latin typeface="INCONSOLATA" panose="020B0609030003000000" pitchFamily="49" charset="77"/>
+              </a:rPr>
+              <a:t>		[10, 1, 0]]</a:t>
+            </a:r>
+          </a:p>
+          <a:p>
+            <a:pPr marL="0" indent="0">
+              <a:buNone/>
+            </a:pPr>
+            <a:r>
+              <a:rPr lang="en-US" dirty="0">
+                <a:latin typeface="INCONSOLATA" panose="020B0609030003000000" pitchFamily="49" charset="77"/>
+              </a:rPr>
+              <a:t>sum = 0</a:t>
+            </a:r>
+          </a:p>
+          <a:p>
+            <a:pPr marL="0" indent="0">
+              <a:buNone/>
+            </a:pPr>
+            <a:r>
+              <a:rPr lang="en-US" b="1" dirty="0">
+                <a:solidFill>
+                  <a:srgbClr val="006699"/>
+                </a:solidFill>
+                <a:latin typeface="Inconsolata" panose="020B0609030003000000" pitchFamily="49" charset="77"/>
+              </a:rPr>
+              <a:t>for </a:t>
+            </a:r>
+            <a:r>
+              <a:rPr lang="en-US" b="1" dirty="0" err="1">
+                <a:solidFill>
+                  <a:srgbClr val="000087"/>
+                </a:solidFill>
+                <a:latin typeface="Inconsolata" panose="020B0609030003000000" pitchFamily="49" charset="77"/>
+              </a:rPr>
+              <a:t>i</a:t>
+            </a:r>
+            <a:r>
+              <a:rPr lang="en-US" b="1" dirty="0">
+                <a:solidFill>
+                  <a:srgbClr val="000087"/>
+                </a:solidFill>
+                <a:latin typeface="Inconsolata" panose="020B0609030003000000" pitchFamily="49" charset="77"/>
+              </a:rPr>
+              <a:t> </a:t>
+            </a:r>
+            <a:r>
+              <a:rPr lang="en-US" b="1" dirty="0">
+                <a:latin typeface="Inconsolata" panose="020B0609030003000000" pitchFamily="49" charset="77"/>
+              </a:rPr>
+              <a:t>in range(</a:t>
+            </a:r>
+            <a:r>
+              <a:rPr lang="en-US" b="1" dirty="0" err="1">
+                <a:latin typeface="Inconsolata" panose="020B0609030003000000" pitchFamily="49" charset="77"/>
+              </a:rPr>
+              <a:t>len</a:t>
+            </a:r>
+            <a:r>
+              <a:rPr lang="en-US" b="1" dirty="0">
+                <a:latin typeface="Inconsolata" panose="020B0609030003000000" pitchFamily="49" charset="77"/>
+              </a:rPr>
+              <a:t>(list2d)):</a:t>
+            </a:r>
+          </a:p>
+          <a:p>
+            <a:pPr marL="0" indent="0">
+              <a:buNone/>
+            </a:pPr>
+            <a:r>
+              <a:rPr lang="en-US" b="1" dirty="0">
+                <a:solidFill>
+                  <a:srgbClr val="FF6600"/>
+                </a:solidFill>
+                <a:latin typeface="Inconsolata" panose="020B0609030003000000" pitchFamily="49" charset="77"/>
+              </a:rPr>
+              <a:t>	</a:t>
+            </a:r>
+            <a:r>
+              <a:rPr lang="en-US" b="1" dirty="0">
+                <a:solidFill>
+                  <a:srgbClr val="006699"/>
+                </a:solidFill>
+                <a:latin typeface="Inconsolata" panose="020B0609030003000000" pitchFamily="49" charset="77"/>
+              </a:rPr>
+              <a:t>for j </a:t>
+            </a:r>
+            <a:r>
+              <a:rPr lang="en-US" b="1" dirty="0">
+                <a:latin typeface="Inconsolata" panose="020B0609030003000000" pitchFamily="49" charset="77"/>
+              </a:rPr>
+              <a:t>in range(</a:t>
+            </a:r>
+            <a:r>
+              <a:rPr lang="en-US" b="1" dirty="0" err="1">
+                <a:latin typeface="Inconsolata" panose="020B0609030003000000" pitchFamily="49" charset="77"/>
+              </a:rPr>
+              <a:t>len</a:t>
+            </a:r>
+            <a:r>
+              <a:rPr lang="en-US" b="1" dirty="0">
+                <a:latin typeface="Inconsolata" panose="020B0609030003000000" pitchFamily="49" charset="77"/>
+              </a:rPr>
+              <a:t>(list2d[</a:t>
+            </a:r>
+            <a:r>
+              <a:rPr lang="en-US" b="1" dirty="0" err="1">
+                <a:latin typeface="Inconsolata" panose="020B0609030003000000" pitchFamily="49" charset="77"/>
+              </a:rPr>
+              <a:t>i</a:t>
+            </a:r>
+            <a:r>
+              <a:rPr lang="en-US" b="1">
+                <a:latin typeface="Inconsolata" panose="020B0609030003000000" pitchFamily="49" charset="77"/>
+              </a:rPr>
+              <a:t>])): </a:t>
+            </a:r>
+            <a:endParaRPr lang="en-US" b="1" dirty="0">
+              <a:latin typeface="Inconsolata" panose="020B0609030003000000" pitchFamily="49" charset="77"/>
+            </a:endParaRPr>
+          </a:p>
+          <a:p>
+            <a:pPr marL="0" indent="0">
+              <a:buNone/>
+            </a:pPr>
+            <a:r>
+              <a:rPr lang="en-US" b="1" dirty="0">
+                <a:solidFill>
+                  <a:srgbClr val="006699"/>
+                </a:solidFill>
+                <a:latin typeface="Inconsolata" panose="020B0609030003000000" pitchFamily="49" charset="77"/>
+              </a:rPr>
+              <a:t>		sum += list2d[</a:t>
+            </a:r>
+            <a:r>
+              <a:rPr lang="en-US" b="1" dirty="0" err="1">
+                <a:solidFill>
+                  <a:srgbClr val="006699"/>
+                </a:solidFill>
+                <a:latin typeface="Inconsolata" panose="020B0609030003000000" pitchFamily="49" charset="77"/>
+              </a:rPr>
+              <a:t>i</a:t>
+            </a:r>
+            <a:r>
+              <a:rPr lang="en-US" b="1" dirty="0">
+                <a:solidFill>
+                  <a:srgbClr val="006699"/>
+                </a:solidFill>
+                <a:latin typeface="Inconsolata" panose="020B0609030003000000" pitchFamily="49" charset="77"/>
+              </a:rPr>
+              <a:t>][j]</a:t>
+            </a:r>
+            <a:endParaRPr lang="en-US" b="1" dirty="0">
+              <a:latin typeface="Inconsolata" panose="020B0609030003000000" pitchFamily="49" charset="77"/>
+            </a:endParaRPr>
+          </a:p>
+          <a:p>
+            <a:pPr marL="0" indent="0">
+              <a:buNone/>
+            </a:pPr>
+            <a:r>
+              <a:rPr lang="en-US" b="1" dirty="0">
+                <a:latin typeface="Inconsolata" panose="020B0609030003000000" pitchFamily="49" charset="77"/>
+              </a:rPr>
+              <a:t>print(sum)</a:t>
+            </a:r>
+          </a:p>
+          <a:p>
+            <a:pPr marL="0" indent="0">
+              <a:buNone/>
+            </a:pPr>
+            <a:endParaRPr lang="en-US" b="1" dirty="0">
+              <a:latin typeface="Inconsolata" panose="020B0609030003000000" pitchFamily="49" charset="77"/>
+            </a:endParaRPr>
+          </a:p>
+          <a:p>
+            <a:pPr marL="0" indent="0">
+              <a:buNone/>
+            </a:pPr>
+            <a:r>
+              <a:rPr lang="en-US" dirty="0">
+                <a:latin typeface="Gill Sans MT" panose="020B0502020104020203" pitchFamily="34" charset="77"/>
+              </a:rPr>
+              <a:t>Output:</a:t>
+            </a:r>
+          </a:p>
+          <a:p>
+            <a:pPr marL="0" indent="0">
+              <a:buNone/>
+            </a:pPr>
+            <a:r>
+              <a:rPr lang="en-US" dirty="0">
+                <a:latin typeface="Gill Sans MT" panose="020B0502020104020203" pitchFamily="34" charset="77"/>
+              </a:rPr>
+              <a:t>27</a:t>
+            </a:r>
+          </a:p>
+        </p:txBody>
+      </p:sp>
+      <p:sp>
+        <p:nvSpPr>
+          <p:cNvPr id="3" name="TextBox 2">
+            <a:extLst>
+              <a:ext uri="{FF2B5EF4-FFF2-40B4-BE49-F238E27FC236}">
+                <a16:creationId xmlns:a16="http://schemas.microsoft.com/office/drawing/2014/main" id="{48DA4FF1-142A-6D44-9986-344D8D8232A1}"/>
+              </a:ext>
+            </a:extLst>
+          </p:cNvPr>
+          <p:cNvSpPr txBox="1"/>
+          <p:nvPr/>
+        </p:nvSpPr>
+        <p:spPr>
+          <a:xfrm>
+            <a:off x="3610024" y="1166950"/>
+            <a:ext cx="5786322" cy="1015663"/>
+          </a:xfrm>
+          <a:prstGeom prst="rect">
+            <a:avLst/>
+          </a:prstGeom>
+          <a:noFill/>
+        </p:spPr>
+        <p:txBody>
+          <a:bodyPr wrap="square" rtlCol="0">
+            <a:spAutoFit/>
+          </a:bodyPr>
+          <a:lstStyle/>
+          <a:p>
+            <a:r>
+              <a:rPr lang="en-US" sz="2000" dirty="0">
+                <a:solidFill>
+                  <a:srgbClr val="FF0000"/>
+                </a:solidFill>
+              </a:rPr>
+              <a:t>Equivalently:</a:t>
+            </a:r>
+          </a:p>
+          <a:p>
+            <a:r>
+              <a:rPr lang="en-US" sz="2000" dirty="0">
+                <a:solidFill>
+                  <a:srgbClr val="FF0000"/>
+                </a:solidFill>
+                <a:latin typeface="INCONSOLATA" panose="020B0609030003000000" pitchFamily="49" charset="77"/>
+              </a:rPr>
+              <a:t>list2d = [[1, 2, 5],[3, -1, 6],[10, 1, 0]]</a:t>
+            </a:r>
+          </a:p>
+          <a:p>
+            <a:endParaRPr lang="en-US" sz="2000" dirty="0"/>
+          </a:p>
+        </p:txBody>
+      </p:sp>
+      <p:sp>
+        <p:nvSpPr>
+          <p:cNvPr id="4" name="Slide Number Placeholder 3">
+            <a:extLst>
+              <a:ext uri="{FF2B5EF4-FFF2-40B4-BE49-F238E27FC236}">
+                <a16:creationId xmlns:a16="http://schemas.microsoft.com/office/drawing/2014/main" id="{9D9AD293-8923-2F42-8581-E79C1EA45B01}"/>
+              </a:ext>
+            </a:extLst>
+          </p:cNvPr>
+          <p:cNvSpPr>
+            <a:spLocks noGrp="1"/>
+          </p:cNvSpPr>
+          <p:nvPr>
+            <p:ph type="sldNum" sz="quarter" idx="12"/>
+          </p:nvPr>
+        </p:nvSpPr>
+        <p:spPr/>
+        <p:txBody>
+          <a:bodyPr/>
+          <a:lstStyle/>
+          <a:p>
+            <a:fld id="{D57F1E4F-1CFF-5643-939E-02111984F565}" type="slidenum">
+              <a:rPr lang="en-US" smtClean="0"/>
+              <a:t>27</a:t>
+            </a:fld>
+            <a:endParaRPr lang="en-US" dirty="0"/>
+          </a:p>
+        </p:txBody>
+      </p:sp>
+    </p:spTree>
+    <p:extLst>
+      <p:ext uri="{BB962C8B-B14F-4D97-AF65-F5344CB8AC3E}">
+        <p14:creationId xmlns:p14="http://schemas.microsoft.com/office/powerpoint/2010/main" val="3536550318"/>
+      </p:ext>
+    </p:extLst>
+  </p:cSld>
+  <p:clrMapOvr>
+    <a:masterClrMapping/>
+  </p:clrMapOvr>
+  <p:timing>
+    <p:tnLst>
+      <p:par>
+        <p:cTn id="1" dur="indefinite" restart="never" nodeType="tmRoot">
+          <p:childTnLst>
+            <p:seq concurrent="1" nextAc="seek">
+              <p:cTn id="2" dur="indefinite" nodeType="mainSeq">
+                <p:childTnLst>
+                  <p:par>
+                    <p:cTn id="3" fill="hold">
+                      <p:stCondLst>
+                        <p:cond delay="indefinite"/>
+                      </p:stCondLst>
+                      <p:childTnLst>
+                        <p:par>
+                          <p:cTn id="4" fill="hold">
+                            <p:stCondLst>
+                              <p:cond delay="0"/>
+                            </p:stCondLst>
+                            <p:childTnLst>
+                              <p:par>
+                                <p:cTn id="5" presetID="1" presetClass="entr" presetSubtype="0" fill="hold" grpId="0" nodeType="clickEffect">
+                                  <p:stCondLst>
+                                    <p:cond delay="0"/>
+                                  </p:stCondLst>
+                                  <p:childTnLst>
+                                    <p:set>
+                                      <p:cBhvr>
+                                        <p:cTn id="6" dur="1" fill="hold">
+                                          <p:stCondLst>
+                                            <p:cond delay="0"/>
+                                          </p:stCondLst>
+                                        </p:cTn>
+                                        <p:tgtEl>
+                                          <p:spTgt spid="3"/>
+                                        </p:tgtEl>
+                                        <p:attrNameLst>
+                                          <p:attrName>style.visibility</p:attrName>
+                                        </p:attrNameLst>
+                                      </p:cBhvr>
+                                      <p:to>
+                                        <p:strVal val="visible"/>
+                                      </p:to>
+                                    </p:set>
+                                  </p:childTnLst>
+                                </p:cTn>
+                              </p:par>
+                            </p:childTnLst>
+                          </p:cTn>
+                        </p:par>
+                      </p:childTnLst>
+                    </p:cTn>
+                  </p:par>
+                  <p:par>
+                    <p:cTn id="7" fill="hold">
+                      <p:stCondLst>
+                        <p:cond delay="indefinite"/>
+                      </p:stCondLst>
+                      <p:childTnLst>
+                        <p:par>
+                          <p:cTn id="8" fill="hold">
+                            <p:stCondLst>
+                              <p:cond delay="0"/>
+                            </p:stCondLst>
+                            <p:childTnLst>
+                              <p:par>
+                                <p:cTn id="9" presetID="1" presetClass="entr" presetSubtype="0" fill="hold" nodeType="clickEffect">
+                                  <p:stCondLst>
+                                    <p:cond delay="0"/>
+                                  </p:stCondLst>
+                                  <p:childTnLst>
+                                    <p:set>
+                                      <p:cBhvr>
+                                        <p:cTn id="10" dur="1" fill="hold">
+                                          <p:stCondLst>
+                                            <p:cond delay="0"/>
+                                          </p:stCondLst>
+                                        </p:cTn>
+                                        <p:tgtEl>
+                                          <p:spTgt spid="9">
+                                            <p:txEl>
+                                              <p:pRg st="4" end="4"/>
+                                            </p:txEl>
+                                          </p:spTgt>
+                                        </p:tgtEl>
+                                        <p:attrNameLst>
+                                          <p:attrName>style.visibility</p:attrName>
+                                        </p:attrNameLst>
+                                      </p:cBhvr>
+                                      <p:to>
+                                        <p:strVal val="visible"/>
+                                      </p:to>
+                                    </p:set>
+                                  </p:childTnLst>
+                                </p:cTn>
+                              </p:par>
+                            </p:childTnLst>
+                          </p:cTn>
+                        </p:par>
+                      </p:childTnLst>
+                    </p:cTn>
+                  </p:par>
+                  <p:par>
+                    <p:cTn id="11" fill="hold">
+                      <p:stCondLst>
+                        <p:cond delay="indefinite"/>
+                      </p:stCondLst>
+                      <p:childTnLst>
+                        <p:par>
+                          <p:cTn id="12" fill="hold">
+                            <p:stCondLst>
+                              <p:cond delay="0"/>
+                            </p:stCondLst>
+                            <p:childTnLst>
+                              <p:par>
+                                <p:cTn id="13" presetID="1" presetClass="entr" presetSubtype="0" fill="hold" nodeType="clickEffect">
+                                  <p:stCondLst>
+                                    <p:cond delay="0"/>
+                                  </p:stCondLst>
+                                  <p:childTnLst>
+                                    <p:set>
+                                      <p:cBhvr>
+                                        <p:cTn id="14" dur="1" fill="hold">
+                                          <p:stCondLst>
+                                            <p:cond delay="0"/>
+                                          </p:stCondLst>
+                                        </p:cTn>
+                                        <p:tgtEl>
+                                          <p:spTgt spid="9">
+                                            <p:txEl>
+                                              <p:pRg st="5" end="5"/>
+                                            </p:txEl>
+                                          </p:spTgt>
+                                        </p:tgtEl>
+                                        <p:attrNameLst>
+                                          <p:attrName>style.visibility</p:attrName>
+                                        </p:attrNameLst>
+                                      </p:cBhvr>
+                                      <p:to>
+                                        <p:strVal val="visible"/>
+                                      </p:to>
+                                    </p:set>
+                                  </p:childTnLst>
+                                </p:cTn>
+                              </p:par>
+                            </p:childTnLst>
+                          </p:cTn>
+                        </p:par>
+                      </p:childTnLst>
+                    </p:cTn>
+                  </p:par>
+                  <p:par>
+                    <p:cTn id="15" fill="hold">
+                      <p:stCondLst>
+                        <p:cond delay="indefinite"/>
+                      </p:stCondLst>
+                      <p:childTnLst>
+                        <p:par>
+                          <p:cTn id="16" fill="hold">
+                            <p:stCondLst>
+                              <p:cond delay="0"/>
+                            </p:stCondLst>
+                            <p:childTnLst>
+                              <p:par>
+                                <p:cTn id="17" presetID="1" presetClass="entr" presetSubtype="0" fill="hold" nodeType="clickEffect">
+                                  <p:stCondLst>
+                                    <p:cond delay="0"/>
+                                  </p:stCondLst>
+                                  <p:childTnLst>
+                                    <p:set>
+                                      <p:cBhvr>
+                                        <p:cTn id="18" dur="1" fill="hold">
+                                          <p:stCondLst>
+                                            <p:cond delay="0"/>
+                                          </p:stCondLst>
+                                        </p:cTn>
+                                        <p:tgtEl>
+                                          <p:spTgt spid="9">
+                                            <p:txEl>
+                                              <p:pRg st="6" end="6"/>
+                                            </p:txEl>
+                                          </p:spTgt>
+                                        </p:tgtEl>
+                                        <p:attrNameLst>
+                                          <p:attrName>style.visibility</p:attrName>
+                                        </p:attrNameLst>
+                                      </p:cBhvr>
+                                      <p:to>
+                                        <p:strVal val="visible"/>
+                                      </p:to>
+                                    </p:set>
+                                  </p:childTnLst>
+                                </p:cTn>
+                              </p:par>
+                            </p:childTnLst>
+                          </p:cTn>
+                        </p:par>
+                      </p:childTnLst>
+                    </p:cTn>
+                  </p:par>
+                  <p:par>
+                    <p:cTn id="19" fill="hold">
+                      <p:stCondLst>
+                        <p:cond delay="indefinite"/>
+                      </p:stCondLst>
+                      <p:childTnLst>
+                        <p:par>
+                          <p:cTn id="20" fill="hold">
+                            <p:stCondLst>
+                              <p:cond delay="0"/>
+                            </p:stCondLst>
+                            <p:childTnLst>
+                              <p:par>
+                                <p:cTn id="21" presetID="1" presetClass="entr" presetSubtype="0" fill="hold" nodeType="clickEffect">
+                                  <p:stCondLst>
+                                    <p:cond delay="0"/>
+                                  </p:stCondLst>
+                                  <p:childTnLst>
+                                    <p:set>
+                                      <p:cBhvr>
+                                        <p:cTn id="22" dur="1" fill="hold">
+                                          <p:stCondLst>
+                                            <p:cond delay="0"/>
+                                          </p:stCondLst>
+                                        </p:cTn>
+                                        <p:tgtEl>
+                                          <p:spTgt spid="9">
+                                            <p:txEl>
+                                              <p:pRg st="7" end="7"/>
+                                            </p:txEl>
+                                          </p:spTgt>
+                                        </p:tgtEl>
+                                        <p:attrNameLst>
+                                          <p:attrName>style.visibility</p:attrName>
+                                        </p:attrNameLst>
+                                      </p:cBhvr>
+                                      <p:to>
+                                        <p:strVal val="visible"/>
+                                      </p:to>
+                                    </p:set>
+                                  </p:childTnLst>
+                                </p:cTn>
+                              </p:par>
+                            </p:childTnLst>
+                          </p:cTn>
+                        </p:par>
+                      </p:childTnLst>
+                    </p:cTn>
+                  </p:par>
+                  <p:par>
+                    <p:cTn id="23" fill="hold">
+                      <p:stCondLst>
+                        <p:cond delay="indefinite"/>
+                      </p:stCondLst>
+                      <p:childTnLst>
+                        <p:par>
+                          <p:cTn id="24" fill="hold">
+                            <p:stCondLst>
+                              <p:cond delay="0"/>
+                            </p:stCondLst>
+                            <p:childTnLst>
+                              <p:par>
+                                <p:cTn id="25" presetID="1" presetClass="entr" presetSubtype="0" fill="hold" nodeType="clickEffect">
+                                  <p:stCondLst>
+                                    <p:cond delay="0"/>
+                                  </p:stCondLst>
+                                  <p:childTnLst>
+                                    <p:set>
+                                      <p:cBhvr>
+                                        <p:cTn id="26" dur="1" fill="hold">
+                                          <p:stCondLst>
+                                            <p:cond delay="0"/>
+                                          </p:stCondLst>
+                                        </p:cTn>
+                                        <p:tgtEl>
+                                          <p:spTgt spid="9">
+                                            <p:txEl>
+                                              <p:pRg st="8" end="8"/>
+                                            </p:txEl>
+                                          </p:spTgt>
+                                        </p:tgtEl>
+                                        <p:attrNameLst>
+                                          <p:attrName>style.visibility</p:attrName>
+                                        </p:attrNameLst>
+                                      </p:cBhvr>
+                                      <p:to>
+                                        <p:strVal val="visible"/>
+                                      </p:to>
+                                    </p:set>
+                                  </p:childTnLst>
+                                </p:cTn>
+                              </p:par>
+                            </p:childTnLst>
+                          </p:cTn>
+                        </p:par>
+                      </p:childTnLst>
+                    </p:cTn>
+                  </p:par>
+                  <p:par>
+                    <p:cTn id="27" fill="hold">
+                      <p:stCondLst>
+                        <p:cond delay="indefinite"/>
+                      </p:stCondLst>
+                      <p:childTnLst>
+                        <p:par>
+                          <p:cTn id="28" fill="hold">
+                            <p:stCondLst>
+                              <p:cond delay="0"/>
+                            </p:stCondLst>
+                            <p:childTnLst>
+                              <p:par>
+                                <p:cTn id="29" presetID="1" presetClass="entr" presetSubtype="0" fill="hold" nodeType="clickEffect">
+                                  <p:stCondLst>
+                                    <p:cond delay="0"/>
+                                  </p:stCondLst>
+                                  <p:childTnLst>
+                                    <p:set>
+                                      <p:cBhvr>
+                                        <p:cTn id="30" dur="1" fill="hold">
+                                          <p:stCondLst>
+                                            <p:cond delay="0"/>
+                                          </p:stCondLst>
+                                        </p:cTn>
+                                        <p:tgtEl>
+                                          <p:spTgt spid="9">
+                                            <p:txEl>
+                                              <p:pRg st="10" end="10"/>
+                                            </p:txEl>
+                                          </p:spTgt>
+                                        </p:tgtEl>
+                                        <p:attrNameLst>
+                                          <p:attrName>style.visibility</p:attrName>
+                                        </p:attrNameLst>
+                                      </p:cBhvr>
+                                      <p:to>
+                                        <p:strVal val="visible"/>
+                                      </p:to>
+                                    </p:set>
+                                  </p:childTnLst>
+                                </p:cTn>
+                              </p:par>
+                            </p:childTnLst>
+                          </p:cTn>
+                        </p:par>
+                      </p:childTnLst>
+                    </p:cTn>
+                  </p:par>
+                  <p:par>
+                    <p:cTn id="31" fill="hold">
+                      <p:stCondLst>
+                        <p:cond delay="indefinite"/>
+                      </p:stCondLst>
+                      <p:childTnLst>
+                        <p:par>
+                          <p:cTn id="32" fill="hold">
+                            <p:stCondLst>
+                              <p:cond delay="0"/>
+                            </p:stCondLst>
+                            <p:childTnLst>
+                              <p:par>
+                                <p:cTn id="33" presetID="1" presetClass="entr" presetSubtype="0" fill="hold" nodeType="clickEffect">
+                                  <p:stCondLst>
+                                    <p:cond delay="0"/>
+                                  </p:stCondLst>
+                                  <p:childTnLst>
+                                    <p:set>
+                                      <p:cBhvr>
+                                        <p:cTn id="34" dur="1" fill="hold">
+                                          <p:stCondLst>
+                                            <p:cond delay="0"/>
+                                          </p:stCondLst>
+                                        </p:cTn>
+                                        <p:tgtEl>
+                                          <p:spTgt spid="9">
+                                            <p:txEl>
+                                              <p:pRg st="11" end="11"/>
+                                            </p:txEl>
+                                          </p:spTgt>
+                                        </p:tgtEl>
+                                        <p:attrNameLst>
+                                          <p:attrName>style.visibility</p:attrName>
+                                        </p:attrNameLst>
+                                      </p:cBhvr>
+                                      <p:to>
+                                        <p:strVal val="visible"/>
+                                      </p:to>
+                                    </p:set>
+                                  </p:childTnLst>
+                                </p:cTn>
+                              </p:par>
+                            </p:childTnLst>
+                          </p:cTn>
+                        </p:par>
+                      </p:childTnLst>
+                    </p:cTn>
+                  </p:par>
+                </p:childTnLst>
+              </p:cTn>
+              <p:prevCondLst>
+                <p:cond evt="onPrev" delay="0">
+                  <p:tgtEl>
+                    <p:sldTgt/>
+                  </p:tgtEl>
+                </p:cond>
+              </p:prevCondLst>
+              <p:nextCondLst>
+                <p:cond evt="onNext" delay="0">
+                  <p:tgtEl>
+                    <p:sldTgt/>
+                  </p:tgtEl>
+                </p:cond>
+              </p:nextCondLst>
+            </p:seq>
+          </p:childTnLst>
+        </p:cTn>
+      </p:par>
+    </p:tnLst>
+    <p:bldLst>
+      <p:bldP spid="3" grpId="0"/>
+    </p:bldLst>
+  </p:timing>
+</p:sld>
+</file>
+
+<file path=ppt/slides/slide28.xml><?xml version="1.0" encoding="utf-8"?>
 <p:sld xmlns:a="http://schemas.openxmlformats.org/drawingml/2006/main" xmlns:r="http://schemas.openxmlformats.org/officeDocument/2006/relationships" xmlns:p="http://schemas.openxmlformats.org/presentationml/2006/main">
   <p:cSld>
     <p:spTree>
@@ -15704,7 +16357,7 @@
           <a:p>
             <a:r>
               <a:rPr lang="en-US" dirty="0"/>
-              <a:t>Lab 2</a:t>
+              <a:t>Lab 1</a:t>
             </a:r>
           </a:p>
         </p:txBody>
@@ -15751,139 +16404,72 @@
               <a:t>Write the function </a:t>
             </a:r>
             <a:r>
-              <a:rPr lang="en-US" dirty="0">
+              <a:rPr lang="en-US" dirty="0" err="1">
                 <a:latin typeface="INCONSOLATA" panose="020B0609030003000000" pitchFamily="49" charset="77"/>
               </a:rPr>
-              <a:t>count</a:t>
+              <a:t>remove_punctuation</a:t>
             </a:r>
             <a:r>
               <a:rPr lang="en-US" dirty="0"/>
-              <a:t> which accepts two strings as parameters: a string called </a:t>
-            </a:r>
-            <a:r>
-              <a:rPr lang="en-US" dirty="0">
+              <a:t> which accepts a string as a parameter and returns a new string with all punctuations removed. </a:t>
+            </a:r>
+          </a:p>
+          <a:p>
+            <a:pPr marL="0" indent="0">
+              <a:buNone/>
+            </a:pPr>
+            <a:endParaRPr lang="en-US" dirty="0"/>
+          </a:p>
+          <a:p>
+            <a:pPr marL="0" indent="0">
+              <a:buNone/>
+            </a:pPr>
+            <a:r>
+              <a:rPr lang="en-US" dirty="0"/>
+              <a:t>You can use the following list of punctuation in your code.</a:t>
+            </a:r>
+          </a:p>
+          <a:p>
+            <a:pPr marL="0" indent="0">
+              <a:buNone/>
+            </a:pPr>
+            <a:endParaRPr lang="en-US" dirty="0"/>
+          </a:p>
+          <a:p>
+            <a:pPr marL="0" indent="0">
+              <a:buNone/>
+            </a:pPr>
+            <a:r>
+              <a:rPr lang="en-US" b="1" dirty="0" err="1">
                 <a:latin typeface="INCONSOLATA" panose="020B0609030003000000" pitchFamily="49" charset="77"/>
-              </a:rPr>
-              <a:t>text</a:t>
-            </a:r>
-            <a:r>
-              <a:rPr lang="en-US" dirty="0"/>
-              <a:t> and string called </a:t>
-            </a:r>
-            <a:r>
-              <a:rPr lang="en-US" dirty="0">
+                <a:cs typeface="InaiMathi" pitchFamily="2" charset="0"/>
+              </a:rPr>
+              <a:t>punc</a:t>
+            </a:r>
+            <a:r>
+              <a:rPr lang="en-US" b="1" dirty="0">
                 <a:latin typeface="INCONSOLATA" panose="020B0609030003000000" pitchFamily="49" charset="77"/>
-              </a:rPr>
-              <a:t>word</a:t>
-            </a:r>
-            <a:r>
-              <a:rPr lang="en-US" dirty="0"/>
-              <a:t> and returns the number of times </a:t>
-            </a:r>
-            <a:r>
-              <a:rPr lang="en-US" dirty="0">
-                <a:latin typeface="InaiMathi" pitchFamily="2" charset="0"/>
                 <a:cs typeface="InaiMathi" pitchFamily="2" charset="0"/>
               </a:rPr>
-              <a:t>word</a:t>
-            </a:r>
-            <a:r>
-              <a:rPr lang="en-US" dirty="0"/>
-              <a:t> occurs in </a:t>
-            </a:r>
-            <a:r>
-              <a:rPr lang="en-US" dirty="0">
-                <a:latin typeface="INCONSOLATA" panose="020B0609030003000000" pitchFamily="49" charset="77"/>
-              </a:rPr>
-              <a:t>text</a:t>
-            </a:r>
-            <a:r>
-              <a:rPr lang="en-US" dirty="0"/>
-              <a:t>. </a:t>
-            </a:r>
-          </a:p>
-          <a:p>
-            <a:pPr marL="0" indent="0">
-              <a:buNone/>
-            </a:pPr>
-            <a:endParaRPr lang="en-US" dirty="0"/>
-          </a:p>
-          <a:p>
-            <a:pPr marL="0" indent="0">
-              <a:buNone/>
-            </a:pPr>
-            <a:r>
-              <a:rPr lang="en-US" dirty="0"/>
-              <a:t>Assume that the string </a:t>
-            </a:r>
-            <a:r>
-              <a:rPr lang="en-US" dirty="0">
-                <a:latin typeface="INCONSOLATA" panose="020B0609030003000000" pitchFamily="49" charset="77"/>
-              </a:rPr>
-              <a:t>text </a:t>
-            </a:r>
-            <a:r>
-              <a:rPr lang="en-US" dirty="0">
-                <a:latin typeface="Gill Sans MT" panose="020B0502020104020203" pitchFamily="34" charset="77"/>
-              </a:rPr>
-              <a:t>consists of a sequence of word separated by spaces</a:t>
-            </a:r>
-            <a:r>
-              <a:rPr lang="en-US" dirty="0">
-                <a:latin typeface="INCONSOLATA" panose="020B0609030003000000" pitchFamily="49" charset="77"/>
-              </a:rPr>
-              <a:t>. </a:t>
-            </a:r>
-            <a:r>
-              <a:rPr lang="en-US" dirty="0">
-                <a:latin typeface="Gill Sans MT" panose="020B0502020104020203" pitchFamily="34" charset="77"/>
-              </a:rPr>
-              <a:t>Use split() in your code to convert </a:t>
-            </a:r>
-            <a:r>
-              <a:rPr lang="en-US" dirty="0">
-                <a:latin typeface="INCONSOLATA" panose="020B0609030003000000" pitchFamily="49" charset="77"/>
-              </a:rPr>
-              <a:t>text</a:t>
-            </a:r>
-            <a:r>
-              <a:rPr lang="en-US" dirty="0">
-                <a:latin typeface="Gill Sans MT" panose="020B0502020104020203" pitchFamily="34" charset="77"/>
-              </a:rPr>
-              <a:t> into a list of words.</a:t>
-            </a:r>
-            <a:r>
-              <a:rPr lang="en-US" dirty="0">
-                <a:latin typeface="INCONSOLATA" panose="020B0609030003000000" pitchFamily="49" charset="77"/>
-              </a:rPr>
-              <a:t> </a:t>
-            </a:r>
-          </a:p>
-          <a:p>
-            <a:pPr marL="0" indent="0">
-              <a:buNone/>
-            </a:pPr>
-            <a:endParaRPr lang="en-US" dirty="0">
+              <a:t> = [".",":",",",";","'",'"', "!","?"]</a:t>
+            </a:r>
+          </a:p>
+          <a:p>
+            <a:pPr marL="0" indent="0">
+              <a:buNone/>
+            </a:pPr>
+            <a:endParaRPr lang="en-US" b="1" dirty="0">
               <a:latin typeface="INCONSOLATA" panose="020B0609030003000000" pitchFamily="49" charset="77"/>
+              <a:cs typeface="InaiMathi" pitchFamily="2" charset="0"/>
             </a:endParaRPr>
           </a:p>
           <a:p>
             <a:pPr marL="0" indent="0">
               <a:buNone/>
             </a:pPr>
-            <a:r>
-              <a:rPr lang="en-US" dirty="0">
-                <a:latin typeface="Gill Sans MT" panose="020B0502020104020203" pitchFamily="34" charset="77"/>
-              </a:rPr>
-              <a:t>Use a for loop to do your count. </a:t>
-            </a:r>
-          </a:p>
-          <a:p>
-            <a:pPr marL="0" indent="0">
-              <a:buNone/>
-            </a:pPr>
-            <a:endParaRPr lang="en-US" dirty="0">
-              <a:latin typeface="Gill Sans MT" panose="020B0502020104020203" pitchFamily="34" charset="77"/>
+            <a:endParaRPr lang="en-US" b="1" dirty="0">
+              <a:latin typeface="INCONSOLATA" panose="020B0609030003000000" pitchFamily="49" charset="77"/>
+              <a:cs typeface="InaiMathi" pitchFamily="2" charset="0"/>
             </a:endParaRPr>
           </a:p>
           <a:p>
@@ -15940,20 +16526,6 @@
               </a:rPr>
               <a:t>.  You do not need to do it on a separate repl. </a:t>
             </a:r>
-          </a:p>
-          <a:p>
-            <a:pPr marL="0" indent="0">
-              <a:buNone/>
-            </a:pPr>
-            <a:endParaRPr lang="en-US" b="1" dirty="0">
-              <a:latin typeface="Gill Sans MT" panose="020B0502020104020203" pitchFamily="34" charset="77"/>
-            </a:endParaRPr>
-          </a:p>
-          <a:p>
-            <a:pPr marL="0" indent="0">
-              <a:buNone/>
-            </a:pPr>
-            <a:endParaRPr lang="en-US" dirty="0"/>
           </a:p>
           <a:p>
             <a:pPr marL="0" indent="0">
@@ -15987,7 +16559,7 @@
     </p:spTree>
     <p:extLst>
       <p:ext uri="{BB962C8B-B14F-4D97-AF65-F5344CB8AC3E}">
-        <p14:creationId xmlns:p14="http://schemas.microsoft.com/office/powerpoint/2010/main" val="31725581"/>
+        <p14:creationId xmlns:p14="http://schemas.microsoft.com/office/powerpoint/2010/main" val="3572930057"/>
       </p:ext>
     </p:extLst>
   </p:cSld>
@@ -15997,7 +16569,7 @@
 </p:sld>
 </file>
 
-<file path=ppt/slides/slide27.xml><?xml version="1.0" encoding="utf-8"?>
+<file path=ppt/slides/slide29.xml><?xml version="1.0" encoding="utf-8"?>
 <p:sld xmlns:a="http://schemas.openxmlformats.org/drawingml/2006/main" xmlns:r="http://schemas.openxmlformats.org/officeDocument/2006/relationships" xmlns:p="http://schemas.openxmlformats.org/presentationml/2006/main">
   <p:cSld>
     <p:spTree>
@@ -16042,7 +16614,7 @@
           <a:p>
             <a:r>
               <a:rPr lang="en-US" dirty="0"/>
-              <a:t>Lab 3: Count Words: Shakespeare</a:t>
+              <a:t>Lab 2</a:t>
             </a:r>
           </a:p>
         </p:txBody>
@@ -16085,29 +16657,116 @@
               <a:buNone/>
             </a:pPr>
             <a:r>
+              <a:rPr lang="en-US" dirty="0"/>
+              <a:t>Write the function </a:t>
+            </a:r>
+            <a:r>
+              <a:rPr lang="en-US" dirty="0">
+                <a:latin typeface="INCONSOLATA" panose="020B0609030003000000" pitchFamily="49" charset="77"/>
+              </a:rPr>
+              <a:t>count</a:t>
+            </a:r>
+            <a:r>
+              <a:rPr lang="en-US" dirty="0"/>
+              <a:t> which accepts two strings as parameters: a string called </a:t>
+            </a:r>
+            <a:r>
+              <a:rPr lang="en-US" dirty="0">
+                <a:latin typeface="INCONSOLATA" panose="020B0609030003000000" pitchFamily="49" charset="77"/>
+              </a:rPr>
+              <a:t>text</a:t>
+            </a:r>
+            <a:r>
+              <a:rPr lang="en-US" dirty="0"/>
+              <a:t> and string called </a:t>
+            </a:r>
+            <a:r>
+              <a:rPr lang="en-US" dirty="0">
+                <a:latin typeface="INCONSOLATA" panose="020B0609030003000000" pitchFamily="49" charset="77"/>
+              </a:rPr>
+              <a:t>word</a:t>
+            </a:r>
+            <a:r>
+              <a:rPr lang="en-US" dirty="0"/>
+              <a:t> and returns the number of times </a:t>
+            </a:r>
+            <a:r>
+              <a:rPr lang="en-US" dirty="0">
+                <a:latin typeface="InaiMathi" pitchFamily="2" charset="0"/>
+                <a:cs typeface="InaiMathi" pitchFamily="2" charset="0"/>
+              </a:rPr>
+              <a:t>word</a:t>
+            </a:r>
+            <a:r>
+              <a:rPr lang="en-US" dirty="0"/>
+              <a:t> occurs in </a:t>
+            </a:r>
+            <a:r>
+              <a:rPr lang="en-US" dirty="0">
+                <a:latin typeface="INCONSOLATA" panose="020B0609030003000000" pitchFamily="49" charset="77"/>
+              </a:rPr>
+              <a:t>text</a:t>
+            </a:r>
+            <a:r>
+              <a:rPr lang="en-US" dirty="0"/>
+              <a:t>. </a:t>
+            </a:r>
+          </a:p>
+          <a:p>
+            <a:pPr marL="0" indent="0">
+              <a:buNone/>
+            </a:pPr>
+            <a:endParaRPr lang="en-US" dirty="0"/>
+          </a:p>
+          <a:p>
+            <a:pPr marL="0" indent="0">
+              <a:buNone/>
+            </a:pPr>
+            <a:r>
+              <a:rPr lang="en-US" dirty="0"/>
+              <a:t>Assume that the string </a:t>
+            </a:r>
+            <a:r>
+              <a:rPr lang="en-US" dirty="0">
+                <a:latin typeface="INCONSOLATA" panose="020B0609030003000000" pitchFamily="49" charset="77"/>
+              </a:rPr>
+              <a:t>text </a:t>
+            </a:r>
+            <a:r>
               <a:rPr lang="en-US" dirty="0">
                 <a:latin typeface="Gill Sans MT" panose="020B0502020104020203" pitchFamily="34" charset="77"/>
               </a:rPr>
-              <a:t>You can use the previous lab to do simple word counts in Shakespeare's texts. </a:t>
-            </a:r>
-          </a:p>
-          <a:p>
-            <a:pPr marL="0" indent="0">
-              <a:buNone/>
-            </a:pPr>
-            <a:endParaRPr lang="en-US" dirty="0">
-              <a:latin typeface="Gill Sans MT" panose="020B0502020104020203" pitchFamily="34" charset="77"/>
-            </a:endParaRPr>
-          </a:p>
-          <a:p>
-            <a:pPr marL="0" indent="0">
-              <a:buNone/>
-            </a:pPr>
+              <a:t>consists of a sequence of word separated by spaces</a:t>
+            </a:r>
+            <a:r>
+              <a:rPr lang="en-US" dirty="0">
+                <a:latin typeface="INCONSOLATA" panose="020B0609030003000000" pitchFamily="49" charset="77"/>
+              </a:rPr>
+              <a:t>. </a:t>
+            </a:r>
             <a:r>
               <a:rPr lang="en-US" dirty="0">
                 <a:latin typeface="Gill Sans MT" panose="020B0502020104020203" pitchFamily="34" charset="77"/>
               </a:rPr>
-              <a:t>How often does the words like "king", "thou", "thee" occurs in Shakespeare's text?</a:t>
+              <a:t>Use split() in your code to convert </a:t>
+            </a:r>
+            <a:r>
+              <a:rPr lang="en-US" dirty="0">
+                <a:latin typeface="INCONSOLATA" panose="020B0609030003000000" pitchFamily="49" charset="77"/>
+              </a:rPr>
+              <a:t>text</a:t>
+            </a:r>
+            <a:r>
+              <a:rPr lang="en-US" dirty="0">
+                <a:latin typeface="Gill Sans MT" panose="020B0502020104020203" pitchFamily="34" charset="77"/>
+              </a:rPr>
+              <a:t> into a list of words.</a:t>
+            </a:r>
+            <a:r>
+              <a:rPr lang="en-US" dirty="0">
+                <a:latin typeface="INCONSOLATA" panose="020B0609030003000000" pitchFamily="49" charset="77"/>
+              </a:rPr>
+              <a:t> </a:t>
             </a:r>
           </a:p>
           <a:p>
@@ -16115,8 +16774,19 @@
               <a:buNone/>
             </a:pPr>
             <a:endParaRPr lang="en-US" dirty="0">
-              <a:latin typeface="Gill Sans MT" panose="020B0502020104020203" pitchFamily="34" charset="77"/>
+              <a:latin typeface="INCONSOLATA" panose="020B0609030003000000" pitchFamily="49" charset="77"/>
             </a:endParaRPr>
+          </a:p>
+          <a:p>
+            <a:pPr marL="0" indent="0">
+              <a:buNone/>
+            </a:pPr>
+            <a:r>
+              <a:rPr lang="en-US" dirty="0">
+                <a:latin typeface="Gill Sans MT" panose="020B0502020104020203" pitchFamily="34" charset="77"/>
+              </a:rPr>
+              <a:t>Use a for loop to do your count. </a:t>
+            </a:r>
           </a:p>
           <a:p>
             <a:pPr marL="0" indent="0">
@@ -16227,173 +16897,7 @@
     </p:spTree>
     <p:extLst>
       <p:ext uri="{BB962C8B-B14F-4D97-AF65-F5344CB8AC3E}">
-        <p14:creationId xmlns:p14="http://schemas.microsoft.com/office/powerpoint/2010/main" val="626030496"/>
-      </p:ext>
-    </p:extLst>
-  </p:cSld>
-  <p:clrMapOvr>
-    <a:masterClrMapping/>
-  </p:clrMapOvr>
-</p:sld>
-</file>
-
-<file path=ppt/slides/slide28.xml><?xml version="1.0" encoding="utf-8"?>
-<p:sld xmlns:a="http://schemas.openxmlformats.org/drawingml/2006/main" xmlns:r="http://schemas.openxmlformats.org/officeDocument/2006/relationships" xmlns:p="http://schemas.openxmlformats.org/presentationml/2006/main">
-  <p:cSld>
-    <p:spTree>
-      <p:nvGrpSpPr>
-        <p:cNvPr id="1" name=""/>
-        <p:cNvGrpSpPr/>
-        <p:nvPr/>
-      </p:nvGrpSpPr>
-      <p:grpSpPr>
-        <a:xfrm>
-          <a:off x="0" y="0"/>
-          <a:ext cx="0" cy="0"/>
-          <a:chOff x="0" y="0"/>
-          <a:chExt cx="0" cy="0"/>
-        </a:xfrm>
-      </p:grpSpPr>
-      <p:sp>
-        <p:nvSpPr>
-          <p:cNvPr id="2" name="Title 1">
-            <a:extLst>
-              <a:ext uri="{FF2B5EF4-FFF2-40B4-BE49-F238E27FC236}">
-                <a16:creationId xmlns:a16="http://schemas.microsoft.com/office/drawing/2014/main" id="{AA3A228F-61D0-D949-A5E7-F83756230BF8}"/>
-              </a:ext>
-            </a:extLst>
-          </p:cNvPr>
-          <p:cNvSpPr>
-            <a:spLocks noGrp="1"/>
-          </p:cNvSpPr>
-          <p:nvPr>
-            <p:ph type="title"/>
-          </p:nvPr>
-        </p:nvSpPr>
-        <p:spPr>
-          <a:xfrm>
-            <a:off x="483848" y="467027"/>
-            <a:ext cx="7053542" cy="683886"/>
-          </a:xfrm>
-        </p:spPr>
-        <p:txBody>
-          <a:bodyPr/>
-          <a:lstStyle/>
-          <a:p>
-            <a:r>
-              <a:rPr lang="en-US" dirty="0"/>
-              <a:t>References</a:t>
-            </a:r>
-          </a:p>
-        </p:txBody>
-      </p:sp>
-      <p:sp>
-        <p:nvSpPr>
-          <p:cNvPr id="9" name="Content Placeholder 8">
-            <a:extLst>
-              <a:ext uri="{FF2B5EF4-FFF2-40B4-BE49-F238E27FC236}">
-                <a16:creationId xmlns:a16="http://schemas.microsoft.com/office/drawing/2014/main" id="{E3B2E017-30B2-884B-A113-B419A2ED51AD}"/>
-              </a:ext>
-            </a:extLst>
-          </p:cNvPr>
-          <p:cNvSpPr>
-            <a:spLocks noGrp="1"/>
-          </p:cNvSpPr>
-          <p:nvPr>
-            <p:ph idx="1"/>
-          </p:nvPr>
-        </p:nvSpPr>
-        <p:spPr>
-          <a:xfrm>
-            <a:off x="483848" y="1150913"/>
-            <a:ext cx="8051725" cy="4440590"/>
-          </a:xfrm>
-        </p:spPr>
-        <p:txBody>
-          <a:bodyPr>
-            <a:noAutofit/>
-          </a:bodyPr>
-          <a:lstStyle/>
-          <a:p>
-            <a:pPr marL="0" indent="0">
-              <a:buNone/>
-            </a:pPr>
-            <a:endParaRPr lang="en-US" dirty="0"/>
-          </a:p>
-          <a:p>
-            <a:pPr marL="0" indent="0">
-              <a:buNone/>
-            </a:pPr>
-            <a:endParaRPr lang="en-US" dirty="0"/>
-          </a:p>
-          <a:p>
-            <a:pPr marL="0" indent="0">
-              <a:buNone/>
-            </a:pPr>
-            <a:endParaRPr lang="en-US" dirty="0"/>
-          </a:p>
-          <a:p>
-            <a:pPr marL="457200" indent="-457200">
-              <a:buAutoNum type="arabicParenR"/>
-            </a:pPr>
-            <a:r>
-              <a:rPr lang="en-US" dirty="0" err="1"/>
-              <a:t>Vanderplas</a:t>
-            </a:r>
-            <a:r>
-              <a:rPr lang="en-US" dirty="0"/>
-              <a:t>, Jake, A Whirlwind Tour of Python, </a:t>
-            </a:r>
-            <a:r>
-              <a:rPr lang="en-US" dirty="0" err="1"/>
-              <a:t>O’reilly</a:t>
-            </a:r>
-            <a:r>
-              <a:rPr lang="en-US" dirty="0"/>
-              <a:t> Media.</a:t>
-            </a:r>
-          </a:p>
-          <a:p>
-            <a:pPr marL="0" indent="0">
-              <a:buNone/>
-            </a:pPr>
-            <a:r>
-              <a:rPr lang="en-US" dirty="0"/>
-              <a:t>This book is completely free and can be downloaded online at </a:t>
-            </a:r>
-            <a:r>
-              <a:rPr lang="en-US" dirty="0" err="1"/>
-              <a:t>O’reilly’s</a:t>
-            </a:r>
-            <a:r>
-              <a:rPr lang="en-US" dirty="0"/>
-              <a:t> site. </a:t>
-            </a:r>
-          </a:p>
-          <a:p>
-            <a:pPr marL="457200" indent="-457200">
-              <a:buAutoNum type="arabicParenR"/>
-            </a:pPr>
-            <a:endParaRPr lang="en-US" dirty="0"/>
-          </a:p>
-          <a:p>
-            <a:pPr marL="0" indent="0">
-              <a:buNone/>
-            </a:pPr>
-            <a:endParaRPr lang="en-US" dirty="0"/>
-          </a:p>
-          <a:p>
-            <a:pPr marL="0" indent="0">
-              <a:buNone/>
-            </a:pPr>
-            <a:endParaRPr lang="en-US" dirty="0"/>
-          </a:p>
-        </p:txBody>
-      </p:sp>
-    </p:spTree>
-    <p:extLst>
-      <p:ext uri="{BB962C8B-B14F-4D97-AF65-F5344CB8AC3E}">
-        <p14:creationId xmlns:p14="http://schemas.microsoft.com/office/powerpoint/2010/main" val="2783383753"/>
+        <p14:creationId xmlns:p14="http://schemas.microsoft.com/office/powerpoint/2010/main" val="31725581"/>
       </p:ext>
     </p:extLst>
   </p:cSld>
@@ -16908,6 +17412,412 @@
       </p:par>
     </p:tnLst>
   </p:timing>
+</p:sld>
+</file>
+
+<file path=ppt/slides/slide30.xml><?xml version="1.0" encoding="utf-8"?>
+<p:sld xmlns:a="http://schemas.openxmlformats.org/drawingml/2006/main" xmlns:r="http://schemas.openxmlformats.org/officeDocument/2006/relationships" xmlns:p="http://schemas.openxmlformats.org/presentationml/2006/main">
+  <p:cSld>
+    <p:spTree>
+      <p:nvGrpSpPr>
+        <p:cNvPr id="1" name=""/>
+        <p:cNvGrpSpPr/>
+        <p:nvPr/>
+      </p:nvGrpSpPr>
+      <p:grpSpPr>
+        <a:xfrm>
+          <a:off x="0" y="0"/>
+          <a:ext cx="0" cy="0"/>
+          <a:chOff x="0" y="0"/>
+          <a:chExt cx="0" cy="0"/>
+        </a:xfrm>
+      </p:grpSpPr>
+      <p:sp>
+        <p:nvSpPr>
+          <p:cNvPr id="2" name="Title 1">
+            <a:extLst>
+              <a:ext uri="{FF2B5EF4-FFF2-40B4-BE49-F238E27FC236}">
+                <a16:creationId xmlns:a16="http://schemas.microsoft.com/office/drawing/2014/main" id="{AA3A228F-61D0-D949-A5E7-F83756230BF8}"/>
+              </a:ext>
+            </a:extLst>
+          </p:cNvPr>
+          <p:cNvSpPr>
+            <a:spLocks noGrp="1"/>
+          </p:cNvSpPr>
+          <p:nvPr>
+            <p:ph type="title"/>
+          </p:nvPr>
+        </p:nvSpPr>
+        <p:spPr>
+          <a:xfrm>
+            <a:off x="162572" y="195178"/>
+            <a:ext cx="7053542" cy="683886"/>
+          </a:xfrm>
+        </p:spPr>
+        <p:txBody>
+          <a:bodyPr/>
+          <a:lstStyle/>
+          <a:p>
+            <a:r>
+              <a:rPr lang="en-US" dirty="0"/>
+              <a:t>Lab 3: Count Words: Shakespeare</a:t>
+            </a:r>
+          </a:p>
+        </p:txBody>
+      </p:sp>
+      <p:sp>
+        <p:nvSpPr>
+          <p:cNvPr id="9" name="Content Placeholder 8">
+            <a:extLst>
+              <a:ext uri="{FF2B5EF4-FFF2-40B4-BE49-F238E27FC236}">
+                <a16:creationId xmlns:a16="http://schemas.microsoft.com/office/drawing/2014/main" id="{E3B2E017-30B2-884B-A113-B419A2ED51AD}"/>
+              </a:ext>
+            </a:extLst>
+          </p:cNvPr>
+          <p:cNvSpPr>
+            <a:spLocks noGrp="1"/>
+          </p:cNvSpPr>
+          <p:nvPr>
+            <p:ph idx="1"/>
+          </p:nvPr>
+        </p:nvSpPr>
+        <p:spPr>
+          <a:xfrm>
+            <a:off x="162572" y="976184"/>
+            <a:ext cx="8781131" cy="4738815"/>
+          </a:xfrm>
+        </p:spPr>
+        <p:txBody>
+          <a:bodyPr>
+            <a:noAutofit/>
+          </a:bodyPr>
+          <a:lstStyle/>
+          <a:p>
+            <a:pPr marL="0" indent="0">
+              <a:buNone/>
+            </a:pPr>
+            <a:endParaRPr lang="en-US" dirty="0"/>
+          </a:p>
+          <a:p>
+            <a:pPr marL="0" indent="0">
+              <a:buNone/>
+            </a:pPr>
+            <a:r>
+              <a:rPr lang="en-US" dirty="0">
+                <a:latin typeface="Gill Sans MT" panose="020B0502020104020203" pitchFamily="34" charset="77"/>
+              </a:rPr>
+              <a:t>You can use the previous lab to do simple word counts in Shakespeare's texts. </a:t>
+            </a:r>
+          </a:p>
+          <a:p>
+            <a:pPr marL="0" indent="0">
+              <a:buNone/>
+            </a:pPr>
+            <a:endParaRPr lang="en-US" dirty="0">
+              <a:latin typeface="Gill Sans MT" panose="020B0502020104020203" pitchFamily="34" charset="77"/>
+            </a:endParaRPr>
+          </a:p>
+          <a:p>
+            <a:pPr marL="0" indent="0">
+              <a:buNone/>
+            </a:pPr>
+            <a:r>
+              <a:rPr lang="en-US" dirty="0">
+                <a:latin typeface="Gill Sans MT" panose="020B0502020104020203" pitchFamily="34" charset="77"/>
+              </a:rPr>
+              <a:t>How often does the words like "king", "thou", "thee" occurs in Shakespeare's text?</a:t>
+            </a:r>
+          </a:p>
+          <a:p>
+            <a:pPr marL="0" indent="0">
+              <a:buNone/>
+            </a:pPr>
+            <a:endParaRPr lang="en-US" dirty="0">
+              <a:latin typeface="Gill Sans MT" panose="020B0502020104020203" pitchFamily="34" charset="77"/>
+            </a:endParaRPr>
+          </a:p>
+          <a:p>
+            <a:pPr marL="0" indent="0">
+              <a:buNone/>
+            </a:pPr>
+            <a:endParaRPr lang="en-US" dirty="0">
+              <a:latin typeface="Gill Sans MT" panose="020B0502020104020203" pitchFamily="34" charset="77"/>
+            </a:endParaRPr>
+          </a:p>
+          <a:p>
+            <a:pPr marL="0" indent="0">
+              <a:buNone/>
+            </a:pPr>
+            <a:r>
+              <a:rPr lang="en-US" dirty="0">
+                <a:solidFill>
+                  <a:srgbClr val="FF0000"/>
+                </a:solidFill>
+                <a:latin typeface="Gill Sans MT" panose="020B0502020104020203" pitchFamily="34" charset="77"/>
+                <a:cs typeface="InaiMathi" pitchFamily="2" charset="0"/>
+              </a:rPr>
+              <a:t>Note: This lab is now on </a:t>
+            </a:r>
+            <a:r>
+              <a:rPr lang="en-US" dirty="0" err="1">
+                <a:solidFill>
+                  <a:srgbClr val="FF0000"/>
+                </a:solidFill>
+                <a:latin typeface="Gill Sans MT" panose="020B0502020104020203" pitchFamily="34" charset="77"/>
+                <a:cs typeface="InaiMathi" pitchFamily="2" charset="0"/>
+              </a:rPr>
+              <a:t>replit</a:t>
+            </a:r>
+            <a:r>
+              <a:rPr lang="en-US" dirty="0">
+                <a:solidFill>
+                  <a:srgbClr val="FF0000"/>
+                </a:solidFill>
+                <a:latin typeface="Gill Sans MT" panose="020B0502020104020203" pitchFamily="34" charset="77"/>
+                <a:cs typeface="InaiMathi" pitchFamily="2" charset="0"/>
+              </a:rPr>
+              <a:t> Teams with </a:t>
+            </a:r>
+            <a:r>
+              <a:rPr lang="en-US" dirty="0" err="1">
+                <a:solidFill>
+                  <a:srgbClr val="FF0000"/>
+                </a:solidFill>
+                <a:latin typeface="Gill Sans MT" panose="020B0502020104020203" pitchFamily="34" charset="77"/>
+                <a:cs typeface="InaiMathi" pitchFamily="2" charset="0"/>
+              </a:rPr>
+              <a:t>autograding</a:t>
+            </a:r>
+            <a:r>
+              <a:rPr lang="en-US" dirty="0">
+                <a:solidFill>
+                  <a:srgbClr val="FF0000"/>
+                </a:solidFill>
+                <a:latin typeface="Gill Sans MT" panose="020B0502020104020203" pitchFamily="34" charset="77"/>
+                <a:cs typeface="InaiMathi" pitchFamily="2" charset="0"/>
+              </a:rPr>
+              <a:t>.  You do not need to do it on a separate repl. </a:t>
+            </a:r>
+          </a:p>
+          <a:p>
+            <a:pPr marL="0" indent="0">
+              <a:buNone/>
+            </a:pPr>
+            <a:endParaRPr lang="en-US" b="1" dirty="0">
+              <a:latin typeface="Gill Sans MT" panose="020B0502020104020203" pitchFamily="34" charset="77"/>
+            </a:endParaRPr>
+          </a:p>
+          <a:p>
+            <a:pPr marL="0" indent="0">
+              <a:buNone/>
+            </a:pPr>
+            <a:endParaRPr lang="en-US" dirty="0"/>
+          </a:p>
+          <a:p>
+            <a:pPr marL="0" indent="0">
+              <a:buNone/>
+            </a:pPr>
+            <a:endParaRPr lang="en-US" dirty="0"/>
+          </a:p>
+          <a:p>
+            <a:pPr marL="0" indent="0">
+              <a:buNone/>
+            </a:pPr>
+            <a:r>
+              <a:rPr lang="en-US" dirty="0"/>
+              <a:t> </a:t>
+            </a:r>
+          </a:p>
+          <a:p>
+            <a:pPr marL="0" indent="0">
+              <a:buNone/>
+            </a:pPr>
+            <a:endParaRPr lang="en-US" dirty="0"/>
+          </a:p>
+          <a:p>
+            <a:pPr marL="0" indent="0">
+              <a:buNone/>
+            </a:pPr>
+            <a:endParaRPr lang="en-US" dirty="0"/>
+          </a:p>
+        </p:txBody>
+      </p:sp>
+    </p:spTree>
+    <p:extLst>
+      <p:ext uri="{BB962C8B-B14F-4D97-AF65-F5344CB8AC3E}">
+        <p14:creationId xmlns:p14="http://schemas.microsoft.com/office/powerpoint/2010/main" val="626030496"/>
+      </p:ext>
+    </p:extLst>
+  </p:cSld>
+  <p:clrMapOvr>
+    <a:masterClrMapping/>
+  </p:clrMapOvr>
+</p:sld>
+</file>
+
+<file path=ppt/slides/slide31.xml><?xml version="1.0" encoding="utf-8"?>
+<p:sld xmlns:a="http://schemas.openxmlformats.org/drawingml/2006/main" xmlns:r="http://schemas.openxmlformats.org/officeDocument/2006/relationships" xmlns:p="http://schemas.openxmlformats.org/presentationml/2006/main">
+  <p:cSld>
+    <p:spTree>
+      <p:nvGrpSpPr>
+        <p:cNvPr id="1" name=""/>
+        <p:cNvGrpSpPr/>
+        <p:nvPr/>
+      </p:nvGrpSpPr>
+      <p:grpSpPr>
+        <a:xfrm>
+          <a:off x="0" y="0"/>
+          <a:ext cx="0" cy="0"/>
+          <a:chOff x="0" y="0"/>
+          <a:chExt cx="0" cy="0"/>
+        </a:xfrm>
+      </p:grpSpPr>
+      <p:sp>
+        <p:nvSpPr>
+          <p:cNvPr id="2" name="Title 1">
+            <a:extLst>
+              <a:ext uri="{FF2B5EF4-FFF2-40B4-BE49-F238E27FC236}">
+                <a16:creationId xmlns:a16="http://schemas.microsoft.com/office/drawing/2014/main" id="{AA3A228F-61D0-D949-A5E7-F83756230BF8}"/>
+              </a:ext>
+            </a:extLst>
+          </p:cNvPr>
+          <p:cNvSpPr>
+            <a:spLocks noGrp="1"/>
+          </p:cNvSpPr>
+          <p:nvPr>
+            <p:ph type="title"/>
+          </p:nvPr>
+        </p:nvSpPr>
+        <p:spPr>
+          <a:xfrm>
+            <a:off x="483848" y="467027"/>
+            <a:ext cx="7053542" cy="683886"/>
+          </a:xfrm>
+        </p:spPr>
+        <p:txBody>
+          <a:bodyPr/>
+          <a:lstStyle/>
+          <a:p>
+            <a:r>
+              <a:rPr lang="en-US" dirty="0"/>
+              <a:t>References</a:t>
+            </a:r>
+          </a:p>
+        </p:txBody>
+      </p:sp>
+      <p:sp>
+        <p:nvSpPr>
+          <p:cNvPr id="9" name="Content Placeholder 8">
+            <a:extLst>
+              <a:ext uri="{FF2B5EF4-FFF2-40B4-BE49-F238E27FC236}">
+                <a16:creationId xmlns:a16="http://schemas.microsoft.com/office/drawing/2014/main" id="{E3B2E017-30B2-884B-A113-B419A2ED51AD}"/>
+              </a:ext>
+            </a:extLst>
+          </p:cNvPr>
+          <p:cNvSpPr>
+            <a:spLocks noGrp="1"/>
+          </p:cNvSpPr>
+          <p:nvPr>
+            <p:ph idx="1"/>
+          </p:nvPr>
+        </p:nvSpPr>
+        <p:spPr>
+          <a:xfrm>
+            <a:off x="483848" y="1150913"/>
+            <a:ext cx="8051725" cy="4440590"/>
+          </a:xfrm>
+        </p:spPr>
+        <p:txBody>
+          <a:bodyPr>
+            <a:noAutofit/>
+          </a:bodyPr>
+          <a:lstStyle/>
+          <a:p>
+            <a:pPr marL="0" indent="0">
+              <a:buNone/>
+            </a:pPr>
+            <a:endParaRPr lang="en-US" dirty="0"/>
+          </a:p>
+          <a:p>
+            <a:pPr marL="0" indent="0">
+              <a:buNone/>
+            </a:pPr>
+            <a:endParaRPr lang="en-US" dirty="0"/>
+          </a:p>
+          <a:p>
+            <a:pPr marL="0" indent="0">
+              <a:buNone/>
+            </a:pPr>
+            <a:endParaRPr lang="en-US" dirty="0"/>
+          </a:p>
+          <a:p>
+            <a:pPr marL="457200" indent="-457200">
+              <a:buAutoNum type="arabicParenR"/>
+            </a:pPr>
+            <a:r>
+              <a:rPr lang="en-US" dirty="0" err="1"/>
+              <a:t>Vanderplas</a:t>
+            </a:r>
+            <a:r>
+              <a:rPr lang="en-US" dirty="0"/>
+              <a:t>, Jake, A Whirlwind Tour of Python, </a:t>
+            </a:r>
+            <a:r>
+              <a:rPr lang="en-US" dirty="0" err="1"/>
+              <a:t>O’reilly</a:t>
+            </a:r>
+            <a:r>
+              <a:rPr lang="en-US" dirty="0"/>
+              <a:t> Media.</a:t>
+            </a:r>
+          </a:p>
+          <a:p>
+            <a:pPr marL="0" indent="0">
+              <a:buNone/>
+            </a:pPr>
+            <a:r>
+              <a:rPr lang="en-US" dirty="0"/>
+              <a:t>This book is completely free and can be downloaded online at </a:t>
+            </a:r>
+            <a:r>
+              <a:rPr lang="en-US" dirty="0" err="1"/>
+              <a:t>O’reilly’s</a:t>
+            </a:r>
+            <a:r>
+              <a:rPr lang="en-US" dirty="0"/>
+              <a:t> site. </a:t>
+            </a:r>
+          </a:p>
+          <a:p>
+            <a:pPr marL="457200" indent="-457200">
+              <a:buAutoNum type="arabicParenR"/>
+            </a:pPr>
+            <a:endParaRPr lang="en-US" dirty="0"/>
+          </a:p>
+          <a:p>
+            <a:pPr marL="0" indent="0">
+              <a:buNone/>
+            </a:pPr>
+            <a:endParaRPr lang="en-US" dirty="0"/>
+          </a:p>
+          <a:p>
+            <a:pPr marL="0" indent="0">
+              <a:buNone/>
+            </a:pPr>
+            <a:endParaRPr lang="en-US" dirty="0"/>
+          </a:p>
+        </p:txBody>
+      </p:sp>
+    </p:spTree>
+    <p:extLst>
+      <p:ext uri="{BB962C8B-B14F-4D97-AF65-F5344CB8AC3E}">
+        <p14:creationId xmlns:p14="http://schemas.microsoft.com/office/powerpoint/2010/main" val="2783383753"/>
+      </p:ext>
+    </p:extLst>
+  </p:cSld>
+  <p:clrMapOvr>
+    <a:masterClrMapping/>
+  </p:clrMapOvr>
 </p:sld>
 </file>
 
